--- a/Módulo 01 - HTML e CSS/Aula 03 - Semantica em HTML/Semantica no HTML.pptx
+++ b/Módulo 01 - HTML e CSS/Aula 03 - Semantica em HTML/Semantica no HTML.pptx
@@ -5,18 +5,28 @@
     <p:sldMasterId id="2147483677" r:id="rId1"/>
   </p:sldMasterIdLst>
   <p:notesMasterIdLst>
-    <p:notesMasterId r:id="rId8"/>
+    <p:notesMasterId r:id="rId18"/>
   </p:notesMasterIdLst>
   <p:handoutMasterIdLst>
-    <p:handoutMasterId r:id="rId9"/>
+    <p:handoutMasterId r:id="rId19"/>
   </p:handoutMasterIdLst>
   <p:sldIdLst>
     <p:sldId id="256" r:id="rId2"/>
     <p:sldId id="267" r:id="rId3"/>
     <p:sldId id="268" r:id="rId4"/>
     <p:sldId id="263" r:id="rId5"/>
-    <p:sldId id="265" r:id="rId6"/>
-    <p:sldId id="266" r:id="rId7"/>
+    <p:sldId id="269" r:id="rId6"/>
+    <p:sldId id="274" r:id="rId7"/>
+    <p:sldId id="270" r:id="rId8"/>
+    <p:sldId id="271" r:id="rId9"/>
+    <p:sldId id="272" r:id="rId10"/>
+    <p:sldId id="273" r:id="rId11"/>
+    <p:sldId id="275" r:id="rId12"/>
+    <p:sldId id="276" r:id="rId13"/>
+    <p:sldId id="265" r:id="rId14"/>
+    <p:sldId id="266" r:id="rId15"/>
+    <p:sldId id="277" r:id="rId16"/>
+    <p:sldId id="278" r:id="rId17"/>
   </p:sldIdLst>
   <p:sldSz cx="12192000" cy="6858000"/>
   <p:notesSz cx="6858000" cy="9144000"/>
@@ -231,7 +241,7 @@
           <a:p>
             <a:fld id="{0F28648D-752F-4D9E-8EC2-61293C3E9BC7}" type="datetimeFigureOut">
               <a:rPr lang="pt-BR" smtClean="0"/>
-              <a:t>22/01/2025</a:t>
+              <a:t>23/01/2025</a:t>
             </a:fld>
             <a:endParaRPr lang="pt-BR"/>
           </a:p>
@@ -408,7 +418,7 @@
           <a:p>
             <a:fld id="{C67E822F-2664-47C4-8404-83B1D4D0E6EE}" type="datetimeFigureOut">
               <a:rPr lang="pt-BR" smtClean="0"/>
-              <a:t>22/01/2025</a:t>
+              <a:t>23/01/2025</a:t>
             </a:fld>
             <a:endParaRPr lang="pt-BR"/>
           </a:p>
@@ -1111,7 +1121,7 @@
           <a:p>
             <a:fld id="{CDD55C27-F8C6-4481-8569-CAC50CAE9F1F}" type="datetimeFigureOut">
               <a:rPr lang="pt-BR" smtClean="0"/>
-              <a:t>22/01/2025</a:t>
+              <a:t>23/01/2025</a:t>
             </a:fld>
             <a:endParaRPr lang="pt-BR"/>
           </a:p>
@@ -1601,7 +1611,7 @@
           <a:p>
             <a:fld id="{CDD55C27-F8C6-4481-8569-CAC50CAE9F1F}" type="datetimeFigureOut">
               <a:rPr lang="pt-BR" smtClean="0"/>
-              <a:t>22/01/2025</a:t>
+              <a:t>23/01/2025</a:t>
             </a:fld>
             <a:endParaRPr lang="pt-BR"/>
           </a:p>
@@ -1904,7 +1914,7 @@
           <a:p>
             <a:fld id="{CDD55C27-F8C6-4481-8569-CAC50CAE9F1F}" type="datetimeFigureOut">
               <a:rPr lang="pt-BR" smtClean="0"/>
-              <a:t>22/01/2025</a:t>
+              <a:t>23/01/2025</a:t>
             </a:fld>
             <a:endParaRPr lang="pt-BR"/>
           </a:p>
@@ -2355,7 +2365,7 @@
           <a:p>
             <a:fld id="{CDD55C27-F8C6-4481-8569-CAC50CAE9F1F}" type="datetimeFigureOut">
               <a:rPr lang="pt-BR" smtClean="0"/>
-              <a:t>22/01/2025</a:t>
+              <a:t>23/01/2025</a:t>
             </a:fld>
             <a:endParaRPr lang="pt-BR"/>
           </a:p>
@@ -2528,7 +2538,7 @@
           <a:p>
             <a:fld id="{CDD55C27-F8C6-4481-8569-CAC50CAE9F1F}" type="datetimeFigureOut">
               <a:rPr lang="pt-BR" smtClean="0"/>
-              <a:t>22/01/2025</a:t>
+              <a:t>23/01/2025</a:t>
             </a:fld>
             <a:endParaRPr lang="pt-BR"/>
           </a:p>
@@ -2665,7 +2675,7 @@
           <a:p>
             <a:fld id="{CDD55C27-F8C6-4481-8569-CAC50CAE9F1F}" type="datetimeFigureOut">
               <a:rPr lang="pt-BR" smtClean="0"/>
-              <a:t>22/01/2025</a:t>
+              <a:t>23/01/2025</a:t>
             </a:fld>
             <a:endParaRPr lang="pt-BR"/>
           </a:p>
@@ -3009,7 +3019,7 @@
           <a:p>
             <a:fld id="{CDD55C27-F8C6-4481-8569-CAC50CAE9F1F}" type="datetimeFigureOut">
               <a:rPr lang="pt-BR" smtClean="0"/>
-              <a:t>22/01/2025</a:t>
+              <a:t>23/01/2025</a:t>
             </a:fld>
             <a:endParaRPr lang="pt-BR"/>
           </a:p>
@@ -3330,7 +3340,7 @@
           <a:p>
             <a:fld id="{CDD55C27-F8C6-4481-8569-CAC50CAE9F1F}" type="datetimeFigureOut">
               <a:rPr lang="pt-BR" smtClean="0"/>
-              <a:t>22/01/2025</a:t>
+              <a:t>23/01/2025</a:t>
             </a:fld>
             <a:endParaRPr lang="pt-BR"/>
           </a:p>
@@ -3959,7 +3969,7 @@
 </p:sld>
 </file>
 
-<file path=ppt/slides/slide2.xml><?xml version="1.0" encoding="utf-8"?>
+<file path=ppt/slides/slide10.xml><?xml version="1.0" encoding="utf-8"?>
 <p:sld xmlns:a="http://schemas.openxmlformats.org/drawingml/2006/main" xmlns:r="http://schemas.openxmlformats.org/officeDocument/2006/relationships" xmlns:p="http://schemas.openxmlformats.org/presentationml/2006/main">
   <p:cSld>
     <p:spTree>
@@ -3981,7 +3991,7 @@
           <p:cNvPr id="2" name="Título 1">
             <a:extLst>
               <a:ext uri="{FF2B5EF4-FFF2-40B4-BE49-F238E27FC236}">
-                <a16:creationId xmlns:a16="http://schemas.microsoft.com/office/drawing/2014/main" id="{E9192180-C2D0-482A-9F8F-4362706604E0}"/>
+                <a16:creationId xmlns:a16="http://schemas.microsoft.com/office/drawing/2014/main" id="{4089CEA9-14F1-4F6A-A5F7-BB65F3A2B0C5}"/>
               </a:ext>
             </a:extLst>
           </p:cNvPr>
@@ -3999,7 +4009,7 @@
           <a:p>
             <a:r>
               <a:rPr lang="pt-BR" dirty="0"/>
-              <a:t>Estrutura de uma página em HTML</a:t>
+              <a:t>Conteúdo Independente</a:t>
             </a:r>
           </a:p>
         </p:txBody>
@@ -4009,7 +4019,7 @@
           <p:cNvPr id="3" name="Espaço Reservado para Conteúdo 2">
             <a:extLst>
               <a:ext uri="{FF2B5EF4-FFF2-40B4-BE49-F238E27FC236}">
-                <a16:creationId xmlns:a16="http://schemas.microsoft.com/office/drawing/2014/main" id="{0F50B637-BC29-4D69-B28A-93A2C9B5C2E9}"/>
+                <a16:creationId xmlns:a16="http://schemas.microsoft.com/office/drawing/2014/main" id="{B1758A75-421F-46B7-8F55-14AAAE6ED84E}"/>
               </a:ext>
             </a:extLst>
           </p:cNvPr>
@@ -4023,24 +4033,251 @@
         <p:spPr>
           <a:xfrm>
             <a:off x="592347" y="1844675"/>
-            <a:ext cx="11007306" cy="2135142"/>
+            <a:ext cx="11007306" cy="1508125"/>
           </a:xfrm>
         </p:spPr>
         <p:txBody>
           <a:bodyPr/>
           <a:lstStyle/>
           <a:p>
+            <a:pPr>
+              <a:spcBef>
+                <a:spcPts val="0"/>
+              </a:spcBef>
+            </a:pPr>
             <a:r>
               <a:rPr lang="pt-BR" dirty="0"/>
-              <a:t>Uma página HTML é composta por diferentes seções que ajudam a organizar e descrever o conteúdo de maneira semântica. Isso significa que cada parte da página tem um significado específico, que facilita tanto para os navegadores quanto para os humanos entenderem a hierarquia e o propósito de cada elemento. </a:t>
-            </a:r>
+              <a:t>O &lt;</a:t>
+            </a:r>
+            <a:r>
+              <a:rPr lang="pt-BR" dirty="0" err="1"/>
+              <a:t>article</a:t>
+            </a:r>
+            <a:r>
+              <a:rPr lang="pt-BR" dirty="0"/>
+              <a:t>&gt; é usado para agrupar um conteúdo que faz sentido por si só, como um post de blog, uma notícia ou um </a:t>
+            </a:r>
+            <a:r>
+              <a:rPr lang="pt-BR" dirty="0" err="1"/>
+              <a:t>card</a:t>
+            </a:r>
+            <a:r>
+              <a:rPr lang="pt-BR" dirty="0"/>
+              <a:t> de informação.</a:t>
+            </a:r>
+          </a:p>
+          <a:p>
+            <a:pPr>
+              <a:spcBef>
+                <a:spcPts val="0"/>
+              </a:spcBef>
+            </a:pPr>
+            <a:r>
+              <a:rPr lang="pt-BR" dirty="0"/>
+              <a:t>Sintaxe:</a:t>
+            </a:r>
+          </a:p>
+          <a:p>
+            <a:pPr>
+              <a:spcBef>
+                <a:spcPts val="0"/>
+              </a:spcBef>
+            </a:pPr>
+            <a:endParaRPr lang="pt-BR" dirty="0"/>
+          </a:p>
+        </p:txBody>
+      </p:sp>
+      <p:sp>
+        <p:nvSpPr>
+          <p:cNvPr id="5" name="Retângulo 4">
+            <a:extLst>
+              <a:ext uri="{FF2B5EF4-FFF2-40B4-BE49-F238E27FC236}">
+                <a16:creationId xmlns:a16="http://schemas.microsoft.com/office/drawing/2014/main" id="{00003968-66AD-4344-B51F-4D71A258D00B}"/>
+              </a:ext>
+            </a:extLst>
+          </p:cNvPr>
+          <p:cNvSpPr/>
+          <p:nvPr/>
+        </p:nvSpPr>
+        <p:spPr>
+          <a:xfrm>
+            <a:off x="2272937" y="3894482"/>
+            <a:ext cx="7646126" cy="1200329"/>
+          </a:xfrm>
+          <a:prstGeom prst="rect">
+            <a:avLst/>
+          </a:prstGeom>
+        </p:spPr>
+        <p:txBody>
+          <a:bodyPr wrap="square">
+            <a:spAutoFit/>
+          </a:bodyPr>
+          <a:lstStyle/>
+          <a:p>
+            <a:r>
+              <a:rPr lang="pt-BR" dirty="0">
+                <a:solidFill>
+                  <a:srgbClr val="800000"/>
+                </a:solidFill>
+                <a:latin typeface="Consolas" panose="020B0609020204030204" pitchFamily="49" charset="0"/>
+              </a:rPr>
+              <a:t>&lt;</a:t>
+            </a:r>
+            <a:r>
+              <a:rPr lang="pt-BR" dirty="0" err="1">
+                <a:solidFill>
+                  <a:srgbClr val="800000"/>
+                </a:solidFill>
+                <a:latin typeface="Consolas" panose="020B0609020204030204" pitchFamily="49" charset="0"/>
+              </a:rPr>
+              <a:t>article</a:t>
+            </a:r>
+            <a:r>
+              <a:rPr lang="pt-BR" dirty="0">
+                <a:solidFill>
+                  <a:srgbClr val="800000"/>
+                </a:solidFill>
+                <a:latin typeface="Consolas" panose="020B0609020204030204" pitchFamily="49" charset="0"/>
+              </a:rPr>
+              <a:t>&gt;</a:t>
+            </a:r>
+            <a:endParaRPr lang="pt-BR" dirty="0">
+              <a:solidFill>
+                <a:srgbClr val="000000"/>
+              </a:solidFill>
+              <a:latin typeface="Consolas" panose="020B0609020204030204" pitchFamily="49" charset="0"/>
+            </a:endParaRPr>
+          </a:p>
+          <a:p>
+            <a:r>
+              <a:rPr lang="pt-BR" dirty="0">
+                <a:solidFill>
+                  <a:srgbClr val="000000"/>
+                </a:solidFill>
+                <a:latin typeface="Consolas" panose="020B0609020204030204" pitchFamily="49" charset="0"/>
+              </a:rPr>
+              <a:t>      </a:t>
+            </a:r>
+            <a:r>
+              <a:rPr lang="pt-BR" dirty="0">
+                <a:solidFill>
+                  <a:srgbClr val="800000"/>
+                </a:solidFill>
+                <a:latin typeface="Consolas" panose="020B0609020204030204" pitchFamily="49" charset="0"/>
+              </a:rPr>
+              <a:t>&lt;h3&gt;</a:t>
+            </a:r>
+            <a:r>
+              <a:rPr lang="pt-BR" dirty="0">
+                <a:solidFill>
+                  <a:srgbClr val="000000"/>
+                </a:solidFill>
+                <a:latin typeface="Consolas" panose="020B0609020204030204" pitchFamily="49" charset="0"/>
+              </a:rPr>
+              <a:t>Site de Portfólio</a:t>
+            </a:r>
+            <a:r>
+              <a:rPr lang="pt-BR" dirty="0">
+                <a:solidFill>
+                  <a:srgbClr val="800000"/>
+                </a:solidFill>
+                <a:latin typeface="Consolas" panose="020B0609020204030204" pitchFamily="49" charset="0"/>
+              </a:rPr>
+              <a:t>&lt;/h3&gt;</a:t>
+            </a:r>
+            <a:endParaRPr lang="pt-BR" dirty="0">
+              <a:solidFill>
+                <a:srgbClr val="000000"/>
+              </a:solidFill>
+              <a:latin typeface="Consolas" panose="020B0609020204030204" pitchFamily="49" charset="0"/>
+            </a:endParaRPr>
+          </a:p>
+          <a:p>
+            <a:r>
+              <a:rPr lang="pt-BR" dirty="0">
+                <a:solidFill>
+                  <a:srgbClr val="000000"/>
+                </a:solidFill>
+                <a:latin typeface="Consolas" panose="020B0609020204030204" pitchFamily="49" charset="0"/>
+              </a:rPr>
+              <a:t>      </a:t>
+            </a:r>
+            <a:r>
+              <a:rPr lang="pt-BR" dirty="0">
+                <a:solidFill>
+                  <a:srgbClr val="800000"/>
+                </a:solidFill>
+                <a:latin typeface="Consolas" panose="020B0609020204030204" pitchFamily="49" charset="0"/>
+              </a:rPr>
+              <a:t>&lt;p&gt;</a:t>
+            </a:r>
+            <a:r>
+              <a:rPr lang="pt-BR" dirty="0">
+                <a:solidFill>
+                  <a:srgbClr val="000000"/>
+                </a:solidFill>
+                <a:latin typeface="Consolas" panose="020B0609020204030204" pitchFamily="49" charset="0"/>
+              </a:rPr>
+              <a:t>Um site que criei para mostrar meus trabalhos.</a:t>
+            </a:r>
+            <a:r>
+              <a:rPr lang="pt-BR" dirty="0">
+                <a:solidFill>
+                  <a:srgbClr val="800000"/>
+                </a:solidFill>
+                <a:latin typeface="Consolas" panose="020B0609020204030204" pitchFamily="49" charset="0"/>
+              </a:rPr>
+              <a:t>&lt;/p&gt;</a:t>
+            </a:r>
+            <a:endParaRPr lang="pt-BR" dirty="0">
+              <a:solidFill>
+                <a:srgbClr val="000000"/>
+              </a:solidFill>
+              <a:latin typeface="Consolas" panose="020B0609020204030204" pitchFamily="49" charset="0"/>
+            </a:endParaRPr>
+          </a:p>
+          <a:p>
+            <a:r>
+              <a:rPr lang="pt-BR" dirty="0">
+                <a:solidFill>
+                  <a:srgbClr val="800000"/>
+                </a:solidFill>
+                <a:latin typeface="Consolas" panose="020B0609020204030204" pitchFamily="49" charset="0"/>
+              </a:rPr>
+              <a:t>&lt;/</a:t>
+            </a:r>
+            <a:r>
+              <a:rPr lang="pt-BR" dirty="0" err="1">
+                <a:solidFill>
+                  <a:srgbClr val="800000"/>
+                </a:solidFill>
+                <a:latin typeface="Consolas" panose="020B0609020204030204" pitchFamily="49" charset="0"/>
+              </a:rPr>
+              <a:t>article</a:t>
+            </a:r>
+            <a:r>
+              <a:rPr lang="pt-BR" dirty="0">
+                <a:solidFill>
+                  <a:srgbClr val="800000"/>
+                </a:solidFill>
+                <a:latin typeface="Consolas" panose="020B0609020204030204" pitchFamily="49" charset="0"/>
+              </a:rPr>
+              <a:t>&gt;</a:t>
+            </a:r>
+            <a:endParaRPr lang="pt-BR" b="0" dirty="0">
+              <a:solidFill>
+                <a:srgbClr val="000000"/>
+              </a:solidFill>
+              <a:effectLst/>
+              <a:latin typeface="Consolas" panose="020B0609020204030204" pitchFamily="49" charset="0"/>
+            </a:endParaRPr>
           </a:p>
         </p:txBody>
       </p:sp>
     </p:spTree>
     <p:extLst>
       <p:ext uri="{BB962C8B-B14F-4D97-AF65-F5344CB8AC3E}">
-        <p14:creationId xmlns:p14="http://schemas.microsoft.com/office/powerpoint/2010/main" val="3860388329"/>
+        <p14:creationId xmlns:p14="http://schemas.microsoft.com/office/powerpoint/2010/main" val="2799188477"/>
       </p:ext>
     </p:extLst>
   </p:cSld>
@@ -4050,7 +4287,7 @@
 </p:sld>
 </file>
 
-<file path=ppt/slides/slide3.xml><?xml version="1.0" encoding="utf-8"?>
+<file path=ppt/slides/slide11.xml><?xml version="1.0" encoding="utf-8"?>
 <p:sld xmlns:a="http://schemas.openxmlformats.org/drawingml/2006/main" xmlns:r="http://schemas.openxmlformats.org/officeDocument/2006/relationships" xmlns:p="http://schemas.openxmlformats.org/presentationml/2006/main">
   <p:cSld>
     <p:spTree>
@@ -4072,7 +4309,7 @@
           <p:cNvPr id="2" name="Título 1">
             <a:extLst>
               <a:ext uri="{FF2B5EF4-FFF2-40B4-BE49-F238E27FC236}">
-                <a16:creationId xmlns:a16="http://schemas.microsoft.com/office/drawing/2014/main" id="{38CF4267-C2AB-43A0-8464-53C67DCA3A8E}"/>
+                <a16:creationId xmlns:a16="http://schemas.microsoft.com/office/drawing/2014/main" id="{4089CEA9-14F1-4F6A-A5F7-BB65F3A2B0C5}"/>
               </a:ext>
             </a:extLst>
           </p:cNvPr>
@@ -4090,49 +4327,98 @@
           <a:p>
             <a:r>
               <a:rPr lang="pt-BR" dirty="0"/>
-              <a:t>Exemplo de uma página</a:t>
+              <a:t>Agrupando Conteúdo Relacionado</a:t>
             </a:r>
           </a:p>
         </p:txBody>
       </p:sp>
-      <p:pic>
-        <p:nvPicPr>
-          <p:cNvPr id="4" name="Espaço Reservado para Conteúdo 3">
+      <p:sp>
+        <p:nvSpPr>
+          <p:cNvPr id="3" name="Espaço Reservado para Conteúdo 2">
             <a:extLst>
               <a:ext uri="{FF2B5EF4-FFF2-40B4-BE49-F238E27FC236}">
-                <a16:creationId xmlns:a16="http://schemas.microsoft.com/office/drawing/2014/main" id="{4679A6E8-8933-401C-8E2C-0C853854A7E4}"/>
+                <a16:creationId xmlns:a16="http://schemas.microsoft.com/office/drawing/2014/main" id="{B1758A75-421F-46B7-8F55-14AAAE6ED84E}"/>
               </a:ext>
             </a:extLst>
           </p:cNvPr>
-          <p:cNvPicPr>
-            <a:picLocks noGrp="1" noChangeAspect="1"/>
-          </p:cNvPicPr>
+          <p:cNvSpPr>
+            <a:spLocks noGrp="1"/>
+          </p:cNvSpPr>
           <p:nvPr>
             <p:ph idx="1"/>
           </p:nvPr>
-        </p:nvPicPr>
-        <p:blipFill>
-          <a:blip r:embed="rId2"/>
-          <a:stretch>
-            <a:fillRect/>
-          </a:stretch>
-        </p:blipFill>
+        </p:nvSpPr>
         <p:spPr>
           <a:xfrm>
-            <a:off x="1532636" y="1844675"/>
-            <a:ext cx="9126727" cy="4351338"/>
+            <a:off x="592347" y="1844674"/>
+            <a:ext cx="11007306" cy="1584325"/>
           </a:xfrm>
-          <a:prstGeom prst="rect">
-            <a:avLst/>
-          </a:prstGeom>
         </p:spPr>
-      </p:pic>
+        <p:txBody>
+          <a:bodyPr/>
+          <a:lstStyle/>
+          <a:p>
+            <a:pPr>
+              <a:spcBef>
+                <a:spcPts val="0"/>
+              </a:spcBef>
+            </a:pPr>
+            <a:r>
+              <a:rPr lang="pt-BR" dirty="0"/>
+              <a:t>A </a:t>
+            </a:r>
+            <a:r>
+              <a:rPr lang="pt-BR" dirty="0" err="1"/>
+              <a:t>tag</a:t>
+            </a:r>
+            <a:r>
+              <a:rPr lang="pt-BR" dirty="0"/>
+              <a:t> &lt;</a:t>
+            </a:r>
+            <a:r>
+              <a:rPr lang="pt-BR" dirty="0" err="1"/>
+              <a:t>section</a:t>
+            </a:r>
+            <a:r>
+              <a:rPr lang="pt-BR" dirty="0"/>
+              <a:t>&gt; é usada para dividir o conteúdo em blocos temáticos dentro do &lt;</a:t>
+            </a:r>
+            <a:r>
+              <a:rPr lang="pt-BR" dirty="0" err="1"/>
+              <a:t>main</a:t>
+            </a:r>
+            <a:r>
+              <a:rPr lang="pt-BR" dirty="0"/>
+              <a:t>&gt;. Ela é útil quando você quer agrupar várias partes relacionadas, como diferentes categorias.</a:t>
+            </a:r>
+          </a:p>
+          <a:p>
+            <a:pPr>
+              <a:spcBef>
+                <a:spcPts val="0"/>
+              </a:spcBef>
+            </a:pPr>
+            <a:r>
+              <a:rPr lang="pt-BR" dirty="0"/>
+              <a:t>Sintaxe:</a:t>
+            </a:r>
+          </a:p>
+          <a:p>
+            <a:pPr>
+              <a:spcBef>
+                <a:spcPts val="0"/>
+              </a:spcBef>
+            </a:pPr>
+            <a:endParaRPr lang="pt-BR" dirty="0"/>
+          </a:p>
+        </p:txBody>
+      </p:sp>
       <p:sp>
         <p:nvSpPr>
-          <p:cNvPr id="5" name="Retângulo 4">
+          <p:cNvPr id="4" name="Retângulo 3">
             <a:extLst>
               <a:ext uri="{FF2B5EF4-FFF2-40B4-BE49-F238E27FC236}">
-                <a16:creationId xmlns:a16="http://schemas.microsoft.com/office/drawing/2014/main" id="{6E624794-ACFF-48C6-8C6F-8127945C620E}"/>
+                <a16:creationId xmlns:a16="http://schemas.microsoft.com/office/drawing/2014/main" id="{A5FF86AC-7D65-4EE7-8062-82E4ADE45006}"/>
               </a:ext>
             </a:extLst>
           </p:cNvPr>
@@ -4141,561 +4427,351 @@
         </p:nvSpPr>
         <p:spPr>
           <a:xfrm>
-            <a:off x="1532637" y="1844675"/>
-            <a:ext cx="9126726" cy="724354"/>
+            <a:off x="4284617" y="3520164"/>
+            <a:ext cx="3622766" cy="2667397"/>
           </a:xfrm>
           <a:prstGeom prst="rect">
             <a:avLst/>
           </a:prstGeom>
-          <a:noFill/>
-          <a:ln w="28575">
-            <a:solidFill>
-              <a:srgbClr val="FF0000"/>
-            </a:solidFill>
-          </a:ln>
-        </p:spPr>
-        <p:style>
-          <a:lnRef idx="2">
-            <a:schemeClr val="accent1">
-              <a:shade val="50000"/>
-            </a:schemeClr>
-          </a:lnRef>
-          <a:fillRef idx="1">
-            <a:schemeClr val="accent1"/>
-          </a:fillRef>
-          <a:effectRef idx="0">
-            <a:schemeClr val="accent1"/>
-          </a:effectRef>
-          <a:fontRef idx="minor">
-            <a:schemeClr val="lt1"/>
-          </a:fontRef>
-        </p:style>
-        <p:txBody>
-          <a:bodyPr rtlCol="0" anchor="ctr"/>
-          <a:lstStyle/>
-          <a:p>
-            <a:pPr algn="ctr"/>
-            <a:endParaRPr lang="pt-BR"/>
-          </a:p>
-        </p:txBody>
-      </p:sp>
-      <p:sp>
-        <p:nvSpPr>
-          <p:cNvPr id="6" name="Retângulo 5">
-            <a:extLst>
-              <a:ext uri="{FF2B5EF4-FFF2-40B4-BE49-F238E27FC236}">
-                <a16:creationId xmlns:a16="http://schemas.microsoft.com/office/drawing/2014/main" id="{BE84FA21-0E71-4893-B287-99ED3FE4EC40}"/>
-              </a:ext>
-            </a:extLst>
-          </p:cNvPr>
-          <p:cNvSpPr/>
-          <p:nvPr/>
-        </p:nvSpPr>
-        <p:spPr>
-          <a:xfrm>
-            <a:off x="3583506" y="1997075"/>
-            <a:ext cx="4410963" cy="432616"/>
-          </a:xfrm>
-          <a:prstGeom prst="rect">
-            <a:avLst/>
-          </a:prstGeom>
-          <a:noFill/>
-          <a:ln w="28575">
-            <a:solidFill>
-              <a:srgbClr val="FF0000"/>
-            </a:solidFill>
-          </a:ln>
-        </p:spPr>
-        <p:style>
-          <a:lnRef idx="2">
-            <a:schemeClr val="accent1">
-              <a:shade val="50000"/>
-            </a:schemeClr>
-          </a:lnRef>
-          <a:fillRef idx="1">
-            <a:schemeClr val="accent1"/>
-          </a:fillRef>
-          <a:effectRef idx="0">
-            <a:schemeClr val="accent1"/>
-          </a:effectRef>
-          <a:fontRef idx="minor">
-            <a:schemeClr val="lt1"/>
-          </a:fontRef>
-        </p:style>
-        <p:txBody>
-          <a:bodyPr rtlCol="0" anchor="ctr"/>
-          <a:lstStyle/>
-          <a:p>
-            <a:pPr algn="ctr"/>
-            <a:endParaRPr lang="pt-BR"/>
-          </a:p>
-        </p:txBody>
-      </p:sp>
-      <p:sp>
-        <p:nvSpPr>
-          <p:cNvPr id="7" name="Retângulo 6">
-            <a:extLst>
-              <a:ext uri="{FF2B5EF4-FFF2-40B4-BE49-F238E27FC236}">
-                <a16:creationId xmlns:a16="http://schemas.microsoft.com/office/drawing/2014/main" id="{E56C7D03-B9AB-40A4-B38E-F0E823D0A996}"/>
-              </a:ext>
-            </a:extLst>
-          </p:cNvPr>
-          <p:cNvSpPr/>
-          <p:nvPr/>
-        </p:nvSpPr>
-        <p:spPr>
-          <a:xfrm>
-            <a:off x="2914650" y="2721429"/>
-            <a:ext cx="6375400" cy="2771321"/>
-          </a:xfrm>
-          <a:prstGeom prst="rect">
-            <a:avLst/>
-          </a:prstGeom>
-          <a:noFill/>
-          <a:ln w="28575">
-            <a:solidFill>
-              <a:srgbClr val="FF0000"/>
-            </a:solidFill>
-          </a:ln>
-        </p:spPr>
-        <p:style>
-          <a:lnRef idx="2">
-            <a:schemeClr val="accent1">
-              <a:shade val="50000"/>
-            </a:schemeClr>
-          </a:lnRef>
-          <a:fillRef idx="1">
-            <a:schemeClr val="accent1"/>
-          </a:fillRef>
-          <a:effectRef idx="0">
-            <a:schemeClr val="accent1"/>
-          </a:effectRef>
-          <a:fontRef idx="minor">
-            <a:schemeClr val="lt1"/>
-          </a:fontRef>
-        </p:style>
-        <p:txBody>
-          <a:bodyPr rtlCol="0" anchor="ctr"/>
-          <a:lstStyle/>
-          <a:p>
-            <a:pPr algn="ctr"/>
-            <a:endParaRPr lang="pt-BR"/>
-          </a:p>
-        </p:txBody>
-      </p:sp>
-      <p:sp>
-        <p:nvSpPr>
-          <p:cNvPr id="8" name="Retângulo 7">
-            <a:extLst>
-              <a:ext uri="{FF2B5EF4-FFF2-40B4-BE49-F238E27FC236}">
-                <a16:creationId xmlns:a16="http://schemas.microsoft.com/office/drawing/2014/main" id="{AAB34CB5-67DA-4B51-B70D-C2BB365BBFF0}"/>
-              </a:ext>
-            </a:extLst>
-          </p:cNvPr>
-          <p:cNvSpPr/>
-          <p:nvPr/>
-        </p:nvSpPr>
-        <p:spPr>
-          <a:xfrm>
-            <a:off x="1532634" y="2629116"/>
-            <a:ext cx="9126725" cy="3319711"/>
-          </a:xfrm>
-          <a:prstGeom prst="rect">
-            <a:avLst/>
-          </a:prstGeom>
-          <a:noFill/>
-          <a:ln w="28575">
-            <a:solidFill>
-              <a:srgbClr val="FF0000"/>
-            </a:solidFill>
-          </a:ln>
-        </p:spPr>
-        <p:style>
-          <a:lnRef idx="2">
-            <a:schemeClr val="accent1">
-              <a:shade val="50000"/>
-            </a:schemeClr>
-          </a:lnRef>
-          <a:fillRef idx="1">
-            <a:schemeClr val="accent1"/>
-          </a:fillRef>
-          <a:effectRef idx="0">
-            <a:schemeClr val="accent1"/>
-          </a:effectRef>
-          <a:fontRef idx="minor">
-            <a:schemeClr val="lt1"/>
-          </a:fontRef>
-        </p:style>
-        <p:txBody>
-          <a:bodyPr rtlCol="0" anchor="ctr"/>
-          <a:lstStyle/>
-          <a:p>
-            <a:pPr algn="ctr"/>
-            <a:endParaRPr lang="pt-BR"/>
-          </a:p>
-        </p:txBody>
-      </p:sp>
-      <p:cxnSp>
-        <p:nvCxnSpPr>
-          <p:cNvPr id="10" name="Conector de Seta Reta 9">
-            <a:extLst>
-              <a:ext uri="{FF2B5EF4-FFF2-40B4-BE49-F238E27FC236}">
-                <a16:creationId xmlns:a16="http://schemas.microsoft.com/office/drawing/2014/main" id="{8B06869B-903E-466C-A4FA-BE3C4BDF6D5A}"/>
-              </a:ext>
-            </a:extLst>
-          </p:cNvPr>
-          <p:cNvCxnSpPr>
-            <a:cxnSpLocks/>
-            <a:stCxn id="5" idx="0"/>
-            <a:endCxn id="11" idx="1"/>
-          </p:cNvCxnSpPr>
-          <p:nvPr/>
-        </p:nvCxnSpPr>
-        <p:spPr>
-          <a:xfrm flipV="1">
-            <a:off x="6096000" y="1612114"/>
-            <a:ext cx="914401" cy="232561"/>
-          </a:xfrm>
-          <a:prstGeom prst="straightConnector1">
-            <a:avLst/>
-          </a:prstGeom>
-          <a:ln w="28575">
-            <a:solidFill>
-              <a:srgbClr val="FF0000"/>
-            </a:solidFill>
-            <a:tailEnd type="triangle"/>
-          </a:ln>
-        </p:spPr>
-        <p:style>
-          <a:lnRef idx="1">
-            <a:schemeClr val="accent1"/>
-          </a:lnRef>
-          <a:fillRef idx="0">
-            <a:schemeClr val="accent1"/>
-          </a:fillRef>
-          <a:effectRef idx="0">
-            <a:schemeClr val="accent1"/>
-          </a:effectRef>
-          <a:fontRef idx="minor">
-            <a:schemeClr val="tx1"/>
-          </a:fontRef>
-        </p:style>
-      </p:cxnSp>
-      <p:sp>
-        <p:nvSpPr>
-          <p:cNvPr id="11" name="CaixaDeTexto 10">
-            <a:extLst>
-              <a:ext uri="{FF2B5EF4-FFF2-40B4-BE49-F238E27FC236}">
-                <a16:creationId xmlns:a16="http://schemas.microsoft.com/office/drawing/2014/main" id="{BEAAFD99-07C6-4906-92B4-63A860A33E20}"/>
-              </a:ext>
-            </a:extLst>
-          </p:cNvPr>
-          <p:cNvSpPr txBox="1"/>
-          <p:nvPr/>
-        </p:nvSpPr>
-        <p:spPr>
-          <a:xfrm>
-            <a:off x="7010401" y="1412059"/>
-            <a:ext cx="895350" cy="400110"/>
-          </a:xfrm>
-          <a:prstGeom prst="rect">
-            <a:avLst/>
-          </a:prstGeom>
-          <a:noFill/>
         </p:spPr>
         <p:txBody>
-          <a:bodyPr wrap="square" rtlCol="0">
+          <a:bodyPr wrap="square">
             <a:spAutoFit/>
           </a:bodyPr>
           <a:lstStyle/>
           <a:p>
-            <a:r>
-              <a:rPr lang="pt-BR" sz="2000" dirty="0">
-                <a:latin typeface="Times New Roman" panose="02020603050405020304" pitchFamily="18" charset="0"/>
-                <a:cs typeface="Times New Roman" panose="02020603050405020304" pitchFamily="18" charset="0"/>
-              </a:rPr>
-              <a:t>header</a:t>
-            </a:r>
-            <a:endParaRPr lang="pt-BR" dirty="0">
-              <a:latin typeface="Times New Roman" panose="02020603050405020304" pitchFamily="18" charset="0"/>
-              <a:cs typeface="Times New Roman" panose="02020603050405020304" pitchFamily="18" charset="0"/>
+            <a:pPr>
+              <a:spcBef>
+                <a:spcPts val="150"/>
+              </a:spcBef>
+              <a:spcAft>
+                <a:spcPts val="150"/>
+              </a:spcAft>
+            </a:pPr>
+            <a:r>
+              <a:rPr lang="it-IT" dirty="0">
+                <a:solidFill>
+                  <a:srgbClr val="800000"/>
+                </a:solidFill>
+                <a:latin typeface="Consolas" panose="020B0609020204030204" pitchFamily="49" charset="0"/>
+              </a:rPr>
+              <a:t>&lt;section&gt;</a:t>
+            </a:r>
+            <a:endParaRPr lang="it-IT" dirty="0">
+              <a:solidFill>
+                <a:srgbClr val="000000"/>
+              </a:solidFill>
+              <a:latin typeface="Consolas" panose="020B0609020204030204" pitchFamily="49" charset="0"/>
+            </a:endParaRPr>
+          </a:p>
+          <a:p>
+            <a:pPr>
+              <a:spcBef>
+                <a:spcPts val="150"/>
+              </a:spcBef>
+              <a:spcAft>
+                <a:spcPts val="150"/>
+              </a:spcAft>
+            </a:pPr>
+            <a:r>
+              <a:rPr lang="it-IT" dirty="0">
+                <a:solidFill>
+                  <a:srgbClr val="000000"/>
+                </a:solidFill>
+                <a:latin typeface="Consolas" panose="020B0609020204030204" pitchFamily="49" charset="0"/>
+              </a:rPr>
+              <a:t>    </a:t>
+            </a:r>
+            <a:r>
+              <a:rPr lang="it-IT" dirty="0">
+                <a:solidFill>
+                  <a:srgbClr val="800000"/>
+                </a:solidFill>
+                <a:latin typeface="Consolas" panose="020B0609020204030204" pitchFamily="49" charset="0"/>
+              </a:rPr>
+              <a:t>&lt;h2&gt;</a:t>
+            </a:r>
+            <a:r>
+              <a:rPr lang="it-IT" dirty="0">
+                <a:solidFill>
+                  <a:srgbClr val="000000"/>
+                </a:solidFill>
+                <a:latin typeface="Consolas" panose="020B0609020204030204" pitchFamily="49" charset="0"/>
+              </a:rPr>
+              <a:t>Habilidades</a:t>
+            </a:r>
+            <a:r>
+              <a:rPr lang="it-IT" dirty="0">
+                <a:solidFill>
+                  <a:srgbClr val="800000"/>
+                </a:solidFill>
+                <a:latin typeface="Consolas" panose="020B0609020204030204" pitchFamily="49" charset="0"/>
+              </a:rPr>
+              <a:t>&lt;/h2&gt;</a:t>
+            </a:r>
+            <a:endParaRPr lang="it-IT" dirty="0">
+              <a:solidFill>
+                <a:srgbClr val="000000"/>
+              </a:solidFill>
+              <a:latin typeface="Consolas" panose="020B0609020204030204" pitchFamily="49" charset="0"/>
+            </a:endParaRPr>
+          </a:p>
+          <a:p>
+            <a:pPr>
+              <a:spcBef>
+                <a:spcPts val="150"/>
+              </a:spcBef>
+              <a:spcAft>
+                <a:spcPts val="150"/>
+              </a:spcAft>
+            </a:pPr>
+            <a:r>
+              <a:rPr lang="it-IT" dirty="0">
+                <a:solidFill>
+                  <a:srgbClr val="000000"/>
+                </a:solidFill>
+                <a:latin typeface="Consolas" panose="020B0609020204030204" pitchFamily="49" charset="0"/>
+              </a:rPr>
+              <a:t>    </a:t>
+            </a:r>
+            <a:r>
+              <a:rPr lang="it-IT" dirty="0">
+                <a:solidFill>
+                  <a:srgbClr val="800000"/>
+                </a:solidFill>
+                <a:latin typeface="Consolas" panose="020B0609020204030204" pitchFamily="49" charset="0"/>
+              </a:rPr>
+              <a:t>&lt;ul&gt;</a:t>
+            </a:r>
+            <a:endParaRPr lang="it-IT" dirty="0">
+              <a:solidFill>
+                <a:srgbClr val="000000"/>
+              </a:solidFill>
+              <a:latin typeface="Consolas" panose="020B0609020204030204" pitchFamily="49" charset="0"/>
+            </a:endParaRPr>
+          </a:p>
+          <a:p>
+            <a:pPr>
+              <a:spcBef>
+                <a:spcPts val="150"/>
+              </a:spcBef>
+              <a:spcAft>
+                <a:spcPts val="150"/>
+              </a:spcAft>
+            </a:pPr>
+            <a:r>
+              <a:rPr lang="it-IT" dirty="0">
+                <a:solidFill>
+                  <a:srgbClr val="000000"/>
+                </a:solidFill>
+                <a:latin typeface="Consolas" panose="020B0609020204030204" pitchFamily="49" charset="0"/>
+              </a:rPr>
+              <a:t>      </a:t>
+            </a:r>
+            <a:r>
+              <a:rPr lang="it-IT" dirty="0">
+                <a:solidFill>
+                  <a:srgbClr val="800000"/>
+                </a:solidFill>
+                <a:latin typeface="Consolas" panose="020B0609020204030204" pitchFamily="49" charset="0"/>
+              </a:rPr>
+              <a:t>&lt;li&gt;</a:t>
+            </a:r>
+            <a:r>
+              <a:rPr lang="it-IT" dirty="0">
+                <a:solidFill>
+                  <a:srgbClr val="000000"/>
+                </a:solidFill>
+                <a:latin typeface="Consolas" panose="020B0609020204030204" pitchFamily="49" charset="0"/>
+              </a:rPr>
+              <a:t>HTML</a:t>
+            </a:r>
+            <a:r>
+              <a:rPr lang="it-IT" dirty="0">
+                <a:solidFill>
+                  <a:srgbClr val="800000"/>
+                </a:solidFill>
+                <a:latin typeface="Consolas" panose="020B0609020204030204" pitchFamily="49" charset="0"/>
+              </a:rPr>
+              <a:t>&lt;/li&gt;</a:t>
+            </a:r>
+            <a:endParaRPr lang="it-IT" dirty="0">
+              <a:solidFill>
+                <a:srgbClr val="000000"/>
+              </a:solidFill>
+              <a:latin typeface="Consolas" panose="020B0609020204030204" pitchFamily="49" charset="0"/>
+            </a:endParaRPr>
+          </a:p>
+          <a:p>
+            <a:pPr>
+              <a:spcBef>
+                <a:spcPts val="150"/>
+              </a:spcBef>
+              <a:spcAft>
+                <a:spcPts val="150"/>
+              </a:spcAft>
+            </a:pPr>
+            <a:r>
+              <a:rPr lang="it-IT" dirty="0">
+                <a:solidFill>
+                  <a:srgbClr val="000000"/>
+                </a:solidFill>
+                <a:latin typeface="Consolas" panose="020B0609020204030204" pitchFamily="49" charset="0"/>
+              </a:rPr>
+              <a:t>      </a:t>
+            </a:r>
+            <a:r>
+              <a:rPr lang="it-IT" dirty="0">
+                <a:solidFill>
+                  <a:srgbClr val="800000"/>
+                </a:solidFill>
+                <a:latin typeface="Consolas" panose="020B0609020204030204" pitchFamily="49" charset="0"/>
+              </a:rPr>
+              <a:t>&lt;li&gt;</a:t>
+            </a:r>
+            <a:r>
+              <a:rPr lang="it-IT" dirty="0">
+                <a:solidFill>
+                  <a:srgbClr val="000000"/>
+                </a:solidFill>
+                <a:latin typeface="Consolas" panose="020B0609020204030204" pitchFamily="49" charset="0"/>
+              </a:rPr>
+              <a:t>CSS</a:t>
+            </a:r>
+            <a:r>
+              <a:rPr lang="it-IT" dirty="0">
+                <a:solidFill>
+                  <a:srgbClr val="800000"/>
+                </a:solidFill>
+                <a:latin typeface="Consolas" panose="020B0609020204030204" pitchFamily="49" charset="0"/>
+              </a:rPr>
+              <a:t>&lt;/li&gt;</a:t>
+            </a:r>
+            <a:endParaRPr lang="it-IT" dirty="0">
+              <a:solidFill>
+                <a:srgbClr val="000000"/>
+              </a:solidFill>
+              <a:latin typeface="Consolas" panose="020B0609020204030204" pitchFamily="49" charset="0"/>
+            </a:endParaRPr>
+          </a:p>
+          <a:p>
+            <a:pPr>
+              <a:spcBef>
+                <a:spcPts val="150"/>
+              </a:spcBef>
+              <a:spcAft>
+                <a:spcPts val="150"/>
+              </a:spcAft>
+            </a:pPr>
+            <a:r>
+              <a:rPr lang="it-IT" dirty="0">
+                <a:solidFill>
+                  <a:srgbClr val="000000"/>
+                </a:solidFill>
+                <a:latin typeface="Consolas" panose="020B0609020204030204" pitchFamily="49" charset="0"/>
+              </a:rPr>
+              <a:t>      </a:t>
+            </a:r>
+            <a:r>
+              <a:rPr lang="it-IT" dirty="0">
+                <a:solidFill>
+                  <a:srgbClr val="800000"/>
+                </a:solidFill>
+                <a:latin typeface="Consolas" panose="020B0609020204030204" pitchFamily="49" charset="0"/>
+              </a:rPr>
+              <a:t>&lt;li&gt;</a:t>
+            </a:r>
+            <a:r>
+              <a:rPr lang="it-IT" dirty="0">
+                <a:solidFill>
+                  <a:srgbClr val="000000"/>
+                </a:solidFill>
+                <a:latin typeface="Consolas" panose="020B0609020204030204" pitchFamily="49" charset="0"/>
+              </a:rPr>
+              <a:t>JavaScript</a:t>
+            </a:r>
+            <a:r>
+              <a:rPr lang="it-IT" dirty="0">
+                <a:solidFill>
+                  <a:srgbClr val="800000"/>
+                </a:solidFill>
+                <a:latin typeface="Consolas" panose="020B0609020204030204" pitchFamily="49" charset="0"/>
+              </a:rPr>
+              <a:t>&lt;/li&gt;</a:t>
+            </a:r>
+            <a:endParaRPr lang="it-IT" dirty="0">
+              <a:solidFill>
+                <a:srgbClr val="000000"/>
+              </a:solidFill>
+              <a:latin typeface="Consolas" panose="020B0609020204030204" pitchFamily="49" charset="0"/>
+            </a:endParaRPr>
+          </a:p>
+          <a:p>
+            <a:pPr>
+              <a:spcBef>
+                <a:spcPts val="150"/>
+              </a:spcBef>
+              <a:spcAft>
+                <a:spcPts val="150"/>
+              </a:spcAft>
+            </a:pPr>
+            <a:r>
+              <a:rPr lang="it-IT" dirty="0">
+                <a:solidFill>
+                  <a:srgbClr val="000000"/>
+                </a:solidFill>
+                <a:latin typeface="Consolas" panose="020B0609020204030204" pitchFamily="49" charset="0"/>
+              </a:rPr>
+              <a:t>    </a:t>
+            </a:r>
+            <a:r>
+              <a:rPr lang="it-IT" dirty="0">
+                <a:solidFill>
+                  <a:srgbClr val="800000"/>
+                </a:solidFill>
+                <a:latin typeface="Consolas" panose="020B0609020204030204" pitchFamily="49" charset="0"/>
+              </a:rPr>
+              <a:t>&lt;/ul&gt;</a:t>
+            </a:r>
+            <a:endParaRPr lang="it-IT" dirty="0">
+              <a:solidFill>
+                <a:srgbClr val="000000"/>
+              </a:solidFill>
+              <a:latin typeface="Consolas" panose="020B0609020204030204" pitchFamily="49" charset="0"/>
+            </a:endParaRPr>
+          </a:p>
+          <a:p>
+            <a:pPr>
+              <a:spcBef>
+                <a:spcPts val="150"/>
+              </a:spcBef>
+              <a:spcAft>
+                <a:spcPts val="150"/>
+              </a:spcAft>
+            </a:pPr>
+            <a:r>
+              <a:rPr lang="it-IT" dirty="0">
+                <a:solidFill>
+                  <a:srgbClr val="800000"/>
+                </a:solidFill>
+                <a:latin typeface="Consolas" panose="020B0609020204030204" pitchFamily="49" charset="0"/>
+              </a:rPr>
+              <a:t>&lt;/section&gt;</a:t>
+            </a:r>
+            <a:endParaRPr lang="it-IT" b="0" dirty="0">
+              <a:solidFill>
+                <a:srgbClr val="000000"/>
+              </a:solidFill>
+              <a:effectLst/>
+              <a:latin typeface="Consolas" panose="020B0609020204030204" pitchFamily="49" charset="0"/>
             </a:endParaRPr>
           </a:p>
         </p:txBody>
       </p:sp>
-      <p:cxnSp>
-        <p:nvCxnSpPr>
-          <p:cNvPr id="13" name="Conector de Seta Reta 12">
-            <a:extLst>
-              <a:ext uri="{FF2B5EF4-FFF2-40B4-BE49-F238E27FC236}">
-                <a16:creationId xmlns:a16="http://schemas.microsoft.com/office/drawing/2014/main" id="{08095483-ADB7-47E1-B801-401CBF41D806}"/>
-              </a:ext>
-            </a:extLst>
-          </p:cNvPr>
-          <p:cNvCxnSpPr>
-            <a:cxnSpLocks/>
-            <a:stCxn id="6" idx="1"/>
-            <a:endCxn id="17" idx="3"/>
-          </p:cNvCxnSpPr>
-          <p:nvPr/>
-        </p:nvCxnSpPr>
-        <p:spPr>
-          <a:xfrm flipH="1" flipV="1">
-            <a:off x="2939337" y="1612878"/>
-            <a:ext cx="644169" cy="600505"/>
-          </a:xfrm>
-          <a:prstGeom prst="straightConnector1">
-            <a:avLst/>
-          </a:prstGeom>
-          <a:ln w="28575">
-            <a:solidFill>
-              <a:srgbClr val="FF0000"/>
-            </a:solidFill>
-            <a:tailEnd type="triangle"/>
-          </a:ln>
-        </p:spPr>
-        <p:style>
-          <a:lnRef idx="1">
-            <a:schemeClr val="accent1"/>
-          </a:lnRef>
-          <a:fillRef idx="0">
-            <a:schemeClr val="accent1"/>
-          </a:fillRef>
-          <a:effectRef idx="0">
-            <a:schemeClr val="accent1"/>
-          </a:effectRef>
-          <a:fontRef idx="minor">
-            <a:schemeClr val="tx1"/>
-          </a:fontRef>
-        </p:style>
-      </p:cxnSp>
-      <p:sp>
-        <p:nvSpPr>
-          <p:cNvPr id="17" name="CaixaDeTexto 16">
-            <a:extLst>
-              <a:ext uri="{FF2B5EF4-FFF2-40B4-BE49-F238E27FC236}">
-                <a16:creationId xmlns:a16="http://schemas.microsoft.com/office/drawing/2014/main" id="{12A2ECCF-5EFE-46D3-AC46-59F13FE2F282}"/>
-              </a:ext>
-            </a:extLst>
-          </p:cNvPr>
-          <p:cNvSpPr txBox="1"/>
-          <p:nvPr/>
-        </p:nvSpPr>
-        <p:spPr>
-          <a:xfrm>
-            <a:off x="2397201" y="1412823"/>
-            <a:ext cx="542136" cy="400110"/>
-          </a:xfrm>
-          <a:prstGeom prst="rect">
-            <a:avLst/>
-          </a:prstGeom>
-          <a:noFill/>
-        </p:spPr>
-        <p:txBody>
-          <a:bodyPr wrap="none" rtlCol="0">
-            <a:spAutoFit/>
-          </a:bodyPr>
-          <a:lstStyle/>
-          <a:p>
-            <a:r>
-              <a:rPr lang="pt-BR" sz="2000" dirty="0" err="1">
-                <a:latin typeface="Times New Roman" panose="02020603050405020304" pitchFamily="18" charset="0"/>
-                <a:cs typeface="Times New Roman" panose="02020603050405020304" pitchFamily="18" charset="0"/>
-              </a:rPr>
-              <a:t>na</a:t>
-            </a:r>
-            <a:r>
-              <a:rPr lang="pt-BR" dirty="0" err="1">
-                <a:latin typeface="Times New Roman" panose="02020603050405020304" pitchFamily="18" charset="0"/>
-                <a:cs typeface="Times New Roman" panose="02020603050405020304" pitchFamily="18" charset="0"/>
-              </a:rPr>
-              <a:t>v</a:t>
-            </a:r>
-            <a:endParaRPr lang="pt-BR" dirty="0">
-              <a:latin typeface="Times New Roman" panose="02020603050405020304" pitchFamily="18" charset="0"/>
-              <a:cs typeface="Times New Roman" panose="02020603050405020304" pitchFamily="18" charset="0"/>
-            </a:endParaRPr>
-          </a:p>
-        </p:txBody>
-      </p:sp>
-      <p:sp>
-        <p:nvSpPr>
-          <p:cNvPr id="19" name="CaixaDeTexto 18">
-            <a:extLst>
-              <a:ext uri="{FF2B5EF4-FFF2-40B4-BE49-F238E27FC236}">
-                <a16:creationId xmlns:a16="http://schemas.microsoft.com/office/drawing/2014/main" id="{72649276-194C-4227-A9B6-5CDB6A529BAA}"/>
-              </a:ext>
-            </a:extLst>
-          </p:cNvPr>
-          <p:cNvSpPr txBox="1"/>
-          <p:nvPr/>
-        </p:nvSpPr>
-        <p:spPr>
-          <a:xfrm>
-            <a:off x="378148" y="3737757"/>
-            <a:ext cx="769657" cy="369332"/>
-          </a:xfrm>
-          <a:prstGeom prst="rect">
-            <a:avLst/>
-          </a:prstGeom>
-          <a:noFill/>
-        </p:spPr>
-        <p:txBody>
-          <a:bodyPr wrap="square" rtlCol="0">
-            <a:spAutoFit/>
-          </a:bodyPr>
-          <a:lstStyle/>
-          <a:p>
-            <a:r>
-              <a:rPr lang="pt-BR" dirty="0" err="1">
-                <a:latin typeface="Times New Roman" panose="02020603050405020304" pitchFamily="18" charset="0"/>
-                <a:cs typeface="Times New Roman" panose="02020603050405020304" pitchFamily="18" charset="0"/>
-              </a:rPr>
-              <a:t>main</a:t>
-            </a:r>
-            <a:endParaRPr lang="pt-BR" dirty="0">
-              <a:latin typeface="Times New Roman" panose="02020603050405020304" pitchFamily="18" charset="0"/>
-              <a:cs typeface="Times New Roman" panose="02020603050405020304" pitchFamily="18" charset="0"/>
-            </a:endParaRPr>
-          </a:p>
-        </p:txBody>
-      </p:sp>
-      <p:cxnSp>
-        <p:nvCxnSpPr>
-          <p:cNvPr id="21" name="Conector de Seta Reta 20">
-            <a:extLst>
-              <a:ext uri="{FF2B5EF4-FFF2-40B4-BE49-F238E27FC236}">
-                <a16:creationId xmlns:a16="http://schemas.microsoft.com/office/drawing/2014/main" id="{1A361D5F-E8A4-415F-AB33-B36FBEB570D1}"/>
-              </a:ext>
-            </a:extLst>
-          </p:cNvPr>
-          <p:cNvCxnSpPr>
-            <a:endCxn id="19" idx="3"/>
-          </p:cNvCxnSpPr>
-          <p:nvPr/>
-        </p:nvCxnSpPr>
-        <p:spPr>
-          <a:xfrm flipH="1" flipV="1">
-            <a:off x="1147805" y="3922423"/>
-            <a:ext cx="384829" cy="106652"/>
-          </a:xfrm>
-          <a:prstGeom prst="straightConnector1">
-            <a:avLst/>
-          </a:prstGeom>
-          <a:ln w="28575">
-            <a:solidFill>
-              <a:srgbClr val="FF0000"/>
-            </a:solidFill>
-            <a:tailEnd type="triangle"/>
-          </a:ln>
-        </p:spPr>
-        <p:style>
-          <a:lnRef idx="1">
-            <a:schemeClr val="accent1"/>
-          </a:lnRef>
-          <a:fillRef idx="0">
-            <a:schemeClr val="accent1"/>
-          </a:fillRef>
-          <a:effectRef idx="0">
-            <a:schemeClr val="accent1"/>
-          </a:effectRef>
-          <a:fontRef idx="minor">
-            <a:schemeClr val="tx1"/>
-          </a:fontRef>
-        </p:style>
-      </p:cxnSp>
-      <p:sp>
-        <p:nvSpPr>
-          <p:cNvPr id="22" name="CaixaDeTexto 21">
-            <a:extLst>
-              <a:ext uri="{FF2B5EF4-FFF2-40B4-BE49-F238E27FC236}">
-                <a16:creationId xmlns:a16="http://schemas.microsoft.com/office/drawing/2014/main" id="{C7D23C2E-75AE-4323-85DC-4D577D0A21A0}"/>
-              </a:ext>
-            </a:extLst>
-          </p:cNvPr>
-          <p:cNvSpPr txBox="1"/>
-          <p:nvPr/>
-        </p:nvSpPr>
-        <p:spPr>
-          <a:xfrm>
-            <a:off x="1773677" y="3244334"/>
-            <a:ext cx="894592" cy="369332"/>
-          </a:xfrm>
-          <a:prstGeom prst="rect">
-            <a:avLst/>
-          </a:prstGeom>
-          <a:noFill/>
-        </p:spPr>
-        <p:txBody>
-          <a:bodyPr wrap="square" rtlCol="0">
-            <a:spAutoFit/>
-          </a:bodyPr>
-          <a:lstStyle/>
-          <a:p>
-            <a:r>
-              <a:rPr lang="pt-BR" dirty="0" err="1">
-                <a:latin typeface="Times New Roman" panose="02020603050405020304" pitchFamily="18" charset="0"/>
-                <a:cs typeface="Times New Roman" panose="02020603050405020304" pitchFamily="18" charset="0"/>
-              </a:rPr>
-              <a:t>section</a:t>
-            </a:r>
-            <a:endParaRPr lang="pt-BR" dirty="0">
-              <a:latin typeface="Times New Roman" panose="02020603050405020304" pitchFamily="18" charset="0"/>
-              <a:cs typeface="Times New Roman" panose="02020603050405020304" pitchFamily="18" charset="0"/>
-            </a:endParaRPr>
-          </a:p>
-        </p:txBody>
-      </p:sp>
-      <p:cxnSp>
-        <p:nvCxnSpPr>
-          <p:cNvPr id="24" name="Conector de Seta Reta 23">
-            <a:extLst>
-              <a:ext uri="{FF2B5EF4-FFF2-40B4-BE49-F238E27FC236}">
-                <a16:creationId xmlns:a16="http://schemas.microsoft.com/office/drawing/2014/main" id="{E524B898-93A3-466B-8B4C-DEFBA09743EE}"/>
-              </a:ext>
-            </a:extLst>
-          </p:cNvPr>
-          <p:cNvCxnSpPr>
-            <a:cxnSpLocks/>
-            <a:stCxn id="7" idx="1"/>
-            <a:endCxn id="22" idx="2"/>
-          </p:cNvCxnSpPr>
-          <p:nvPr/>
-        </p:nvCxnSpPr>
-        <p:spPr>
-          <a:xfrm flipH="1" flipV="1">
-            <a:off x="2220973" y="3613666"/>
-            <a:ext cx="693677" cy="493424"/>
-          </a:xfrm>
-          <a:prstGeom prst="straightConnector1">
-            <a:avLst/>
-          </a:prstGeom>
-          <a:ln w="28575">
-            <a:solidFill>
-              <a:srgbClr val="FF0000"/>
-            </a:solidFill>
-            <a:tailEnd type="triangle"/>
-          </a:ln>
-        </p:spPr>
-        <p:style>
-          <a:lnRef idx="1">
-            <a:schemeClr val="accent1"/>
-          </a:lnRef>
-          <a:fillRef idx="0">
-            <a:schemeClr val="accent1"/>
-          </a:fillRef>
-          <a:effectRef idx="0">
-            <a:schemeClr val="accent1"/>
-          </a:effectRef>
-          <a:fontRef idx="minor">
-            <a:schemeClr val="tx1"/>
-          </a:fontRef>
-        </p:style>
-      </p:cxnSp>
     </p:spTree>
     <p:extLst>
       <p:ext uri="{BB962C8B-B14F-4D97-AF65-F5344CB8AC3E}">
-        <p14:creationId xmlns:p14="http://schemas.microsoft.com/office/powerpoint/2010/main" val="158379194"/>
+        <p14:creationId xmlns:p14="http://schemas.microsoft.com/office/powerpoint/2010/main" val="4263730719"/>
       </p:ext>
     </p:extLst>
   </p:cSld>
@@ -4705,7 +4781,7 @@
 </p:sld>
 </file>
 
-<file path=ppt/slides/slide4.xml><?xml version="1.0" encoding="utf-8"?>
+<file path=ppt/slides/slide12.xml><?xml version="1.0" encoding="utf-8"?>
 <p:sld xmlns:a="http://schemas.openxmlformats.org/drawingml/2006/main" xmlns:r="http://schemas.openxmlformats.org/officeDocument/2006/relationships" xmlns:p="http://schemas.openxmlformats.org/presentationml/2006/main">
   <p:cSld>
     <p:spTree>
@@ -4727,7 +4803,7 @@
           <p:cNvPr id="2" name="Título 1">
             <a:extLst>
               <a:ext uri="{FF2B5EF4-FFF2-40B4-BE49-F238E27FC236}">
-                <a16:creationId xmlns:a16="http://schemas.microsoft.com/office/drawing/2014/main" id="{57856F1C-742A-4116-9D81-958CBDB81FE0}"/>
+                <a16:creationId xmlns:a16="http://schemas.microsoft.com/office/drawing/2014/main" id="{9E698A3F-BFD7-4DC1-87FC-BA7D8DD87CB0}"/>
               </a:ext>
             </a:extLst>
           </p:cNvPr>
@@ -4745,7 +4821,7 @@
           <a:p>
             <a:r>
               <a:rPr lang="pt-BR" dirty="0"/>
-              <a:t>Semântica no HTML5</a:t>
+              <a:t>Rodapé</a:t>
             </a:r>
           </a:p>
         </p:txBody>
@@ -4755,7 +4831,7 @@
           <p:cNvPr id="3" name="Espaço Reservado para Conteúdo 2">
             <a:extLst>
               <a:ext uri="{FF2B5EF4-FFF2-40B4-BE49-F238E27FC236}">
-                <a16:creationId xmlns:a16="http://schemas.microsoft.com/office/drawing/2014/main" id="{A8F3AF82-9954-4074-9026-4B60BD36F624}"/>
+                <a16:creationId xmlns:a16="http://schemas.microsoft.com/office/drawing/2014/main" id="{DE93E550-ADE0-4449-B9B0-26C5A6E500EE}"/>
               </a:ext>
             </a:extLst>
           </p:cNvPr>
@@ -4768,64 +4844,233 @@
         </p:nvSpPr>
         <p:spPr>
           <a:xfrm>
-            <a:off x="592347" y="1844675"/>
-            <a:ext cx="11007306" cy="2048056"/>
+            <a:off x="592347" y="1844674"/>
+            <a:ext cx="11007306" cy="1508125"/>
           </a:xfrm>
         </p:spPr>
         <p:txBody>
           <a:bodyPr/>
           <a:lstStyle/>
           <a:p>
-            <a:r>
-              <a:rPr lang="pt-BR"/>
-              <a:t>A </a:t>
-            </a:r>
-            <a:r>
-              <a:rPr lang="pt-BR" b="1"/>
-              <a:t>semântica no HTML5</a:t>
-            </a:r>
-            <a:r>
-              <a:rPr lang="pt-BR"/>
-              <a:t> refere-se ao uso de tags que possuem significados claros e descritivos, tanto para os navegadores quanto para os desenvolvedores. Essas tags ajudam a organizar o conteúdo de forma lógica, melhorando a acessibilidade, a legibilidade do código e o SEO (otimização para motores de busca).</a:t>
-            </a:r>
+            <a:pPr>
+              <a:spcBef>
+                <a:spcPts val="0"/>
+              </a:spcBef>
+            </a:pPr>
+            <a:r>
+              <a:rPr lang="pt-BR" dirty="0"/>
+              <a:t>O &lt;</a:t>
+            </a:r>
+            <a:r>
+              <a:rPr lang="pt-BR" dirty="0" err="1"/>
+              <a:t>footer</a:t>
+            </a:r>
+            <a:r>
+              <a:rPr lang="pt-BR" dirty="0"/>
+              <a:t>&gt; contém informações de fechamento da página ou seção, como direitos autorais, links de redes sociais, ou informações de contato.</a:t>
+            </a:r>
+          </a:p>
+          <a:p>
+            <a:pPr>
+              <a:spcBef>
+                <a:spcPts val="0"/>
+              </a:spcBef>
+            </a:pPr>
+            <a:r>
+              <a:rPr lang="pt-BR" dirty="0"/>
+              <a:t>Sintaxe:</a:t>
+            </a:r>
+          </a:p>
+          <a:p>
+            <a:pPr>
+              <a:spcBef>
+                <a:spcPts val="0"/>
+              </a:spcBef>
+            </a:pPr>
             <a:endParaRPr lang="pt-BR" dirty="0"/>
           </a:p>
         </p:txBody>
       </p:sp>
-      <p:pic>
-        <p:nvPicPr>
-          <p:cNvPr id="5" name="Imagem 4">
+      <p:sp>
+        <p:nvSpPr>
+          <p:cNvPr id="5" name="Retângulo 4">
             <a:extLst>
               <a:ext uri="{FF2B5EF4-FFF2-40B4-BE49-F238E27FC236}">
-                <a16:creationId xmlns:a16="http://schemas.microsoft.com/office/drawing/2014/main" id="{745AE290-D433-470A-ACD8-1992A9251645}"/>
+                <a16:creationId xmlns:a16="http://schemas.microsoft.com/office/drawing/2014/main" id="{61FF9211-3F5D-4DBE-9E1E-128DE545406A}"/>
               </a:ext>
             </a:extLst>
           </p:cNvPr>
-          <p:cNvPicPr>
-            <a:picLocks noChangeAspect="1"/>
-          </p:cNvPicPr>
+          <p:cNvSpPr/>
           <p:nvPr/>
-        </p:nvPicPr>
-        <p:blipFill>
-          <a:blip r:embed="rId2"/>
-          <a:stretch>
-            <a:fillRect/>
-          </a:stretch>
-        </p:blipFill>
+        </p:nvSpPr>
         <p:spPr>
           <a:xfrm>
-            <a:off x="2146663" y="4035361"/>
-            <a:ext cx="7898674" cy="2189187"/>
+            <a:off x="888398" y="3894480"/>
+            <a:ext cx="10415204" cy="1294329"/>
           </a:xfrm>
           <a:prstGeom prst="rect">
             <a:avLst/>
           </a:prstGeom>
         </p:spPr>
-      </p:pic>
+        <p:txBody>
+          <a:bodyPr wrap="square">
+            <a:spAutoFit/>
+          </a:bodyPr>
+          <a:lstStyle/>
+          <a:p>
+            <a:pPr>
+              <a:lnSpc>
+                <a:spcPct val="150000"/>
+              </a:lnSpc>
+            </a:pPr>
+            <a:r>
+              <a:rPr lang="pt-BR" dirty="0">
+                <a:solidFill>
+                  <a:srgbClr val="800000"/>
+                </a:solidFill>
+                <a:latin typeface="Consolas" panose="020B0609020204030204" pitchFamily="49" charset="0"/>
+              </a:rPr>
+              <a:t>&lt;</a:t>
+            </a:r>
+            <a:r>
+              <a:rPr lang="pt-BR" dirty="0" err="1">
+                <a:solidFill>
+                  <a:srgbClr val="800000"/>
+                </a:solidFill>
+                <a:latin typeface="Consolas" panose="020B0609020204030204" pitchFamily="49" charset="0"/>
+              </a:rPr>
+              <a:t>footer</a:t>
+            </a:r>
+            <a:r>
+              <a:rPr lang="pt-BR" dirty="0">
+                <a:solidFill>
+                  <a:srgbClr val="800000"/>
+                </a:solidFill>
+                <a:latin typeface="Consolas" panose="020B0609020204030204" pitchFamily="49" charset="0"/>
+              </a:rPr>
+              <a:t>&gt;</a:t>
+            </a:r>
+            <a:endParaRPr lang="pt-BR" dirty="0">
+              <a:solidFill>
+                <a:srgbClr val="000000"/>
+              </a:solidFill>
+              <a:latin typeface="Consolas" panose="020B0609020204030204" pitchFamily="49" charset="0"/>
+            </a:endParaRPr>
+          </a:p>
+          <a:p>
+            <a:pPr>
+              <a:lnSpc>
+                <a:spcPct val="150000"/>
+              </a:lnSpc>
+            </a:pPr>
+            <a:r>
+              <a:rPr lang="pt-BR" dirty="0">
+                <a:solidFill>
+                  <a:srgbClr val="000000"/>
+                </a:solidFill>
+                <a:latin typeface="Consolas" panose="020B0609020204030204" pitchFamily="49" charset="0"/>
+              </a:rPr>
+              <a:t>  </a:t>
+            </a:r>
+            <a:r>
+              <a:rPr lang="pt-BR" dirty="0">
+                <a:solidFill>
+                  <a:srgbClr val="800000"/>
+                </a:solidFill>
+                <a:latin typeface="Consolas" panose="020B0609020204030204" pitchFamily="49" charset="0"/>
+              </a:rPr>
+              <a:t>&lt;p&gt;</a:t>
+            </a:r>
+            <a:r>
+              <a:rPr lang="pt-BR" dirty="0">
+                <a:solidFill>
+                  <a:srgbClr val="000000"/>
+                </a:solidFill>
+                <a:latin typeface="Consolas" panose="020B0609020204030204" pitchFamily="49" charset="0"/>
+              </a:rPr>
+              <a:t>&amp;</a:t>
+            </a:r>
+            <a:r>
+              <a:rPr lang="pt-BR" dirty="0" err="1">
+                <a:solidFill>
+                  <a:srgbClr val="000000"/>
+                </a:solidFill>
+                <a:latin typeface="Consolas" panose="020B0609020204030204" pitchFamily="49" charset="0"/>
+              </a:rPr>
+              <a:t>copy</a:t>
+            </a:r>
+            <a:r>
+              <a:rPr lang="pt-BR" dirty="0">
+                <a:solidFill>
+                  <a:srgbClr val="000000"/>
+                </a:solidFill>
+                <a:latin typeface="Consolas" panose="020B0609020204030204" pitchFamily="49" charset="0"/>
+              </a:rPr>
+              <a:t>; 2025 Pedro Henrique Miho de Souza. Todos os direitos reservados.</a:t>
+            </a:r>
+            <a:r>
+              <a:rPr lang="pt-BR" dirty="0">
+                <a:solidFill>
+                  <a:srgbClr val="800000"/>
+                </a:solidFill>
+                <a:latin typeface="Consolas" panose="020B0609020204030204" pitchFamily="49" charset="0"/>
+              </a:rPr>
+              <a:t>&lt;/p&gt;</a:t>
+            </a:r>
+            <a:endParaRPr lang="pt-BR" dirty="0">
+              <a:solidFill>
+                <a:srgbClr val="000000"/>
+              </a:solidFill>
+              <a:latin typeface="Consolas" panose="020B0609020204030204" pitchFamily="49" charset="0"/>
+            </a:endParaRPr>
+          </a:p>
+          <a:p>
+            <a:pPr>
+              <a:lnSpc>
+                <a:spcPct val="150000"/>
+              </a:lnSpc>
+            </a:pPr>
+            <a:r>
+              <a:rPr lang="pt-BR" dirty="0">
+                <a:solidFill>
+                  <a:srgbClr val="800000"/>
+                </a:solidFill>
+                <a:latin typeface="Consolas" panose="020B0609020204030204" pitchFamily="49" charset="0"/>
+              </a:rPr>
+              <a:t>&lt;/</a:t>
+            </a:r>
+            <a:r>
+              <a:rPr lang="pt-BR" dirty="0" err="1">
+                <a:solidFill>
+                  <a:srgbClr val="800000"/>
+                </a:solidFill>
+                <a:latin typeface="Consolas" panose="020B0609020204030204" pitchFamily="49" charset="0"/>
+              </a:rPr>
+              <a:t>footer</a:t>
+            </a:r>
+            <a:r>
+              <a:rPr lang="pt-BR" dirty="0">
+                <a:solidFill>
+                  <a:srgbClr val="800000"/>
+                </a:solidFill>
+                <a:latin typeface="Consolas" panose="020B0609020204030204" pitchFamily="49" charset="0"/>
+              </a:rPr>
+              <a:t>&gt;</a:t>
+            </a:r>
+            <a:endParaRPr lang="pt-BR" b="0" dirty="0">
+              <a:solidFill>
+                <a:srgbClr val="000000"/>
+              </a:solidFill>
+              <a:effectLst/>
+              <a:latin typeface="Consolas" panose="020B0609020204030204" pitchFamily="49" charset="0"/>
+            </a:endParaRPr>
+          </a:p>
+        </p:txBody>
+      </p:sp>
     </p:spTree>
     <p:extLst>
       <p:ext uri="{BB962C8B-B14F-4D97-AF65-F5344CB8AC3E}">
-        <p14:creationId xmlns:p14="http://schemas.microsoft.com/office/powerpoint/2010/main" val="3575024904"/>
+        <p14:creationId xmlns:p14="http://schemas.microsoft.com/office/powerpoint/2010/main" val="1397549904"/>
       </p:ext>
     </p:extLst>
   </p:cSld>
@@ -4835,7 +5080,7 @@
 </p:sld>
 </file>
 
-<file path=ppt/slides/slide5.xml><?xml version="1.0" encoding="utf-8"?>
+<file path=ppt/slides/slide13.xml><?xml version="1.0" encoding="utf-8"?>
 <p:sld xmlns:a="http://schemas.openxmlformats.org/drawingml/2006/main" xmlns:r="http://schemas.openxmlformats.org/officeDocument/2006/relationships" xmlns:p="http://schemas.openxmlformats.org/presentationml/2006/main">
   <p:cSld>
     <p:spTree>
@@ -5224,7 +5469,7 @@
 </p:sld>
 </file>
 
-<file path=ppt/slides/slide6.xml><?xml version="1.0" encoding="utf-8"?>
+<file path=ppt/slides/slide14.xml><?xml version="1.0" encoding="utf-8"?>
 <p:sld xmlns:a="http://schemas.openxmlformats.org/drawingml/2006/main" xmlns:r="http://schemas.openxmlformats.org/officeDocument/2006/relationships" xmlns:p="http://schemas.openxmlformats.org/presentationml/2006/main">
   <p:cSld>
     <p:spTree>
@@ -5556,6 +5801,5655 @@
     <p:extLst>
       <p:ext uri="{BB962C8B-B14F-4D97-AF65-F5344CB8AC3E}">
         <p14:creationId xmlns:p14="http://schemas.microsoft.com/office/powerpoint/2010/main" val="1228447022"/>
+      </p:ext>
+    </p:extLst>
+  </p:cSld>
+  <p:clrMapOvr>
+    <a:masterClrMapping/>
+  </p:clrMapOvr>
+</p:sld>
+</file>
+
+<file path=ppt/slides/slide15.xml><?xml version="1.0" encoding="utf-8"?>
+<p:sld xmlns:a="http://schemas.openxmlformats.org/drawingml/2006/main" xmlns:r="http://schemas.openxmlformats.org/officeDocument/2006/relationships" xmlns:p="http://schemas.openxmlformats.org/presentationml/2006/main">
+  <p:cSld>
+    <p:spTree>
+      <p:nvGrpSpPr>
+        <p:cNvPr id="1" name=""/>
+        <p:cNvGrpSpPr/>
+        <p:nvPr/>
+      </p:nvGrpSpPr>
+      <p:grpSpPr>
+        <a:xfrm>
+          <a:off x="0" y="0"/>
+          <a:ext cx="0" cy="0"/>
+          <a:chOff x="0" y="0"/>
+          <a:chExt cx="0" cy="0"/>
+        </a:xfrm>
+      </p:grpSpPr>
+      <p:sp>
+        <p:nvSpPr>
+          <p:cNvPr id="2" name="Título 1">
+            <a:extLst>
+              <a:ext uri="{FF2B5EF4-FFF2-40B4-BE49-F238E27FC236}">
+                <a16:creationId xmlns:a16="http://schemas.microsoft.com/office/drawing/2014/main" id="{7B7B5E42-7517-4151-ACF5-E9550C0BA477}"/>
+              </a:ext>
+            </a:extLst>
+          </p:cNvPr>
+          <p:cNvSpPr>
+            <a:spLocks noGrp="1"/>
+          </p:cNvSpPr>
+          <p:nvPr>
+            <p:ph type="title"/>
+          </p:nvPr>
+        </p:nvSpPr>
+        <p:spPr/>
+        <p:txBody>
+          <a:bodyPr/>
+          <a:lstStyle/>
+          <a:p>
+            <a:r>
+              <a:rPr lang="pt-BR" dirty="0"/>
+              <a:t>Melhoria no Desafio - Site de Receitas</a:t>
+            </a:r>
+          </a:p>
+        </p:txBody>
+      </p:sp>
+      <p:sp>
+        <p:nvSpPr>
+          <p:cNvPr id="3" name="Espaço Reservado para Conteúdo 2">
+            <a:extLst>
+              <a:ext uri="{FF2B5EF4-FFF2-40B4-BE49-F238E27FC236}">
+                <a16:creationId xmlns:a16="http://schemas.microsoft.com/office/drawing/2014/main" id="{F6487893-AD74-4518-8B57-6721B91C1336}"/>
+              </a:ext>
+            </a:extLst>
+          </p:cNvPr>
+          <p:cNvSpPr>
+            <a:spLocks noGrp="1"/>
+          </p:cNvSpPr>
+          <p:nvPr>
+            <p:ph idx="1"/>
+          </p:nvPr>
+        </p:nvSpPr>
+        <p:spPr/>
+        <p:txBody>
+          <a:bodyPr/>
+          <a:lstStyle/>
+          <a:p>
+            <a:r>
+              <a:rPr lang="pt-BR" dirty="0"/>
+              <a:t>Você </a:t>
+            </a:r>
+            <a:r>
+              <a:rPr lang="pt-BR" dirty="0" err="1"/>
+              <a:t>desevolveu</a:t>
+            </a:r>
+            <a:r>
+              <a:rPr lang="pt-BR" dirty="0"/>
+              <a:t> o código HTML de uma página de receita básica, mas percebeu que faltam </a:t>
+            </a:r>
+            <a:r>
+              <a:rPr lang="pt-BR" dirty="0" err="1"/>
+              <a:t>tags</a:t>
+            </a:r>
+            <a:r>
+              <a:rPr lang="pt-BR" dirty="0"/>
+              <a:t> semânticas. O objetivo é </a:t>
+            </a:r>
+            <a:r>
+              <a:rPr lang="pt-BR" dirty="0" err="1"/>
+              <a:t>refatorar</a:t>
+            </a:r>
+            <a:r>
+              <a:rPr lang="pt-BR" dirty="0"/>
+              <a:t> o código para utilizar </a:t>
+            </a:r>
+            <a:r>
+              <a:rPr lang="pt-BR" dirty="0" err="1"/>
+              <a:t>tags</a:t>
+            </a:r>
+            <a:r>
+              <a:rPr lang="pt-BR" dirty="0"/>
+              <a:t> como header, </a:t>
+            </a:r>
+            <a:r>
+              <a:rPr lang="pt-BR" dirty="0" err="1"/>
+              <a:t>nav</a:t>
+            </a:r>
+            <a:r>
+              <a:rPr lang="pt-BR" dirty="0"/>
+              <a:t>, </a:t>
+            </a:r>
+            <a:r>
+              <a:rPr lang="pt-BR" dirty="0" err="1"/>
+              <a:t>main</a:t>
+            </a:r>
+            <a:r>
+              <a:rPr lang="pt-BR" dirty="0"/>
+              <a:t>, </a:t>
+            </a:r>
+            <a:r>
+              <a:rPr lang="pt-BR" dirty="0" err="1"/>
+              <a:t>section</a:t>
+            </a:r>
+            <a:r>
+              <a:rPr lang="pt-BR" dirty="0"/>
+              <a:t>, </a:t>
+            </a:r>
+            <a:r>
+              <a:rPr lang="pt-BR" dirty="0" err="1"/>
+              <a:t>article</a:t>
+            </a:r>
+            <a:r>
+              <a:rPr lang="pt-BR" dirty="0"/>
+              <a:t>, e </a:t>
+            </a:r>
+            <a:r>
+              <a:rPr lang="pt-BR" dirty="0" err="1"/>
+              <a:t>footer</a:t>
+            </a:r>
+            <a:r>
+              <a:rPr lang="pt-BR" dirty="0"/>
+              <a:t>, melhorando a semântica e organização.</a:t>
+            </a:r>
+          </a:p>
+          <a:p>
+            <a:endParaRPr lang="pt-BR" dirty="0"/>
+          </a:p>
+        </p:txBody>
+      </p:sp>
+    </p:spTree>
+    <p:extLst>
+      <p:ext uri="{BB962C8B-B14F-4D97-AF65-F5344CB8AC3E}">
+        <p14:creationId xmlns:p14="http://schemas.microsoft.com/office/powerpoint/2010/main" val="2098317305"/>
+      </p:ext>
+    </p:extLst>
+  </p:cSld>
+  <p:clrMapOvr>
+    <a:masterClrMapping/>
+  </p:clrMapOvr>
+</p:sld>
+</file>
+
+<file path=ppt/slides/slide16.xml><?xml version="1.0" encoding="utf-8"?>
+<p:sld xmlns:a="http://schemas.openxmlformats.org/drawingml/2006/main" xmlns:r="http://schemas.openxmlformats.org/officeDocument/2006/relationships" xmlns:p="http://schemas.openxmlformats.org/presentationml/2006/main">
+  <p:cSld>
+    <p:spTree>
+      <p:nvGrpSpPr>
+        <p:cNvPr id="1" name=""/>
+        <p:cNvGrpSpPr/>
+        <p:nvPr/>
+      </p:nvGrpSpPr>
+      <p:grpSpPr>
+        <a:xfrm>
+          <a:off x="0" y="0"/>
+          <a:ext cx="0" cy="0"/>
+          <a:chOff x="0" y="0"/>
+          <a:chExt cx="0" cy="0"/>
+        </a:xfrm>
+      </p:grpSpPr>
+      <p:sp>
+        <p:nvSpPr>
+          <p:cNvPr id="2" name="Título 1">
+            <a:extLst>
+              <a:ext uri="{FF2B5EF4-FFF2-40B4-BE49-F238E27FC236}">
+                <a16:creationId xmlns:a16="http://schemas.microsoft.com/office/drawing/2014/main" id="{7B7B5E42-7517-4151-ACF5-E9550C0BA477}"/>
+              </a:ext>
+            </a:extLst>
+          </p:cNvPr>
+          <p:cNvSpPr>
+            <a:spLocks noGrp="1"/>
+          </p:cNvSpPr>
+          <p:nvPr>
+            <p:ph type="title"/>
+          </p:nvPr>
+        </p:nvSpPr>
+        <p:spPr/>
+        <p:txBody>
+          <a:bodyPr/>
+          <a:lstStyle/>
+          <a:p>
+            <a:r>
+              <a:rPr lang="pt-BR" dirty="0"/>
+              <a:t>Melhoria no Desafio  - Criando um Portfólio Profissional</a:t>
+            </a:r>
+          </a:p>
+        </p:txBody>
+      </p:sp>
+      <p:sp>
+        <p:nvSpPr>
+          <p:cNvPr id="3" name="Espaço Reservado para Conteúdo 2">
+            <a:extLst>
+              <a:ext uri="{FF2B5EF4-FFF2-40B4-BE49-F238E27FC236}">
+                <a16:creationId xmlns:a16="http://schemas.microsoft.com/office/drawing/2014/main" id="{F6487893-AD74-4518-8B57-6721B91C1336}"/>
+              </a:ext>
+            </a:extLst>
+          </p:cNvPr>
+          <p:cNvSpPr>
+            <a:spLocks noGrp="1"/>
+          </p:cNvSpPr>
+          <p:nvPr>
+            <p:ph idx="1"/>
+          </p:nvPr>
+        </p:nvSpPr>
+        <p:spPr>
+          <a:xfrm>
+            <a:off x="592347" y="1844675"/>
+            <a:ext cx="11007306" cy="3389176"/>
+          </a:xfrm>
+        </p:spPr>
+        <p:txBody>
+          <a:bodyPr/>
+          <a:lstStyle/>
+          <a:p>
+            <a:r>
+              <a:rPr lang="pt-BR" dirty="0"/>
+              <a:t>Você </a:t>
+            </a:r>
+            <a:r>
+              <a:rPr lang="pt-BR" dirty="0" err="1"/>
+              <a:t>desevolveu</a:t>
+            </a:r>
+            <a:r>
+              <a:rPr lang="pt-BR" dirty="0"/>
+              <a:t> o código HTML de uma página de receita básica, mas percebeu que faltam </a:t>
+            </a:r>
+            <a:r>
+              <a:rPr lang="pt-BR" dirty="0" err="1"/>
+              <a:t>tags</a:t>
+            </a:r>
+            <a:r>
+              <a:rPr lang="pt-BR" dirty="0"/>
+              <a:t> semânticas. O objetivo é </a:t>
+            </a:r>
+            <a:r>
+              <a:rPr lang="pt-BR" dirty="0" err="1"/>
+              <a:t>refatorar</a:t>
+            </a:r>
+            <a:r>
+              <a:rPr lang="pt-BR" dirty="0"/>
+              <a:t> o código para utilizar </a:t>
+            </a:r>
+            <a:r>
+              <a:rPr lang="pt-BR" dirty="0" err="1"/>
+              <a:t>tags</a:t>
+            </a:r>
+            <a:r>
+              <a:rPr lang="pt-BR" dirty="0"/>
+              <a:t> como header, </a:t>
+            </a:r>
+            <a:r>
+              <a:rPr lang="pt-BR" dirty="0" err="1"/>
+              <a:t>nav</a:t>
+            </a:r>
+            <a:r>
+              <a:rPr lang="pt-BR" dirty="0"/>
+              <a:t>, </a:t>
+            </a:r>
+            <a:r>
+              <a:rPr lang="pt-BR" dirty="0" err="1"/>
+              <a:t>main</a:t>
+            </a:r>
+            <a:r>
+              <a:rPr lang="pt-BR" dirty="0"/>
+              <a:t>, </a:t>
+            </a:r>
+            <a:r>
+              <a:rPr lang="pt-BR" dirty="0" err="1"/>
+              <a:t>section</a:t>
+            </a:r>
+            <a:r>
+              <a:rPr lang="pt-BR" dirty="0"/>
+              <a:t>, </a:t>
+            </a:r>
+            <a:r>
+              <a:rPr lang="pt-BR" dirty="0" err="1"/>
+              <a:t>article</a:t>
+            </a:r>
+            <a:r>
+              <a:rPr lang="pt-BR" dirty="0"/>
+              <a:t>, e </a:t>
+            </a:r>
+            <a:r>
+              <a:rPr lang="pt-BR" dirty="0" err="1"/>
+              <a:t>footer</a:t>
+            </a:r>
+            <a:r>
+              <a:rPr lang="pt-BR" dirty="0"/>
+              <a:t>, melhorando a semântica e organização.</a:t>
+            </a:r>
+          </a:p>
+          <a:p>
+            <a:endParaRPr lang="pt-BR" dirty="0"/>
+          </a:p>
+          <a:p>
+            <a:r>
+              <a:rPr lang="pt-BR" dirty="0"/>
+              <a:t>Agora é com você</a:t>
+            </a:r>
+          </a:p>
+        </p:txBody>
+      </p:sp>
+    </p:spTree>
+    <p:extLst>
+      <p:ext uri="{BB962C8B-B14F-4D97-AF65-F5344CB8AC3E}">
+        <p14:creationId xmlns:p14="http://schemas.microsoft.com/office/powerpoint/2010/main" val="756926601"/>
+      </p:ext>
+    </p:extLst>
+  </p:cSld>
+  <p:clrMapOvr>
+    <a:masterClrMapping/>
+  </p:clrMapOvr>
+</p:sld>
+</file>
+
+<file path=ppt/slides/slide2.xml><?xml version="1.0" encoding="utf-8"?>
+<p:sld xmlns:a="http://schemas.openxmlformats.org/drawingml/2006/main" xmlns:r="http://schemas.openxmlformats.org/officeDocument/2006/relationships" xmlns:p="http://schemas.openxmlformats.org/presentationml/2006/main">
+  <p:cSld>
+    <p:spTree>
+      <p:nvGrpSpPr>
+        <p:cNvPr id="1" name=""/>
+        <p:cNvGrpSpPr/>
+        <p:nvPr/>
+      </p:nvGrpSpPr>
+      <p:grpSpPr>
+        <a:xfrm>
+          <a:off x="0" y="0"/>
+          <a:ext cx="0" cy="0"/>
+          <a:chOff x="0" y="0"/>
+          <a:chExt cx="0" cy="0"/>
+        </a:xfrm>
+      </p:grpSpPr>
+      <p:sp>
+        <p:nvSpPr>
+          <p:cNvPr id="2" name="Título 1">
+            <a:extLst>
+              <a:ext uri="{FF2B5EF4-FFF2-40B4-BE49-F238E27FC236}">
+                <a16:creationId xmlns:a16="http://schemas.microsoft.com/office/drawing/2014/main" id="{E9192180-C2D0-482A-9F8F-4362706604E0}"/>
+              </a:ext>
+            </a:extLst>
+          </p:cNvPr>
+          <p:cNvSpPr>
+            <a:spLocks noGrp="1"/>
+          </p:cNvSpPr>
+          <p:nvPr>
+            <p:ph type="title"/>
+          </p:nvPr>
+        </p:nvSpPr>
+        <p:spPr/>
+        <p:txBody>
+          <a:bodyPr/>
+          <a:lstStyle/>
+          <a:p>
+            <a:r>
+              <a:rPr lang="pt-BR" dirty="0"/>
+              <a:t>Estrutura de uma página em HTML</a:t>
+            </a:r>
+          </a:p>
+        </p:txBody>
+      </p:sp>
+      <p:sp>
+        <p:nvSpPr>
+          <p:cNvPr id="3" name="Espaço Reservado para Conteúdo 2">
+            <a:extLst>
+              <a:ext uri="{FF2B5EF4-FFF2-40B4-BE49-F238E27FC236}">
+                <a16:creationId xmlns:a16="http://schemas.microsoft.com/office/drawing/2014/main" id="{0F50B637-BC29-4D69-B28A-93A2C9B5C2E9}"/>
+              </a:ext>
+            </a:extLst>
+          </p:cNvPr>
+          <p:cNvSpPr>
+            <a:spLocks noGrp="1"/>
+          </p:cNvSpPr>
+          <p:nvPr>
+            <p:ph idx="1"/>
+          </p:nvPr>
+        </p:nvSpPr>
+        <p:spPr>
+          <a:xfrm>
+            <a:off x="592347" y="1844675"/>
+            <a:ext cx="11007306" cy="2135142"/>
+          </a:xfrm>
+        </p:spPr>
+        <p:txBody>
+          <a:bodyPr/>
+          <a:lstStyle/>
+          <a:p>
+            <a:r>
+              <a:rPr lang="pt-BR" dirty="0"/>
+              <a:t>Uma página HTML é composta por diferentes seções que ajudam a organizar e descrever o conteúdo de maneira semântica. Isso significa que cada parte da página tem um significado específico, que facilita tanto para os navegadores quanto para os humanos entenderem a hierarquia e o propósito de cada elemento. </a:t>
+            </a:r>
+          </a:p>
+        </p:txBody>
+      </p:sp>
+    </p:spTree>
+    <p:extLst>
+      <p:ext uri="{BB962C8B-B14F-4D97-AF65-F5344CB8AC3E}">
+        <p14:creationId xmlns:p14="http://schemas.microsoft.com/office/powerpoint/2010/main" val="3860388329"/>
+      </p:ext>
+    </p:extLst>
+  </p:cSld>
+  <p:clrMapOvr>
+    <a:masterClrMapping/>
+  </p:clrMapOvr>
+</p:sld>
+</file>
+
+<file path=ppt/slides/slide3.xml><?xml version="1.0" encoding="utf-8"?>
+<p:sld xmlns:a="http://schemas.openxmlformats.org/drawingml/2006/main" xmlns:r="http://schemas.openxmlformats.org/officeDocument/2006/relationships" xmlns:p="http://schemas.openxmlformats.org/presentationml/2006/main">
+  <p:cSld>
+    <p:spTree>
+      <p:nvGrpSpPr>
+        <p:cNvPr id="1" name=""/>
+        <p:cNvGrpSpPr/>
+        <p:nvPr/>
+      </p:nvGrpSpPr>
+      <p:grpSpPr>
+        <a:xfrm>
+          <a:off x="0" y="0"/>
+          <a:ext cx="0" cy="0"/>
+          <a:chOff x="0" y="0"/>
+          <a:chExt cx="0" cy="0"/>
+        </a:xfrm>
+      </p:grpSpPr>
+      <p:sp>
+        <p:nvSpPr>
+          <p:cNvPr id="2" name="Título 1">
+            <a:extLst>
+              <a:ext uri="{FF2B5EF4-FFF2-40B4-BE49-F238E27FC236}">
+                <a16:creationId xmlns:a16="http://schemas.microsoft.com/office/drawing/2014/main" id="{38CF4267-C2AB-43A0-8464-53C67DCA3A8E}"/>
+              </a:ext>
+            </a:extLst>
+          </p:cNvPr>
+          <p:cNvSpPr>
+            <a:spLocks noGrp="1"/>
+          </p:cNvSpPr>
+          <p:nvPr>
+            <p:ph type="title"/>
+          </p:nvPr>
+        </p:nvSpPr>
+        <p:spPr/>
+        <p:txBody>
+          <a:bodyPr/>
+          <a:lstStyle/>
+          <a:p>
+            <a:r>
+              <a:rPr lang="pt-BR" dirty="0"/>
+              <a:t>Exemplo de uma página</a:t>
+            </a:r>
+          </a:p>
+        </p:txBody>
+      </p:sp>
+      <p:pic>
+        <p:nvPicPr>
+          <p:cNvPr id="4" name="Espaço Reservado para Conteúdo 3">
+            <a:extLst>
+              <a:ext uri="{FF2B5EF4-FFF2-40B4-BE49-F238E27FC236}">
+                <a16:creationId xmlns:a16="http://schemas.microsoft.com/office/drawing/2014/main" id="{4679A6E8-8933-401C-8E2C-0C853854A7E4}"/>
+              </a:ext>
+            </a:extLst>
+          </p:cNvPr>
+          <p:cNvPicPr>
+            <a:picLocks noGrp="1" noChangeAspect="1"/>
+          </p:cNvPicPr>
+          <p:nvPr>
+            <p:ph idx="1"/>
+          </p:nvPr>
+        </p:nvPicPr>
+        <p:blipFill>
+          <a:blip r:embed="rId2"/>
+          <a:stretch>
+            <a:fillRect/>
+          </a:stretch>
+        </p:blipFill>
+        <p:spPr>
+          <a:xfrm>
+            <a:off x="1532636" y="1844675"/>
+            <a:ext cx="9126727" cy="4351338"/>
+          </a:xfrm>
+          <a:prstGeom prst="rect">
+            <a:avLst/>
+          </a:prstGeom>
+        </p:spPr>
+      </p:pic>
+      <p:sp>
+        <p:nvSpPr>
+          <p:cNvPr id="5" name="Retângulo 4">
+            <a:extLst>
+              <a:ext uri="{FF2B5EF4-FFF2-40B4-BE49-F238E27FC236}">
+                <a16:creationId xmlns:a16="http://schemas.microsoft.com/office/drawing/2014/main" id="{6E624794-ACFF-48C6-8C6F-8127945C620E}"/>
+              </a:ext>
+            </a:extLst>
+          </p:cNvPr>
+          <p:cNvSpPr/>
+          <p:nvPr/>
+        </p:nvSpPr>
+        <p:spPr>
+          <a:xfrm>
+            <a:off x="1532637" y="1844675"/>
+            <a:ext cx="9126726" cy="724354"/>
+          </a:xfrm>
+          <a:prstGeom prst="rect">
+            <a:avLst/>
+          </a:prstGeom>
+          <a:noFill/>
+          <a:ln w="28575">
+            <a:solidFill>
+              <a:srgbClr val="FF0000"/>
+            </a:solidFill>
+          </a:ln>
+        </p:spPr>
+        <p:style>
+          <a:lnRef idx="2">
+            <a:schemeClr val="accent1">
+              <a:shade val="50000"/>
+            </a:schemeClr>
+          </a:lnRef>
+          <a:fillRef idx="1">
+            <a:schemeClr val="accent1"/>
+          </a:fillRef>
+          <a:effectRef idx="0">
+            <a:schemeClr val="accent1"/>
+          </a:effectRef>
+          <a:fontRef idx="minor">
+            <a:schemeClr val="lt1"/>
+          </a:fontRef>
+        </p:style>
+        <p:txBody>
+          <a:bodyPr rtlCol="0" anchor="ctr"/>
+          <a:lstStyle/>
+          <a:p>
+            <a:pPr algn="ctr"/>
+            <a:endParaRPr lang="pt-BR"/>
+          </a:p>
+        </p:txBody>
+      </p:sp>
+      <p:sp>
+        <p:nvSpPr>
+          <p:cNvPr id="6" name="Retângulo 5">
+            <a:extLst>
+              <a:ext uri="{FF2B5EF4-FFF2-40B4-BE49-F238E27FC236}">
+                <a16:creationId xmlns:a16="http://schemas.microsoft.com/office/drawing/2014/main" id="{BE84FA21-0E71-4893-B287-99ED3FE4EC40}"/>
+              </a:ext>
+            </a:extLst>
+          </p:cNvPr>
+          <p:cNvSpPr/>
+          <p:nvPr/>
+        </p:nvSpPr>
+        <p:spPr>
+          <a:xfrm>
+            <a:off x="3583506" y="1997075"/>
+            <a:ext cx="4410963" cy="432616"/>
+          </a:xfrm>
+          <a:prstGeom prst="rect">
+            <a:avLst/>
+          </a:prstGeom>
+          <a:noFill/>
+          <a:ln w="28575">
+            <a:solidFill>
+              <a:srgbClr val="FF0000"/>
+            </a:solidFill>
+          </a:ln>
+        </p:spPr>
+        <p:style>
+          <a:lnRef idx="2">
+            <a:schemeClr val="accent1">
+              <a:shade val="50000"/>
+            </a:schemeClr>
+          </a:lnRef>
+          <a:fillRef idx="1">
+            <a:schemeClr val="accent1"/>
+          </a:fillRef>
+          <a:effectRef idx="0">
+            <a:schemeClr val="accent1"/>
+          </a:effectRef>
+          <a:fontRef idx="minor">
+            <a:schemeClr val="lt1"/>
+          </a:fontRef>
+        </p:style>
+        <p:txBody>
+          <a:bodyPr rtlCol="0" anchor="ctr"/>
+          <a:lstStyle/>
+          <a:p>
+            <a:pPr algn="ctr"/>
+            <a:endParaRPr lang="pt-BR"/>
+          </a:p>
+        </p:txBody>
+      </p:sp>
+      <p:sp>
+        <p:nvSpPr>
+          <p:cNvPr id="7" name="Retângulo 6">
+            <a:extLst>
+              <a:ext uri="{FF2B5EF4-FFF2-40B4-BE49-F238E27FC236}">
+                <a16:creationId xmlns:a16="http://schemas.microsoft.com/office/drawing/2014/main" id="{E56C7D03-B9AB-40A4-B38E-F0E823D0A996}"/>
+              </a:ext>
+            </a:extLst>
+          </p:cNvPr>
+          <p:cNvSpPr/>
+          <p:nvPr/>
+        </p:nvSpPr>
+        <p:spPr>
+          <a:xfrm>
+            <a:off x="2914650" y="2721429"/>
+            <a:ext cx="6375400" cy="2771321"/>
+          </a:xfrm>
+          <a:prstGeom prst="rect">
+            <a:avLst/>
+          </a:prstGeom>
+          <a:noFill/>
+          <a:ln w="28575">
+            <a:solidFill>
+              <a:srgbClr val="FF0000"/>
+            </a:solidFill>
+          </a:ln>
+        </p:spPr>
+        <p:style>
+          <a:lnRef idx="2">
+            <a:schemeClr val="accent1">
+              <a:shade val="50000"/>
+            </a:schemeClr>
+          </a:lnRef>
+          <a:fillRef idx="1">
+            <a:schemeClr val="accent1"/>
+          </a:fillRef>
+          <a:effectRef idx="0">
+            <a:schemeClr val="accent1"/>
+          </a:effectRef>
+          <a:fontRef idx="minor">
+            <a:schemeClr val="lt1"/>
+          </a:fontRef>
+        </p:style>
+        <p:txBody>
+          <a:bodyPr rtlCol="0" anchor="ctr"/>
+          <a:lstStyle/>
+          <a:p>
+            <a:pPr algn="ctr"/>
+            <a:endParaRPr lang="pt-BR"/>
+          </a:p>
+        </p:txBody>
+      </p:sp>
+      <p:sp>
+        <p:nvSpPr>
+          <p:cNvPr id="8" name="Retângulo 7">
+            <a:extLst>
+              <a:ext uri="{FF2B5EF4-FFF2-40B4-BE49-F238E27FC236}">
+                <a16:creationId xmlns:a16="http://schemas.microsoft.com/office/drawing/2014/main" id="{AAB34CB5-67DA-4B51-B70D-C2BB365BBFF0}"/>
+              </a:ext>
+            </a:extLst>
+          </p:cNvPr>
+          <p:cNvSpPr/>
+          <p:nvPr/>
+        </p:nvSpPr>
+        <p:spPr>
+          <a:xfrm>
+            <a:off x="1532634" y="2629116"/>
+            <a:ext cx="9126725" cy="3319711"/>
+          </a:xfrm>
+          <a:prstGeom prst="rect">
+            <a:avLst/>
+          </a:prstGeom>
+          <a:noFill/>
+          <a:ln w="28575">
+            <a:solidFill>
+              <a:srgbClr val="FF0000"/>
+            </a:solidFill>
+          </a:ln>
+        </p:spPr>
+        <p:style>
+          <a:lnRef idx="2">
+            <a:schemeClr val="accent1">
+              <a:shade val="50000"/>
+            </a:schemeClr>
+          </a:lnRef>
+          <a:fillRef idx="1">
+            <a:schemeClr val="accent1"/>
+          </a:fillRef>
+          <a:effectRef idx="0">
+            <a:schemeClr val="accent1"/>
+          </a:effectRef>
+          <a:fontRef idx="minor">
+            <a:schemeClr val="lt1"/>
+          </a:fontRef>
+        </p:style>
+        <p:txBody>
+          <a:bodyPr rtlCol="0" anchor="ctr"/>
+          <a:lstStyle/>
+          <a:p>
+            <a:pPr algn="ctr"/>
+            <a:endParaRPr lang="pt-BR"/>
+          </a:p>
+        </p:txBody>
+      </p:sp>
+      <p:cxnSp>
+        <p:nvCxnSpPr>
+          <p:cNvPr id="10" name="Conector de Seta Reta 9">
+            <a:extLst>
+              <a:ext uri="{FF2B5EF4-FFF2-40B4-BE49-F238E27FC236}">
+                <a16:creationId xmlns:a16="http://schemas.microsoft.com/office/drawing/2014/main" id="{8B06869B-903E-466C-A4FA-BE3C4BDF6D5A}"/>
+              </a:ext>
+            </a:extLst>
+          </p:cNvPr>
+          <p:cNvCxnSpPr>
+            <a:cxnSpLocks/>
+            <a:stCxn id="5" idx="0"/>
+            <a:endCxn id="11" idx="1"/>
+          </p:cNvCxnSpPr>
+          <p:nvPr/>
+        </p:nvCxnSpPr>
+        <p:spPr>
+          <a:xfrm flipV="1">
+            <a:off x="6096000" y="1612114"/>
+            <a:ext cx="914401" cy="232561"/>
+          </a:xfrm>
+          <a:prstGeom prst="straightConnector1">
+            <a:avLst/>
+          </a:prstGeom>
+          <a:ln w="28575">
+            <a:solidFill>
+              <a:srgbClr val="FF0000"/>
+            </a:solidFill>
+            <a:tailEnd type="triangle"/>
+          </a:ln>
+        </p:spPr>
+        <p:style>
+          <a:lnRef idx="1">
+            <a:schemeClr val="accent1"/>
+          </a:lnRef>
+          <a:fillRef idx="0">
+            <a:schemeClr val="accent1"/>
+          </a:fillRef>
+          <a:effectRef idx="0">
+            <a:schemeClr val="accent1"/>
+          </a:effectRef>
+          <a:fontRef idx="minor">
+            <a:schemeClr val="tx1"/>
+          </a:fontRef>
+        </p:style>
+      </p:cxnSp>
+      <p:sp>
+        <p:nvSpPr>
+          <p:cNvPr id="11" name="CaixaDeTexto 10">
+            <a:extLst>
+              <a:ext uri="{FF2B5EF4-FFF2-40B4-BE49-F238E27FC236}">
+                <a16:creationId xmlns:a16="http://schemas.microsoft.com/office/drawing/2014/main" id="{BEAAFD99-07C6-4906-92B4-63A860A33E20}"/>
+              </a:ext>
+            </a:extLst>
+          </p:cNvPr>
+          <p:cNvSpPr txBox="1"/>
+          <p:nvPr/>
+        </p:nvSpPr>
+        <p:spPr>
+          <a:xfrm>
+            <a:off x="7010401" y="1412059"/>
+            <a:ext cx="895350" cy="400110"/>
+          </a:xfrm>
+          <a:prstGeom prst="rect">
+            <a:avLst/>
+          </a:prstGeom>
+          <a:noFill/>
+        </p:spPr>
+        <p:txBody>
+          <a:bodyPr wrap="square" rtlCol="0">
+            <a:spAutoFit/>
+          </a:bodyPr>
+          <a:lstStyle/>
+          <a:p>
+            <a:r>
+              <a:rPr lang="pt-BR" sz="2000" dirty="0">
+                <a:latin typeface="Times New Roman" panose="02020603050405020304" pitchFamily="18" charset="0"/>
+                <a:cs typeface="Times New Roman" panose="02020603050405020304" pitchFamily="18" charset="0"/>
+              </a:rPr>
+              <a:t>header</a:t>
+            </a:r>
+            <a:endParaRPr lang="pt-BR" dirty="0">
+              <a:latin typeface="Times New Roman" panose="02020603050405020304" pitchFamily="18" charset="0"/>
+              <a:cs typeface="Times New Roman" panose="02020603050405020304" pitchFamily="18" charset="0"/>
+            </a:endParaRPr>
+          </a:p>
+        </p:txBody>
+      </p:sp>
+      <p:cxnSp>
+        <p:nvCxnSpPr>
+          <p:cNvPr id="13" name="Conector de Seta Reta 12">
+            <a:extLst>
+              <a:ext uri="{FF2B5EF4-FFF2-40B4-BE49-F238E27FC236}">
+                <a16:creationId xmlns:a16="http://schemas.microsoft.com/office/drawing/2014/main" id="{08095483-ADB7-47E1-B801-401CBF41D806}"/>
+              </a:ext>
+            </a:extLst>
+          </p:cNvPr>
+          <p:cNvCxnSpPr>
+            <a:cxnSpLocks/>
+            <a:stCxn id="6" idx="1"/>
+            <a:endCxn id="17" idx="3"/>
+          </p:cNvCxnSpPr>
+          <p:nvPr/>
+        </p:nvCxnSpPr>
+        <p:spPr>
+          <a:xfrm flipH="1" flipV="1">
+            <a:off x="2939337" y="1612878"/>
+            <a:ext cx="644169" cy="600505"/>
+          </a:xfrm>
+          <a:prstGeom prst="straightConnector1">
+            <a:avLst/>
+          </a:prstGeom>
+          <a:ln w="28575">
+            <a:solidFill>
+              <a:srgbClr val="FF0000"/>
+            </a:solidFill>
+            <a:tailEnd type="triangle"/>
+          </a:ln>
+        </p:spPr>
+        <p:style>
+          <a:lnRef idx="1">
+            <a:schemeClr val="accent1"/>
+          </a:lnRef>
+          <a:fillRef idx="0">
+            <a:schemeClr val="accent1"/>
+          </a:fillRef>
+          <a:effectRef idx="0">
+            <a:schemeClr val="accent1"/>
+          </a:effectRef>
+          <a:fontRef idx="minor">
+            <a:schemeClr val="tx1"/>
+          </a:fontRef>
+        </p:style>
+      </p:cxnSp>
+      <p:sp>
+        <p:nvSpPr>
+          <p:cNvPr id="17" name="CaixaDeTexto 16">
+            <a:extLst>
+              <a:ext uri="{FF2B5EF4-FFF2-40B4-BE49-F238E27FC236}">
+                <a16:creationId xmlns:a16="http://schemas.microsoft.com/office/drawing/2014/main" id="{12A2ECCF-5EFE-46D3-AC46-59F13FE2F282}"/>
+              </a:ext>
+            </a:extLst>
+          </p:cNvPr>
+          <p:cNvSpPr txBox="1"/>
+          <p:nvPr/>
+        </p:nvSpPr>
+        <p:spPr>
+          <a:xfrm>
+            <a:off x="2397201" y="1412823"/>
+            <a:ext cx="542136" cy="400110"/>
+          </a:xfrm>
+          <a:prstGeom prst="rect">
+            <a:avLst/>
+          </a:prstGeom>
+          <a:noFill/>
+        </p:spPr>
+        <p:txBody>
+          <a:bodyPr wrap="none" rtlCol="0">
+            <a:spAutoFit/>
+          </a:bodyPr>
+          <a:lstStyle/>
+          <a:p>
+            <a:r>
+              <a:rPr lang="pt-BR" sz="2000" dirty="0" err="1">
+                <a:latin typeface="Times New Roman" panose="02020603050405020304" pitchFamily="18" charset="0"/>
+                <a:cs typeface="Times New Roman" panose="02020603050405020304" pitchFamily="18" charset="0"/>
+              </a:rPr>
+              <a:t>na</a:t>
+            </a:r>
+            <a:r>
+              <a:rPr lang="pt-BR" dirty="0" err="1">
+                <a:latin typeface="Times New Roman" panose="02020603050405020304" pitchFamily="18" charset="0"/>
+                <a:cs typeface="Times New Roman" panose="02020603050405020304" pitchFamily="18" charset="0"/>
+              </a:rPr>
+              <a:t>v</a:t>
+            </a:r>
+            <a:endParaRPr lang="pt-BR" dirty="0">
+              <a:latin typeface="Times New Roman" panose="02020603050405020304" pitchFamily="18" charset="0"/>
+              <a:cs typeface="Times New Roman" panose="02020603050405020304" pitchFamily="18" charset="0"/>
+            </a:endParaRPr>
+          </a:p>
+        </p:txBody>
+      </p:sp>
+      <p:sp>
+        <p:nvSpPr>
+          <p:cNvPr id="19" name="CaixaDeTexto 18">
+            <a:extLst>
+              <a:ext uri="{FF2B5EF4-FFF2-40B4-BE49-F238E27FC236}">
+                <a16:creationId xmlns:a16="http://schemas.microsoft.com/office/drawing/2014/main" id="{72649276-194C-4227-A9B6-5CDB6A529BAA}"/>
+              </a:ext>
+            </a:extLst>
+          </p:cNvPr>
+          <p:cNvSpPr txBox="1"/>
+          <p:nvPr/>
+        </p:nvSpPr>
+        <p:spPr>
+          <a:xfrm>
+            <a:off x="378148" y="3737757"/>
+            <a:ext cx="769657" cy="369332"/>
+          </a:xfrm>
+          <a:prstGeom prst="rect">
+            <a:avLst/>
+          </a:prstGeom>
+          <a:noFill/>
+        </p:spPr>
+        <p:txBody>
+          <a:bodyPr wrap="square" rtlCol="0">
+            <a:spAutoFit/>
+          </a:bodyPr>
+          <a:lstStyle/>
+          <a:p>
+            <a:r>
+              <a:rPr lang="pt-BR" dirty="0" err="1">
+                <a:latin typeface="Times New Roman" panose="02020603050405020304" pitchFamily="18" charset="0"/>
+                <a:cs typeface="Times New Roman" panose="02020603050405020304" pitchFamily="18" charset="0"/>
+              </a:rPr>
+              <a:t>main</a:t>
+            </a:r>
+            <a:endParaRPr lang="pt-BR" dirty="0">
+              <a:latin typeface="Times New Roman" panose="02020603050405020304" pitchFamily="18" charset="0"/>
+              <a:cs typeface="Times New Roman" panose="02020603050405020304" pitchFamily="18" charset="0"/>
+            </a:endParaRPr>
+          </a:p>
+        </p:txBody>
+      </p:sp>
+      <p:cxnSp>
+        <p:nvCxnSpPr>
+          <p:cNvPr id="21" name="Conector de Seta Reta 20">
+            <a:extLst>
+              <a:ext uri="{FF2B5EF4-FFF2-40B4-BE49-F238E27FC236}">
+                <a16:creationId xmlns:a16="http://schemas.microsoft.com/office/drawing/2014/main" id="{1A361D5F-E8A4-415F-AB33-B36FBEB570D1}"/>
+              </a:ext>
+            </a:extLst>
+          </p:cNvPr>
+          <p:cNvCxnSpPr>
+            <a:endCxn id="19" idx="3"/>
+          </p:cNvCxnSpPr>
+          <p:nvPr/>
+        </p:nvCxnSpPr>
+        <p:spPr>
+          <a:xfrm flipH="1" flipV="1">
+            <a:off x="1147805" y="3922423"/>
+            <a:ext cx="384829" cy="106652"/>
+          </a:xfrm>
+          <a:prstGeom prst="straightConnector1">
+            <a:avLst/>
+          </a:prstGeom>
+          <a:ln w="28575">
+            <a:solidFill>
+              <a:srgbClr val="FF0000"/>
+            </a:solidFill>
+            <a:tailEnd type="triangle"/>
+          </a:ln>
+        </p:spPr>
+        <p:style>
+          <a:lnRef idx="1">
+            <a:schemeClr val="accent1"/>
+          </a:lnRef>
+          <a:fillRef idx="0">
+            <a:schemeClr val="accent1"/>
+          </a:fillRef>
+          <a:effectRef idx="0">
+            <a:schemeClr val="accent1"/>
+          </a:effectRef>
+          <a:fontRef idx="minor">
+            <a:schemeClr val="tx1"/>
+          </a:fontRef>
+        </p:style>
+      </p:cxnSp>
+      <p:sp>
+        <p:nvSpPr>
+          <p:cNvPr id="22" name="CaixaDeTexto 21">
+            <a:extLst>
+              <a:ext uri="{FF2B5EF4-FFF2-40B4-BE49-F238E27FC236}">
+                <a16:creationId xmlns:a16="http://schemas.microsoft.com/office/drawing/2014/main" id="{C7D23C2E-75AE-4323-85DC-4D577D0A21A0}"/>
+              </a:ext>
+            </a:extLst>
+          </p:cNvPr>
+          <p:cNvSpPr txBox="1"/>
+          <p:nvPr/>
+        </p:nvSpPr>
+        <p:spPr>
+          <a:xfrm>
+            <a:off x="1773677" y="3244334"/>
+            <a:ext cx="894592" cy="369332"/>
+          </a:xfrm>
+          <a:prstGeom prst="rect">
+            <a:avLst/>
+          </a:prstGeom>
+          <a:noFill/>
+        </p:spPr>
+        <p:txBody>
+          <a:bodyPr wrap="square" rtlCol="0">
+            <a:spAutoFit/>
+          </a:bodyPr>
+          <a:lstStyle/>
+          <a:p>
+            <a:r>
+              <a:rPr lang="pt-BR" dirty="0" err="1">
+                <a:latin typeface="Times New Roman" panose="02020603050405020304" pitchFamily="18" charset="0"/>
+                <a:cs typeface="Times New Roman" panose="02020603050405020304" pitchFamily="18" charset="0"/>
+              </a:rPr>
+              <a:t>section</a:t>
+            </a:r>
+            <a:endParaRPr lang="pt-BR" dirty="0">
+              <a:latin typeface="Times New Roman" panose="02020603050405020304" pitchFamily="18" charset="0"/>
+              <a:cs typeface="Times New Roman" panose="02020603050405020304" pitchFamily="18" charset="0"/>
+            </a:endParaRPr>
+          </a:p>
+        </p:txBody>
+      </p:sp>
+      <p:cxnSp>
+        <p:nvCxnSpPr>
+          <p:cNvPr id="24" name="Conector de Seta Reta 23">
+            <a:extLst>
+              <a:ext uri="{FF2B5EF4-FFF2-40B4-BE49-F238E27FC236}">
+                <a16:creationId xmlns:a16="http://schemas.microsoft.com/office/drawing/2014/main" id="{E524B898-93A3-466B-8B4C-DEFBA09743EE}"/>
+              </a:ext>
+            </a:extLst>
+          </p:cNvPr>
+          <p:cNvCxnSpPr>
+            <a:cxnSpLocks/>
+            <a:stCxn id="7" idx="1"/>
+            <a:endCxn id="22" idx="2"/>
+          </p:cNvCxnSpPr>
+          <p:nvPr/>
+        </p:nvCxnSpPr>
+        <p:spPr>
+          <a:xfrm flipH="1" flipV="1">
+            <a:off x="2220973" y="3613666"/>
+            <a:ext cx="693677" cy="493424"/>
+          </a:xfrm>
+          <a:prstGeom prst="straightConnector1">
+            <a:avLst/>
+          </a:prstGeom>
+          <a:ln w="28575">
+            <a:solidFill>
+              <a:srgbClr val="FF0000"/>
+            </a:solidFill>
+            <a:tailEnd type="triangle"/>
+          </a:ln>
+        </p:spPr>
+        <p:style>
+          <a:lnRef idx="1">
+            <a:schemeClr val="accent1"/>
+          </a:lnRef>
+          <a:fillRef idx="0">
+            <a:schemeClr val="accent1"/>
+          </a:fillRef>
+          <a:effectRef idx="0">
+            <a:schemeClr val="accent1"/>
+          </a:effectRef>
+          <a:fontRef idx="minor">
+            <a:schemeClr val="tx1"/>
+          </a:fontRef>
+        </p:style>
+      </p:cxnSp>
+    </p:spTree>
+    <p:extLst>
+      <p:ext uri="{BB962C8B-B14F-4D97-AF65-F5344CB8AC3E}">
+        <p14:creationId xmlns:p14="http://schemas.microsoft.com/office/powerpoint/2010/main" val="158379194"/>
+      </p:ext>
+    </p:extLst>
+  </p:cSld>
+  <p:clrMapOvr>
+    <a:masterClrMapping/>
+  </p:clrMapOvr>
+</p:sld>
+</file>
+
+<file path=ppt/slides/slide4.xml><?xml version="1.0" encoding="utf-8"?>
+<p:sld xmlns:a="http://schemas.openxmlformats.org/drawingml/2006/main" xmlns:r="http://schemas.openxmlformats.org/officeDocument/2006/relationships" xmlns:p="http://schemas.openxmlformats.org/presentationml/2006/main">
+  <p:cSld>
+    <p:spTree>
+      <p:nvGrpSpPr>
+        <p:cNvPr id="1" name=""/>
+        <p:cNvGrpSpPr/>
+        <p:nvPr/>
+      </p:nvGrpSpPr>
+      <p:grpSpPr>
+        <a:xfrm>
+          <a:off x="0" y="0"/>
+          <a:ext cx="0" cy="0"/>
+          <a:chOff x="0" y="0"/>
+          <a:chExt cx="0" cy="0"/>
+        </a:xfrm>
+      </p:grpSpPr>
+      <p:sp>
+        <p:nvSpPr>
+          <p:cNvPr id="2" name="Título 1">
+            <a:extLst>
+              <a:ext uri="{FF2B5EF4-FFF2-40B4-BE49-F238E27FC236}">
+                <a16:creationId xmlns:a16="http://schemas.microsoft.com/office/drawing/2014/main" id="{57856F1C-742A-4116-9D81-958CBDB81FE0}"/>
+              </a:ext>
+            </a:extLst>
+          </p:cNvPr>
+          <p:cNvSpPr>
+            <a:spLocks noGrp="1"/>
+          </p:cNvSpPr>
+          <p:nvPr>
+            <p:ph type="title"/>
+          </p:nvPr>
+        </p:nvSpPr>
+        <p:spPr/>
+        <p:txBody>
+          <a:bodyPr/>
+          <a:lstStyle/>
+          <a:p>
+            <a:r>
+              <a:rPr lang="pt-BR" dirty="0"/>
+              <a:t>Semântica no HTML5</a:t>
+            </a:r>
+          </a:p>
+        </p:txBody>
+      </p:sp>
+      <p:sp>
+        <p:nvSpPr>
+          <p:cNvPr id="3" name="Espaço Reservado para Conteúdo 2">
+            <a:extLst>
+              <a:ext uri="{FF2B5EF4-FFF2-40B4-BE49-F238E27FC236}">
+                <a16:creationId xmlns:a16="http://schemas.microsoft.com/office/drawing/2014/main" id="{A8F3AF82-9954-4074-9026-4B60BD36F624}"/>
+              </a:ext>
+            </a:extLst>
+          </p:cNvPr>
+          <p:cNvSpPr>
+            <a:spLocks noGrp="1"/>
+          </p:cNvSpPr>
+          <p:nvPr>
+            <p:ph idx="1"/>
+          </p:nvPr>
+        </p:nvSpPr>
+        <p:spPr>
+          <a:xfrm>
+            <a:off x="592347" y="1844675"/>
+            <a:ext cx="11007306" cy="2048056"/>
+          </a:xfrm>
+        </p:spPr>
+        <p:txBody>
+          <a:bodyPr/>
+          <a:lstStyle/>
+          <a:p>
+            <a:r>
+              <a:rPr lang="pt-BR"/>
+              <a:t>A </a:t>
+            </a:r>
+            <a:r>
+              <a:rPr lang="pt-BR" b="1"/>
+              <a:t>semântica no HTML5</a:t>
+            </a:r>
+            <a:r>
+              <a:rPr lang="pt-BR"/>
+              <a:t> refere-se ao uso de tags que possuem significados claros e descritivos, tanto para os navegadores quanto para os desenvolvedores. Essas tags ajudam a organizar o conteúdo de forma lógica, melhorando a acessibilidade, a legibilidade do código e o SEO (otimização para motores de busca).</a:t>
+            </a:r>
+            <a:endParaRPr lang="pt-BR" dirty="0"/>
+          </a:p>
+        </p:txBody>
+      </p:sp>
+      <p:pic>
+        <p:nvPicPr>
+          <p:cNvPr id="5" name="Imagem 4">
+            <a:extLst>
+              <a:ext uri="{FF2B5EF4-FFF2-40B4-BE49-F238E27FC236}">
+                <a16:creationId xmlns:a16="http://schemas.microsoft.com/office/drawing/2014/main" id="{745AE290-D433-470A-ACD8-1992A9251645}"/>
+              </a:ext>
+            </a:extLst>
+          </p:cNvPr>
+          <p:cNvPicPr>
+            <a:picLocks noChangeAspect="1"/>
+          </p:cNvPicPr>
+          <p:nvPr/>
+        </p:nvPicPr>
+        <p:blipFill>
+          <a:blip r:embed="rId2"/>
+          <a:stretch>
+            <a:fillRect/>
+          </a:stretch>
+        </p:blipFill>
+        <p:spPr>
+          <a:xfrm>
+            <a:off x="2146663" y="4035361"/>
+            <a:ext cx="7898674" cy="2189187"/>
+          </a:xfrm>
+          <a:prstGeom prst="rect">
+            <a:avLst/>
+          </a:prstGeom>
+        </p:spPr>
+      </p:pic>
+    </p:spTree>
+    <p:extLst>
+      <p:ext uri="{BB962C8B-B14F-4D97-AF65-F5344CB8AC3E}">
+        <p14:creationId xmlns:p14="http://schemas.microsoft.com/office/powerpoint/2010/main" val="3575024904"/>
+      </p:ext>
+    </p:extLst>
+  </p:cSld>
+  <p:clrMapOvr>
+    <a:masterClrMapping/>
+  </p:clrMapOvr>
+</p:sld>
+</file>
+
+<file path=ppt/slides/slide5.xml><?xml version="1.0" encoding="utf-8"?>
+<p:sld xmlns:a="http://schemas.openxmlformats.org/drawingml/2006/main" xmlns:r="http://schemas.openxmlformats.org/officeDocument/2006/relationships" xmlns:p="http://schemas.openxmlformats.org/presentationml/2006/main">
+  <p:cSld>
+    <p:spTree>
+      <p:nvGrpSpPr>
+        <p:cNvPr id="1" name=""/>
+        <p:cNvGrpSpPr/>
+        <p:nvPr/>
+      </p:nvGrpSpPr>
+      <p:grpSpPr>
+        <a:xfrm>
+          <a:off x="0" y="0"/>
+          <a:ext cx="0" cy="0"/>
+          <a:chOff x="0" y="0"/>
+          <a:chExt cx="0" cy="0"/>
+        </a:xfrm>
+      </p:grpSpPr>
+      <p:sp>
+        <p:nvSpPr>
+          <p:cNvPr id="2" name="Título 1">
+            <a:extLst>
+              <a:ext uri="{FF2B5EF4-FFF2-40B4-BE49-F238E27FC236}">
+                <a16:creationId xmlns:a16="http://schemas.microsoft.com/office/drawing/2014/main" id="{2326E382-8227-4415-BAF9-A7932EB72518}"/>
+              </a:ext>
+            </a:extLst>
+          </p:cNvPr>
+          <p:cNvSpPr>
+            <a:spLocks noGrp="1"/>
+          </p:cNvSpPr>
+          <p:nvPr>
+            <p:ph type="title"/>
+          </p:nvPr>
+        </p:nvSpPr>
+        <p:spPr/>
+        <p:txBody>
+          <a:bodyPr/>
+          <a:lstStyle/>
+          <a:p>
+            <a:r>
+              <a:rPr lang="pt-BR" dirty="0"/>
+              <a:t>Elementos </a:t>
+            </a:r>
+            <a:r>
+              <a:rPr lang="pt-BR" dirty="0" err="1"/>
+              <a:t>BoxLevel</a:t>
+            </a:r>
+            <a:endParaRPr lang="pt-BR" dirty="0"/>
+          </a:p>
+        </p:txBody>
+      </p:sp>
+      <p:sp>
+        <p:nvSpPr>
+          <p:cNvPr id="3" name="Espaço Reservado para Conteúdo 2">
+            <a:extLst>
+              <a:ext uri="{FF2B5EF4-FFF2-40B4-BE49-F238E27FC236}">
+                <a16:creationId xmlns:a16="http://schemas.microsoft.com/office/drawing/2014/main" id="{822E612A-8ABE-4D71-A36A-DEEC442044A2}"/>
+              </a:ext>
+            </a:extLst>
+          </p:cNvPr>
+          <p:cNvSpPr>
+            <a:spLocks noGrp="1"/>
+          </p:cNvSpPr>
+          <p:nvPr>
+            <p:ph idx="1"/>
+          </p:nvPr>
+        </p:nvSpPr>
+        <p:spPr>
+          <a:xfrm>
+            <a:off x="1304000" y="2366375"/>
+            <a:ext cx="5400000" cy="3600000"/>
+          </a:xfrm>
+        </p:spPr>
+        <p:txBody>
+          <a:bodyPr/>
+          <a:lstStyle/>
+          <a:p>
+            <a:r>
+              <a:rPr lang="pt-BR" sz="1600" b="1" dirty="0">
+                <a:latin typeface="Arial" panose="020B0604020202020204" pitchFamily="34" charset="0"/>
+                <a:cs typeface="Arial" panose="020B0604020202020204" pitchFamily="34" charset="0"/>
+              </a:rPr>
+              <a:t>Elementos de Nível de Bloco (ou </a:t>
+            </a:r>
+            <a:r>
+              <a:rPr lang="pt-BR" sz="1600" b="1" dirty="0" err="1">
+                <a:latin typeface="Arial" panose="020B0604020202020204" pitchFamily="34" charset="0"/>
+                <a:cs typeface="Arial" panose="020B0604020202020204" pitchFamily="34" charset="0"/>
+              </a:rPr>
+              <a:t>BoxLevel</a:t>
+            </a:r>
+            <a:r>
+              <a:rPr lang="pt-BR" sz="1600" b="1" dirty="0">
+                <a:latin typeface="Arial" panose="020B0604020202020204" pitchFamily="34" charset="0"/>
+                <a:cs typeface="Arial" panose="020B0604020202020204" pitchFamily="34" charset="0"/>
+              </a:rPr>
+              <a:t>): </a:t>
+            </a:r>
+            <a:r>
+              <a:rPr lang="pt-BR" sz="1600" dirty="0">
+                <a:latin typeface="Arial" panose="020B0604020202020204" pitchFamily="34" charset="0"/>
+                <a:cs typeface="Arial" panose="020B0604020202020204" pitchFamily="34" charset="0"/>
+              </a:rPr>
+              <a:t>São elementos HTML que normalmente começam em uma nova linha e ocupam toda a largura disponível. Exemplos comuns incluem </a:t>
+            </a:r>
+            <a:r>
+              <a:rPr lang="pt-BR" sz="1600" b="1" dirty="0">
+                <a:latin typeface="Arial" panose="020B0604020202020204" pitchFamily="34" charset="0"/>
+                <a:cs typeface="Arial" panose="020B0604020202020204" pitchFamily="34" charset="0"/>
+              </a:rPr>
+              <a:t>&lt;</a:t>
+            </a:r>
+            <a:r>
+              <a:rPr lang="pt-BR" sz="1600" b="1" dirty="0" err="1">
+                <a:latin typeface="Arial" panose="020B0604020202020204" pitchFamily="34" charset="0"/>
+                <a:cs typeface="Arial" panose="020B0604020202020204" pitchFamily="34" charset="0"/>
+              </a:rPr>
+              <a:t>div</a:t>
+            </a:r>
+            <a:r>
+              <a:rPr lang="pt-BR" sz="1600" b="1" dirty="0">
+                <a:latin typeface="Arial" panose="020B0604020202020204" pitchFamily="34" charset="0"/>
+                <a:cs typeface="Arial" panose="020B0604020202020204" pitchFamily="34" charset="0"/>
+              </a:rPr>
+              <a:t>&gt;, &lt;p&gt;, &lt;h1&gt; até &lt;h6&gt;, &lt;</a:t>
+            </a:r>
+            <a:r>
+              <a:rPr lang="pt-BR" sz="1600" b="1" dirty="0" err="1">
+                <a:latin typeface="Arial" panose="020B0604020202020204" pitchFamily="34" charset="0"/>
+                <a:cs typeface="Arial" panose="020B0604020202020204" pitchFamily="34" charset="0"/>
+              </a:rPr>
+              <a:t>ul</a:t>
+            </a:r>
+            <a:r>
+              <a:rPr lang="pt-BR" sz="1600" b="1" dirty="0">
+                <a:latin typeface="Arial" panose="020B0604020202020204" pitchFamily="34" charset="0"/>
+                <a:cs typeface="Arial" panose="020B0604020202020204" pitchFamily="34" charset="0"/>
+              </a:rPr>
+              <a:t>&gt;, &lt;</a:t>
+            </a:r>
+            <a:r>
+              <a:rPr lang="pt-BR" sz="1600" b="1" dirty="0" err="1">
+                <a:latin typeface="Arial" panose="020B0604020202020204" pitchFamily="34" charset="0"/>
+                <a:cs typeface="Arial" panose="020B0604020202020204" pitchFamily="34" charset="0"/>
+              </a:rPr>
+              <a:t>ol</a:t>
+            </a:r>
+            <a:r>
+              <a:rPr lang="pt-BR" sz="1600" b="1" dirty="0">
+                <a:latin typeface="Arial" panose="020B0604020202020204" pitchFamily="34" charset="0"/>
+                <a:cs typeface="Arial" panose="020B0604020202020204" pitchFamily="34" charset="0"/>
+              </a:rPr>
+              <a:t>&gt;,</a:t>
+            </a:r>
+            <a:r>
+              <a:rPr lang="pt-BR" sz="1600" dirty="0">
+                <a:latin typeface="Arial" panose="020B0604020202020204" pitchFamily="34" charset="0"/>
+                <a:cs typeface="Arial" panose="020B0604020202020204" pitchFamily="34" charset="0"/>
+              </a:rPr>
+              <a:t> etc. Eles são usados para criar estruturas de layout e dividir o conteúdo em seções.</a:t>
+            </a:r>
+          </a:p>
+          <a:p>
+            <a:endParaRPr lang="pt-BR" dirty="0"/>
+          </a:p>
+        </p:txBody>
+      </p:sp>
+      <p:grpSp>
+        <p:nvGrpSpPr>
+          <p:cNvPr id="43" name="Agrupar 42">
+            <a:extLst>
+              <a:ext uri="{FF2B5EF4-FFF2-40B4-BE49-F238E27FC236}">
+                <a16:creationId xmlns:a16="http://schemas.microsoft.com/office/drawing/2014/main" id="{B3DD45B9-0683-4BC8-8CA3-F8D96254B98B}"/>
+              </a:ext>
+            </a:extLst>
+          </p:cNvPr>
+          <p:cNvGrpSpPr/>
+          <p:nvPr/>
+        </p:nvGrpSpPr>
+        <p:grpSpPr>
+          <a:xfrm>
+            <a:off x="8008000" y="2366375"/>
+            <a:ext cx="2880000" cy="3600000"/>
+            <a:chOff x="5129348" y="3099111"/>
+            <a:chExt cx="2699657" cy="3222170"/>
+          </a:xfrm>
+        </p:grpSpPr>
+        <p:sp>
+          <p:nvSpPr>
+            <p:cNvPr id="5" name="Retângulo 4">
+              <a:extLst>
+                <a:ext uri="{FF2B5EF4-FFF2-40B4-BE49-F238E27FC236}">
+                  <a16:creationId xmlns:a16="http://schemas.microsoft.com/office/drawing/2014/main" id="{FA747B47-1C08-4190-BE58-72ADCDD07E8D}"/>
+                </a:ext>
+              </a:extLst>
+            </p:cNvPr>
+            <p:cNvSpPr/>
+            <p:nvPr/>
+          </p:nvSpPr>
+          <p:spPr>
+            <a:xfrm>
+              <a:off x="5129348" y="3099111"/>
+              <a:ext cx="2699657" cy="3222170"/>
+            </a:xfrm>
+            <a:prstGeom prst="rect">
+              <a:avLst/>
+            </a:prstGeom>
+            <a:solidFill>
+              <a:schemeClr val="bg1"/>
+            </a:solidFill>
+            <a:ln>
+              <a:solidFill>
+                <a:schemeClr val="tx1"/>
+              </a:solidFill>
+            </a:ln>
+          </p:spPr>
+          <p:style>
+            <a:lnRef idx="2">
+              <a:schemeClr val="accent1">
+                <a:shade val="50000"/>
+              </a:schemeClr>
+            </a:lnRef>
+            <a:fillRef idx="1">
+              <a:schemeClr val="accent1"/>
+            </a:fillRef>
+            <a:effectRef idx="0">
+              <a:schemeClr val="accent1"/>
+            </a:effectRef>
+            <a:fontRef idx="minor">
+              <a:schemeClr val="lt1"/>
+            </a:fontRef>
+          </p:style>
+          <p:txBody>
+            <a:bodyPr rtlCol="0" anchor="ctr"/>
+            <a:lstStyle/>
+            <a:p>
+              <a:pPr algn="ctr"/>
+              <a:endParaRPr lang="pt-BR" dirty="0"/>
+            </a:p>
+          </p:txBody>
+        </p:sp>
+        <p:grpSp>
+          <p:nvGrpSpPr>
+            <p:cNvPr id="37" name="Agrupar 36">
+              <a:extLst>
+                <a:ext uri="{FF2B5EF4-FFF2-40B4-BE49-F238E27FC236}">
+                  <a16:creationId xmlns:a16="http://schemas.microsoft.com/office/drawing/2014/main" id="{ED07F90D-E4AC-4961-95B8-3770325D19AE}"/>
+                </a:ext>
+              </a:extLst>
+            </p:cNvPr>
+            <p:cNvGrpSpPr/>
+            <p:nvPr/>
+          </p:nvGrpSpPr>
+          <p:grpSpPr>
+            <a:xfrm>
+              <a:off x="5249474" y="3468868"/>
+              <a:ext cx="2495908" cy="0"/>
+              <a:chOff x="5249474" y="3468868"/>
+              <a:chExt cx="2495908" cy="0"/>
+            </a:xfrm>
+          </p:grpSpPr>
+          <p:cxnSp>
+            <p:nvCxnSpPr>
+              <p:cNvPr id="6" name="Conector reto 5">
+                <a:extLst>
+                  <a:ext uri="{FF2B5EF4-FFF2-40B4-BE49-F238E27FC236}">
+                    <a16:creationId xmlns:a16="http://schemas.microsoft.com/office/drawing/2014/main" id="{556737D8-E353-4E17-98FE-4B491B794627}"/>
+                  </a:ext>
+                </a:extLst>
+              </p:cNvPr>
+              <p:cNvCxnSpPr/>
+              <p:nvPr/>
+            </p:nvCxnSpPr>
+            <p:spPr>
+              <a:xfrm>
+                <a:off x="5249474" y="3468868"/>
+                <a:ext cx="356558" cy="0"/>
+              </a:xfrm>
+              <a:prstGeom prst="line">
+                <a:avLst/>
+              </a:prstGeom>
+              <a:ln w="57150">
+                <a:solidFill>
+                  <a:schemeClr val="tx1"/>
+                </a:solidFill>
+              </a:ln>
+            </p:spPr>
+            <p:style>
+              <a:lnRef idx="1">
+                <a:schemeClr val="accent1"/>
+              </a:lnRef>
+              <a:fillRef idx="0">
+                <a:schemeClr val="accent1"/>
+              </a:fillRef>
+              <a:effectRef idx="0">
+                <a:schemeClr val="accent1"/>
+              </a:effectRef>
+              <a:fontRef idx="minor">
+                <a:schemeClr val="tx1"/>
+              </a:fontRef>
+            </p:style>
+          </p:cxnSp>
+          <p:cxnSp>
+            <p:nvCxnSpPr>
+              <p:cNvPr id="7" name="Conector reto 6">
+                <a:extLst>
+                  <a:ext uri="{FF2B5EF4-FFF2-40B4-BE49-F238E27FC236}">
+                    <a16:creationId xmlns:a16="http://schemas.microsoft.com/office/drawing/2014/main" id="{883D678F-0707-4E62-BDEF-5295E809E44B}"/>
+                  </a:ext>
+                </a:extLst>
+              </p:cNvPr>
+              <p:cNvCxnSpPr/>
+              <p:nvPr/>
+            </p:nvCxnSpPr>
+            <p:spPr>
+              <a:xfrm>
+                <a:off x="5758843" y="3468868"/>
+                <a:ext cx="356558" cy="0"/>
+              </a:xfrm>
+              <a:prstGeom prst="line">
+                <a:avLst/>
+              </a:prstGeom>
+              <a:ln w="57150">
+                <a:solidFill>
+                  <a:schemeClr val="tx1"/>
+                </a:solidFill>
+              </a:ln>
+            </p:spPr>
+            <p:style>
+              <a:lnRef idx="1">
+                <a:schemeClr val="accent1"/>
+              </a:lnRef>
+              <a:fillRef idx="0">
+                <a:schemeClr val="accent1"/>
+              </a:fillRef>
+              <a:effectRef idx="0">
+                <a:schemeClr val="accent1"/>
+              </a:effectRef>
+              <a:fontRef idx="minor">
+                <a:schemeClr val="tx1"/>
+              </a:fontRef>
+            </p:style>
+          </p:cxnSp>
+          <p:cxnSp>
+            <p:nvCxnSpPr>
+              <p:cNvPr id="8" name="Conector reto 7">
+                <a:extLst>
+                  <a:ext uri="{FF2B5EF4-FFF2-40B4-BE49-F238E27FC236}">
+                    <a16:creationId xmlns:a16="http://schemas.microsoft.com/office/drawing/2014/main" id="{C087DEC9-09E2-4581-BFBE-0E0522E13526}"/>
+                  </a:ext>
+                </a:extLst>
+              </p:cNvPr>
+              <p:cNvCxnSpPr/>
+              <p:nvPr/>
+            </p:nvCxnSpPr>
+            <p:spPr>
+              <a:xfrm>
+                <a:off x="6268212" y="3468868"/>
+                <a:ext cx="356558" cy="0"/>
+              </a:xfrm>
+              <a:prstGeom prst="line">
+                <a:avLst/>
+              </a:prstGeom>
+              <a:ln w="57150">
+                <a:solidFill>
+                  <a:schemeClr val="tx1"/>
+                </a:solidFill>
+              </a:ln>
+            </p:spPr>
+            <p:style>
+              <a:lnRef idx="1">
+                <a:schemeClr val="accent1"/>
+              </a:lnRef>
+              <a:fillRef idx="0">
+                <a:schemeClr val="accent1"/>
+              </a:fillRef>
+              <a:effectRef idx="0">
+                <a:schemeClr val="accent1"/>
+              </a:effectRef>
+              <a:fontRef idx="minor">
+                <a:schemeClr val="tx1"/>
+              </a:fontRef>
+            </p:style>
+          </p:cxnSp>
+          <p:cxnSp>
+            <p:nvCxnSpPr>
+              <p:cNvPr id="9" name="Conector reto 8">
+                <a:extLst>
+                  <a:ext uri="{FF2B5EF4-FFF2-40B4-BE49-F238E27FC236}">
+                    <a16:creationId xmlns:a16="http://schemas.microsoft.com/office/drawing/2014/main" id="{26A04B00-7A5E-4B39-9CE0-7D07AACFBFE8}"/>
+                  </a:ext>
+                </a:extLst>
+              </p:cNvPr>
+              <p:cNvCxnSpPr/>
+              <p:nvPr/>
+            </p:nvCxnSpPr>
+            <p:spPr>
+              <a:xfrm>
+                <a:off x="6815984" y="3468868"/>
+                <a:ext cx="356558" cy="0"/>
+              </a:xfrm>
+              <a:prstGeom prst="line">
+                <a:avLst/>
+              </a:prstGeom>
+              <a:ln w="57150">
+                <a:solidFill>
+                  <a:schemeClr val="tx1"/>
+                </a:solidFill>
+              </a:ln>
+            </p:spPr>
+            <p:style>
+              <a:lnRef idx="1">
+                <a:schemeClr val="accent1"/>
+              </a:lnRef>
+              <a:fillRef idx="0">
+                <a:schemeClr val="accent1"/>
+              </a:fillRef>
+              <a:effectRef idx="0">
+                <a:schemeClr val="accent1"/>
+              </a:effectRef>
+              <a:fontRef idx="minor">
+                <a:schemeClr val="tx1"/>
+              </a:fontRef>
+            </p:style>
+          </p:cxnSp>
+          <p:cxnSp>
+            <p:nvCxnSpPr>
+              <p:cNvPr id="10" name="Conector reto 9">
+                <a:extLst>
+                  <a:ext uri="{FF2B5EF4-FFF2-40B4-BE49-F238E27FC236}">
+                    <a16:creationId xmlns:a16="http://schemas.microsoft.com/office/drawing/2014/main" id="{9E95C023-C299-4C24-BB8F-974C7ED41587}"/>
+                  </a:ext>
+                </a:extLst>
+              </p:cNvPr>
+              <p:cNvCxnSpPr/>
+              <p:nvPr/>
+            </p:nvCxnSpPr>
+            <p:spPr>
+              <a:xfrm>
+                <a:off x="7388824" y="3468868"/>
+                <a:ext cx="356558" cy="0"/>
+              </a:xfrm>
+              <a:prstGeom prst="line">
+                <a:avLst/>
+              </a:prstGeom>
+              <a:ln w="57150">
+                <a:solidFill>
+                  <a:schemeClr val="tx1"/>
+                </a:solidFill>
+              </a:ln>
+            </p:spPr>
+            <p:style>
+              <a:lnRef idx="1">
+                <a:schemeClr val="accent1"/>
+              </a:lnRef>
+              <a:fillRef idx="0">
+                <a:schemeClr val="accent1"/>
+              </a:fillRef>
+              <a:effectRef idx="0">
+                <a:schemeClr val="accent1"/>
+              </a:effectRef>
+              <a:fontRef idx="minor">
+                <a:schemeClr val="tx1"/>
+              </a:fontRef>
+            </p:style>
+          </p:cxnSp>
+        </p:grpSp>
+        <p:grpSp>
+          <p:nvGrpSpPr>
+            <p:cNvPr id="38" name="Agrupar 37">
+              <a:extLst>
+                <a:ext uri="{FF2B5EF4-FFF2-40B4-BE49-F238E27FC236}">
+                  <a16:creationId xmlns:a16="http://schemas.microsoft.com/office/drawing/2014/main" id="{7009EDAE-973F-4259-AFB2-F6714600A271}"/>
+                </a:ext>
+              </a:extLst>
+            </p:cNvPr>
+            <p:cNvGrpSpPr/>
+            <p:nvPr/>
+          </p:nvGrpSpPr>
+          <p:grpSpPr>
+            <a:xfrm>
+              <a:off x="5249474" y="3802098"/>
+              <a:ext cx="2495908" cy="0"/>
+              <a:chOff x="5249474" y="3838625"/>
+              <a:chExt cx="2495908" cy="0"/>
+            </a:xfrm>
+          </p:grpSpPr>
+          <p:cxnSp>
+            <p:nvCxnSpPr>
+              <p:cNvPr id="11" name="Conector reto 10">
+                <a:extLst>
+                  <a:ext uri="{FF2B5EF4-FFF2-40B4-BE49-F238E27FC236}">
+                    <a16:creationId xmlns:a16="http://schemas.microsoft.com/office/drawing/2014/main" id="{9F4ED6F6-EEB2-4A0A-AB72-6961091ECC4D}"/>
+                  </a:ext>
+                </a:extLst>
+              </p:cNvPr>
+              <p:cNvCxnSpPr/>
+              <p:nvPr/>
+            </p:nvCxnSpPr>
+            <p:spPr>
+              <a:xfrm>
+                <a:off x="5249474" y="3838625"/>
+                <a:ext cx="356558" cy="0"/>
+              </a:xfrm>
+              <a:prstGeom prst="line">
+                <a:avLst/>
+              </a:prstGeom>
+              <a:ln w="57150">
+                <a:solidFill>
+                  <a:schemeClr val="tx1"/>
+                </a:solidFill>
+              </a:ln>
+            </p:spPr>
+            <p:style>
+              <a:lnRef idx="1">
+                <a:schemeClr val="accent1"/>
+              </a:lnRef>
+              <a:fillRef idx="0">
+                <a:schemeClr val="accent1"/>
+              </a:fillRef>
+              <a:effectRef idx="0">
+                <a:schemeClr val="accent1"/>
+              </a:effectRef>
+              <a:fontRef idx="minor">
+                <a:schemeClr val="tx1"/>
+              </a:fontRef>
+            </p:style>
+          </p:cxnSp>
+          <p:cxnSp>
+            <p:nvCxnSpPr>
+              <p:cNvPr id="12" name="Conector reto 11">
+                <a:extLst>
+                  <a:ext uri="{FF2B5EF4-FFF2-40B4-BE49-F238E27FC236}">
+                    <a16:creationId xmlns:a16="http://schemas.microsoft.com/office/drawing/2014/main" id="{AA122E8A-F397-4CDA-8150-F085B7F2EA69}"/>
+                  </a:ext>
+                </a:extLst>
+              </p:cNvPr>
+              <p:cNvCxnSpPr/>
+              <p:nvPr/>
+            </p:nvCxnSpPr>
+            <p:spPr>
+              <a:xfrm>
+                <a:off x="5758843" y="3838625"/>
+                <a:ext cx="356558" cy="0"/>
+              </a:xfrm>
+              <a:prstGeom prst="line">
+                <a:avLst/>
+              </a:prstGeom>
+              <a:ln w="57150">
+                <a:solidFill>
+                  <a:schemeClr val="tx1"/>
+                </a:solidFill>
+              </a:ln>
+            </p:spPr>
+            <p:style>
+              <a:lnRef idx="1">
+                <a:schemeClr val="accent1"/>
+              </a:lnRef>
+              <a:fillRef idx="0">
+                <a:schemeClr val="accent1"/>
+              </a:fillRef>
+              <a:effectRef idx="0">
+                <a:schemeClr val="accent1"/>
+              </a:effectRef>
+              <a:fontRef idx="minor">
+                <a:schemeClr val="tx1"/>
+              </a:fontRef>
+            </p:style>
+          </p:cxnSp>
+          <p:cxnSp>
+            <p:nvCxnSpPr>
+              <p:cNvPr id="13" name="Conector reto 12">
+                <a:extLst>
+                  <a:ext uri="{FF2B5EF4-FFF2-40B4-BE49-F238E27FC236}">
+                    <a16:creationId xmlns:a16="http://schemas.microsoft.com/office/drawing/2014/main" id="{648D78EA-1F4F-4900-B7B5-028008507DF7}"/>
+                  </a:ext>
+                </a:extLst>
+              </p:cNvPr>
+              <p:cNvCxnSpPr/>
+              <p:nvPr/>
+            </p:nvCxnSpPr>
+            <p:spPr>
+              <a:xfrm>
+                <a:off x="6268212" y="3838625"/>
+                <a:ext cx="356558" cy="0"/>
+              </a:xfrm>
+              <a:prstGeom prst="line">
+                <a:avLst/>
+              </a:prstGeom>
+              <a:ln w="57150">
+                <a:solidFill>
+                  <a:schemeClr val="tx1"/>
+                </a:solidFill>
+              </a:ln>
+            </p:spPr>
+            <p:style>
+              <a:lnRef idx="1">
+                <a:schemeClr val="accent1"/>
+              </a:lnRef>
+              <a:fillRef idx="0">
+                <a:schemeClr val="accent1"/>
+              </a:fillRef>
+              <a:effectRef idx="0">
+                <a:schemeClr val="accent1"/>
+              </a:effectRef>
+              <a:fontRef idx="minor">
+                <a:schemeClr val="tx1"/>
+              </a:fontRef>
+            </p:style>
+          </p:cxnSp>
+          <p:cxnSp>
+            <p:nvCxnSpPr>
+              <p:cNvPr id="14" name="Conector reto 13">
+                <a:extLst>
+                  <a:ext uri="{FF2B5EF4-FFF2-40B4-BE49-F238E27FC236}">
+                    <a16:creationId xmlns:a16="http://schemas.microsoft.com/office/drawing/2014/main" id="{EA9CB804-C9F8-4D8F-8CA4-F554C885DCA4}"/>
+                  </a:ext>
+                </a:extLst>
+              </p:cNvPr>
+              <p:cNvCxnSpPr/>
+              <p:nvPr/>
+            </p:nvCxnSpPr>
+            <p:spPr>
+              <a:xfrm>
+                <a:off x="6815984" y="3838625"/>
+                <a:ext cx="356558" cy="0"/>
+              </a:xfrm>
+              <a:prstGeom prst="line">
+                <a:avLst/>
+              </a:prstGeom>
+              <a:ln w="57150">
+                <a:solidFill>
+                  <a:schemeClr val="tx1"/>
+                </a:solidFill>
+              </a:ln>
+            </p:spPr>
+            <p:style>
+              <a:lnRef idx="1">
+                <a:schemeClr val="accent1"/>
+              </a:lnRef>
+              <a:fillRef idx="0">
+                <a:schemeClr val="accent1"/>
+              </a:fillRef>
+              <a:effectRef idx="0">
+                <a:schemeClr val="accent1"/>
+              </a:effectRef>
+              <a:fontRef idx="minor">
+                <a:schemeClr val="tx1"/>
+              </a:fontRef>
+            </p:style>
+          </p:cxnSp>
+          <p:cxnSp>
+            <p:nvCxnSpPr>
+              <p:cNvPr id="15" name="Conector reto 14">
+                <a:extLst>
+                  <a:ext uri="{FF2B5EF4-FFF2-40B4-BE49-F238E27FC236}">
+                    <a16:creationId xmlns:a16="http://schemas.microsoft.com/office/drawing/2014/main" id="{DAD00B54-31F6-4718-926D-12E552878A67}"/>
+                  </a:ext>
+                </a:extLst>
+              </p:cNvPr>
+              <p:cNvCxnSpPr/>
+              <p:nvPr/>
+            </p:nvCxnSpPr>
+            <p:spPr>
+              <a:xfrm>
+                <a:off x="7388824" y="3838625"/>
+                <a:ext cx="356558" cy="0"/>
+              </a:xfrm>
+              <a:prstGeom prst="line">
+                <a:avLst/>
+              </a:prstGeom>
+              <a:ln w="57150">
+                <a:solidFill>
+                  <a:schemeClr val="tx1"/>
+                </a:solidFill>
+              </a:ln>
+            </p:spPr>
+            <p:style>
+              <a:lnRef idx="1">
+                <a:schemeClr val="accent1"/>
+              </a:lnRef>
+              <a:fillRef idx="0">
+                <a:schemeClr val="accent1"/>
+              </a:fillRef>
+              <a:effectRef idx="0">
+                <a:schemeClr val="accent1"/>
+              </a:effectRef>
+              <a:fontRef idx="minor">
+                <a:schemeClr val="tx1"/>
+              </a:fontRef>
+            </p:style>
+          </p:cxnSp>
+        </p:grpSp>
+        <p:grpSp>
+          <p:nvGrpSpPr>
+            <p:cNvPr id="39" name="Agrupar 38">
+              <a:extLst>
+                <a:ext uri="{FF2B5EF4-FFF2-40B4-BE49-F238E27FC236}">
+                  <a16:creationId xmlns:a16="http://schemas.microsoft.com/office/drawing/2014/main" id="{A7398F05-108C-4981-A9E6-8A942369373E}"/>
+                </a:ext>
+              </a:extLst>
+            </p:cNvPr>
+            <p:cNvGrpSpPr/>
+            <p:nvPr/>
+          </p:nvGrpSpPr>
+          <p:grpSpPr>
+            <a:xfrm>
+              <a:off x="5249474" y="4135328"/>
+              <a:ext cx="2495908" cy="0"/>
+              <a:chOff x="5249474" y="4208382"/>
+              <a:chExt cx="2495908" cy="0"/>
+            </a:xfrm>
+          </p:grpSpPr>
+          <p:cxnSp>
+            <p:nvCxnSpPr>
+              <p:cNvPr id="16" name="Conector reto 15">
+                <a:extLst>
+                  <a:ext uri="{FF2B5EF4-FFF2-40B4-BE49-F238E27FC236}">
+                    <a16:creationId xmlns:a16="http://schemas.microsoft.com/office/drawing/2014/main" id="{B263F926-1E5F-4BB5-8944-08B457CA6E96}"/>
+                  </a:ext>
+                </a:extLst>
+              </p:cNvPr>
+              <p:cNvCxnSpPr/>
+              <p:nvPr/>
+            </p:nvCxnSpPr>
+            <p:spPr>
+              <a:xfrm>
+                <a:off x="5249474" y="4208382"/>
+                <a:ext cx="356558" cy="0"/>
+              </a:xfrm>
+              <a:prstGeom prst="line">
+                <a:avLst/>
+              </a:prstGeom>
+              <a:ln w="57150">
+                <a:solidFill>
+                  <a:schemeClr val="tx1"/>
+                </a:solidFill>
+              </a:ln>
+            </p:spPr>
+            <p:style>
+              <a:lnRef idx="1">
+                <a:schemeClr val="accent1"/>
+              </a:lnRef>
+              <a:fillRef idx="0">
+                <a:schemeClr val="accent1"/>
+              </a:fillRef>
+              <a:effectRef idx="0">
+                <a:schemeClr val="accent1"/>
+              </a:effectRef>
+              <a:fontRef idx="minor">
+                <a:schemeClr val="tx1"/>
+              </a:fontRef>
+            </p:style>
+          </p:cxnSp>
+          <p:cxnSp>
+            <p:nvCxnSpPr>
+              <p:cNvPr id="17" name="Conector reto 16">
+                <a:extLst>
+                  <a:ext uri="{FF2B5EF4-FFF2-40B4-BE49-F238E27FC236}">
+                    <a16:creationId xmlns:a16="http://schemas.microsoft.com/office/drawing/2014/main" id="{655341FE-D2D6-4A26-9852-B76A4B0D6B46}"/>
+                  </a:ext>
+                </a:extLst>
+              </p:cNvPr>
+              <p:cNvCxnSpPr/>
+              <p:nvPr/>
+            </p:nvCxnSpPr>
+            <p:spPr>
+              <a:xfrm>
+                <a:off x="5758843" y="4208382"/>
+                <a:ext cx="356558" cy="0"/>
+              </a:xfrm>
+              <a:prstGeom prst="line">
+                <a:avLst/>
+              </a:prstGeom>
+              <a:ln w="57150">
+                <a:solidFill>
+                  <a:schemeClr val="tx1"/>
+                </a:solidFill>
+              </a:ln>
+            </p:spPr>
+            <p:style>
+              <a:lnRef idx="1">
+                <a:schemeClr val="accent1"/>
+              </a:lnRef>
+              <a:fillRef idx="0">
+                <a:schemeClr val="accent1"/>
+              </a:fillRef>
+              <a:effectRef idx="0">
+                <a:schemeClr val="accent1"/>
+              </a:effectRef>
+              <a:fontRef idx="minor">
+                <a:schemeClr val="tx1"/>
+              </a:fontRef>
+            </p:style>
+          </p:cxnSp>
+          <p:cxnSp>
+            <p:nvCxnSpPr>
+              <p:cNvPr id="18" name="Conector reto 17">
+                <a:extLst>
+                  <a:ext uri="{FF2B5EF4-FFF2-40B4-BE49-F238E27FC236}">
+                    <a16:creationId xmlns:a16="http://schemas.microsoft.com/office/drawing/2014/main" id="{5917AC07-2FDF-4EFD-8394-A37EB214D22B}"/>
+                  </a:ext>
+                </a:extLst>
+              </p:cNvPr>
+              <p:cNvCxnSpPr/>
+              <p:nvPr/>
+            </p:nvCxnSpPr>
+            <p:spPr>
+              <a:xfrm>
+                <a:off x="6268212" y="4208382"/>
+                <a:ext cx="356558" cy="0"/>
+              </a:xfrm>
+              <a:prstGeom prst="line">
+                <a:avLst/>
+              </a:prstGeom>
+              <a:ln w="57150">
+                <a:solidFill>
+                  <a:schemeClr val="tx1"/>
+                </a:solidFill>
+              </a:ln>
+            </p:spPr>
+            <p:style>
+              <a:lnRef idx="1">
+                <a:schemeClr val="accent1"/>
+              </a:lnRef>
+              <a:fillRef idx="0">
+                <a:schemeClr val="accent1"/>
+              </a:fillRef>
+              <a:effectRef idx="0">
+                <a:schemeClr val="accent1"/>
+              </a:effectRef>
+              <a:fontRef idx="minor">
+                <a:schemeClr val="tx1"/>
+              </a:fontRef>
+            </p:style>
+          </p:cxnSp>
+          <p:cxnSp>
+            <p:nvCxnSpPr>
+              <p:cNvPr id="19" name="Conector reto 18">
+                <a:extLst>
+                  <a:ext uri="{FF2B5EF4-FFF2-40B4-BE49-F238E27FC236}">
+                    <a16:creationId xmlns:a16="http://schemas.microsoft.com/office/drawing/2014/main" id="{53E83FE6-34CB-46B5-8198-F92F0B8C4037}"/>
+                  </a:ext>
+                </a:extLst>
+              </p:cNvPr>
+              <p:cNvCxnSpPr/>
+              <p:nvPr/>
+            </p:nvCxnSpPr>
+            <p:spPr>
+              <a:xfrm>
+                <a:off x="6815984" y="4208382"/>
+                <a:ext cx="356558" cy="0"/>
+              </a:xfrm>
+              <a:prstGeom prst="line">
+                <a:avLst/>
+              </a:prstGeom>
+              <a:ln w="57150">
+                <a:solidFill>
+                  <a:schemeClr val="tx1"/>
+                </a:solidFill>
+              </a:ln>
+            </p:spPr>
+            <p:style>
+              <a:lnRef idx="1">
+                <a:schemeClr val="accent1"/>
+              </a:lnRef>
+              <a:fillRef idx="0">
+                <a:schemeClr val="accent1"/>
+              </a:fillRef>
+              <a:effectRef idx="0">
+                <a:schemeClr val="accent1"/>
+              </a:effectRef>
+              <a:fontRef idx="minor">
+                <a:schemeClr val="tx1"/>
+              </a:fontRef>
+            </p:style>
+          </p:cxnSp>
+          <p:cxnSp>
+            <p:nvCxnSpPr>
+              <p:cNvPr id="20" name="Conector reto 19">
+                <a:extLst>
+                  <a:ext uri="{FF2B5EF4-FFF2-40B4-BE49-F238E27FC236}">
+                    <a16:creationId xmlns:a16="http://schemas.microsoft.com/office/drawing/2014/main" id="{F45D7E5E-E1C0-4D80-8BC2-244AC0A683FF}"/>
+                  </a:ext>
+                </a:extLst>
+              </p:cNvPr>
+              <p:cNvCxnSpPr/>
+              <p:nvPr/>
+            </p:nvCxnSpPr>
+            <p:spPr>
+              <a:xfrm>
+                <a:off x="7388824" y="4208382"/>
+                <a:ext cx="356558" cy="0"/>
+              </a:xfrm>
+              <a:prstGeom prst="line">
+                <a:avLst/>
+              </a:prstGeom>
+              <a:ln w="57150">
+                <a:solidFill>
+                  <a:schemeClr val="tx1"/>
+                </a:solidFill>
+              </a:ln>
+            </p:spPr>
+            <p:style>
+              <a:lnRef idx="1">
+                <a:schemeClr val="accent1"/>
+              </a:lnRef>
+              <a:fillRef idx="0">
+                <a:schemeClr val="accent1"/>
+              </a:fillRef>
+              <a:effectRef idx="0">
+                <a:schemeClr val="accent1"/>
+              </a:effectRef>
+              <a:fontRef idx="minor">
+                <a:schemeClr val="tx1"/>
+              </a:fontRef>
+            </p:style>
+          </p:cxnSp>
+        </p:grpSp>
+        <p:grpSp>
+          <p:nvGrpSpPr>
+            <p:cNvPr id="40" name="Agrupar 39">
+              <a:extLst>
+                <a:ext uri="{FF2B5EF4-FFF2-40B4-BE49-F238E27FC236}">
+                  <a16:creationId xmlns:a16="http://schemas.microsoft.com/office/drawing/2014/main" id="{EC097E82-EF08-4FFC-BAE9-D5716D62C348}"/>
+                </a:ext>
+              </a:extLst>
+            </p:cNvPr>
+            <p:cNvGrpSpPr/>
+            <p:nvPr/>
+          </p:nvGrpSpPr>
+          <p:grpSpPr>
+            <a:xfrm>
+              <a:off x="5249474" y="5285065"/>
+              <a:ext cx="2495908" cy="0"/>
+              <a:chOff x="5249474" y="5212009"/>
+              <a:chExt cx="2495908" cy="0"/>
+            </a:xfrm>
+          </p:grpSpPr>
+          <p:cxnSp>
+            <p:nvCxnSpPr>
+              <p:cNvPr id="21" name="Conector reto 20">
+                <a:extLst>
+                  <a:ext uri="{FF2B5EF4-FFF2-40B4-BE49-F238E27FC236}">
+                    <a16:creationId xmlns:a16="http://schemas.microsoft.com/office/drawing/2014/main" id="{EC4289B0-FDE3-4474-8FA6-6AE60275AED3}"/>
+                  </a:ext>
+                </a:extLst>
+              </p:cNvPr>
+              <p:cNvCxnSpPr/>
+              <p:nvPr/>
+            </p:nvCxnSpPr>
+            <p:spPr>
+              <a:xfrm>
+                <a:off x="5249474" y="5212009"/>
+                <a:ext cx="356558" cy="0"/>
+              </a:xfrm>
+              <a:prstGeom prst="line">
+                <a:avLst/>
+              </a:prstGeom>
+              <a:ln w="57150">
+                <a:solidFill>
+                  <a:schemeClr val="tx1"/>
+                </a:solidFill>
+              </a:ln>
+            </p:spPr>
+            <p:style>
+              <a:lnRef idx="1">
+                <a:schemeClr val="accent1"/>
+              </a:lnRef>
+              <a:fillRef idx="0">
+                <a:schemeClr val="accent1"/>
+              </a:fillRef>
+              <a:effectRef idx="0">
+                <a:schemeClr val="accent1"/>
+              </a:effectRef>
+              <a:fontRef idx="minor">
+                <a:schemeClr val="tx1"/>
+              </a:fontRef>
+            </p:style>
+          </p:cxnSp>
+          <p:cxnSp>
+            <p:nvCxnSpPr>
+              <p:cNvPr id="22" name="Conector reto 21">
+                <a:extLst>
+                  <a:ext uri="{FF2B5EF4-FFF2-40B4-BE49-F238E27FC236}">
+                    <a16:creationId xmlns:a16="http://schemas.microsoft.com/office/drawing/2014/main" id="{B02DA6F6-781B-420E-88DA-2D4F78FAD57C}"/>
+                  </a:ext>
+                </a:extLst>
+              </p:cNvPr>
+              <p:cNvCxnSpPr/>
+              <p:nvPr/>
+            </p:nvCxnSpPr>
+            <p:spPr>
+              <a:xfrm>
+                <a:off x="5758843" y="5212009"/>
+                <a:ext cx="356558" cy="0"/>
+              </a:xfrm>
+              <a:prstGeom prst="line">
+                <a:avLst/>
+              </a:prstGeom>
+              <a:ln w="57150">
+                <a:solidFill>
+                  <a:schemeClr val="tx1"/>
+                </a:solidFill>
+              </a:ln>
+            </p:spPr>
+            <p:style>
+              <a:lnRef idx="1">
+                <a:schemeClr val="accent1"/>
+              </a:lnRef>
+              <a:fillRef idx="0">
+                <a:schemeClr val="accent1"/>
+              </a:fillRef>
+              <a:effectRef idx="0">
+                <a:schemeClr val="accent1"/>
+              </a:effectRef>
+              <a:fontRef idx="minor">
+                <a:schemeClr val="tx1"/>
+              </a:fontRef>
+            </p:style>
+          </p:cxnSp>
+          <p:cxnSp>
+            <p:nvCxnSpPr>
+              <p:cNvPr id="23" name="Conector reto 22">
+                <a:extLst>
+                  <a:ext uri="{FF2B5EF4-FFF2-40B4-BE49-F238E27FC236}">
+                    <a16:creationId xmlns:a16="http://schemas.microsoft.com/office/drawing/2014/main" id="{5BDAC67F-F59F-4507-8161-3435A2F9A171}"/>
+                  </a:ext>
+                </a:extLst>
+              </p:cNvPr>
+              <p:cNvCxnSpPr/>
+              <p:nvPr/>
+            </p:nvCxnSpPr>
+            <p:spPr>
+              <a:xfrm>
+                <a:off x="6268212" y="5212009"/>
+                <a:ext cx="356558" cy="0"/>
+              </a:xfrm>
+              <a:prstGeom prst="line">
+                <a:avLst/>
+              </a:prstGeom>
+              <a:ln w="57150">
+                <a:solidFill>
+                  <a:schemeClr val="tx1"/>
+                </a:solidFill>
+              </a:ln>
+            </p:spPr>
+            <p:style>
+              <a:lnRef idx="1">
+                <a:schemeClr val="accent1"/>
+              </a:lnRef>
+              <a:fillRef idx="0">
+                <a:schemeClr val="accent1"/>
+              </a:fillRef>
+              <a:effectRef idx="0">
+                <a:schemeClr val="accent1"/>
+              </a:effectRef>
+              <a:fontRef idx="minor">
+                <a:schemeClr val="tx1"/>
+              </a:fontRef>
+            </p:style>
+          </p:cxnSp>
+          <p:cxnSp>
+            <p:nvCxnSpPr>
+              <p:cNvPr id="24" name="Conector reto 23">
+                <a:extLst>
+                  <a:ext uri="{FF2B5EF4-FFF2-40B4-BE49-F238E27FC236}">
+                    <a16:creationId xmlns:a16="http://schemas.microsoft.com/office/drawing/2014/main" id="{68F1A95A-02D1-46EB-9FCE-EA8CF31CCE36}"/>
+                  </a:ext>
+                </a:extLst>
+              </p:cNvPr>
+              <p:cNvCxnSpPr/>
+              <p:nvPr/>
+            </p:nvCxnSpPr>
+            <p:spPr>
+              <a:xfrm>
+                <a:off x="6815984" y="5212009"/>
+                <a:ext cx="356558" cy="0"/>
+              </a:xfrm>
+              <a:prstGeom prst="line">
+                <a:avLst/>
+              </a:prstGeom>
+              <a:ln w="57150">
+                <a:solidFill>
+                  <a:schemeClr val="tx1"/>
+                </a:solidFill>
+              </a:ln>
+            </p:spPr>
+            <p:style>
+              <a:lnRef idx="1">
+                <a:schemeClr val="accent1"/>
+              </a:lnRef>
+              <a:fillRef idx="0">
+                <a:schemeClr val="accent1"/>
+              </a:fillRef>
+              <a:effectRef idx="0">
+                <a:schemeClr val="accent1"/>
+              </a:effectRef>
+              <a:fontRef idx="minor">
+                <a:schemeClr val="tx1"/>
+              </a:fontRef>
+            </p:style>
+          </p:cxnSp>
+          <p:cxnSp>
+            <p:nvCxnSpPr>
+              <p:cNvPr id="25" name="Conector reto 24">
+                <a:extLst>
+                  <a:ext uri="{FF2B5EF4-FFF2-40B4-BE49-F238E27FC236}">
+                    <a16:creationId xmlns:a16="http://schemas.microsoft.com/office/drawing/2014/main" id="{BD694825-F32D-4D7A-BEF9-42F76D635BA4}"/>
+                  </a:ext>
+                </a:extLst>
+              </p:cNvPr>
+              <p:cNvCxnSpPr/>
+              <p:nvPr/>
+            </p:nvCxnSpPr>
+            <p:spPr>
+              <a:xfrm>
+                <a:off x="7388824" y="5212009"/>
+                <a:ext cx="356558" cy="0"/>
+              </a:xfrm>
+              <a:prstGeom prst="line">
+                <a:avLst/>
+              </a:prstGeom>
+              <a:ln w="57150">
+                <a:solidFill>
+                  <a:schemeClr val="tx1"/>
+                </a:solidFill>
+              </a:ln>
+            </p:spPr>
+            <p:style>
+              <a:lnRef idx="1">
+                <a:schemeClr val="accent1"/>
+              </a:lnRef>
+              <a:fillRef idx="0">
+                <a:schemeClr val="accent1"/>
+              </a:fillRef>
+              <a:effectRef idx="0">
+                <a:schemeClr val="accent1"/>
+              </a:effectRef>
+              <a:fontRef idx="minor">
+                <a:schemeClr val="tx1"/>
+              </a:fontRef>
+            </p:style>
+          </p:cxnSp>
+        </p:grpSp>
+        <p:grpSp>
+          <p:nvGrpSpPr>
+            <p:cNvPr id="41" name="Agrupar 40">
+              <a:extLst>
+                <a:ext uri="{FF2B5EF4-FFF2-40B4-BE49-F238E27FC236}">
+                  <a16:creationId xmlns:a16="http://schemas.microsoft.com/office/drawing/2014/main" id="{63EAED01-BE80-4957-BFDE-856DC4F713C8}"/>
+                </a:ext>
+              </a:extLst>
+            </p:cNvPr>
+            <p:cNvGrpSpPr/>
+            <p:nvPr/>
+          </p:nvGrpSpPr>
+          <p:grpSpPr>
+            <a:xfrm>
+              <a:off x="5249474" y="5618295"/>
+              <a:ext cx="2495908" cy="0"/>
+              <a:chOff x="5249474" y="5581766"/>
+              <a:chExt cx="2495908" cy="0"/>
+            </a:xfrm>
+          </p:grpSpPr>
+          <p:cxnSp>
+            <p:nvCxnSpPr>
+              <p:cNvPr id="26" name="Conector reto 25">
+                <a:extLst>
+                  <a:ext uri="{FF2B5EF4-FFF2-40B4-BE49-F238E27FC236}">
+                    <a16:creationId xmlns:a16="http://schemas.microsoft.com/office/drawing/2014/main" id="{C287FC41-7928-4F52-9977-4694631EA4D8}"/>
+                  </a:ext>
+                </a:extLst>
+              </p:cNvPr>
+              <p:cNvCxnSpPr/>
+              <p:nvPr/>
+            </p:nvCxnSpPr>
+            <p:spPr>
+              <a:xfrm>
+                <a:off x="5249474" y="5581766"/>
+                <a:ext cx="356558" cy="0"/>
+              </a:xfrm>
+              <a:prstGeom prst="line">
+                <a:avLst/>
+              </a:prstGeom>
+              <a:ln w="57150">
+                <a:solidFill>
+                  <a:schemeClr val="tx1"/>
+                </a:solidFill>
+              </a:ln>
+            </p:spPr>
+            <p:style>
+              <a:lnRef idx="1">
+                <a:schemeClr val="accent1"/>
+              </a:lnRef>
+              <a:fillRef idx="0">
+                <a:schemeClr val="accent1"/>
+              </a:fillRef>
+              <a:effectRef idx="0">
+                <a:schemeClr val="accent1"/>
+              </a:effectRef>
+              <a:fontRef idx="minor">
+                <a:schemeClr val="tx1"/>
+              </a:fontRef>
+            </p:style>
+          </p:cxnSp>
+          <p:cxnSp>
+            <p:nvCxnSpPr>
+              <p:cNvPr id="27" name="Conector reto 26">
+                <a:extLst>
+                  <a:ext uri="{FF2B5EF4-FFF2-40B4-BE49-F238E27FC236}">
+                    <a16:creationId xmlns:a16="http://schemas.microsoft.com/office/drawing/2014/main" id="{AFDB68E0-5391-42FD-B665-F88AA68E4A68}"/>
+                  </a:ext>
+                </a:extLst>
+              </p:cNvPr>
+              <p:cNvCxnSpPr/>
+              <p:nvPr/>
+            </p:nvCxnSpPr>
+            <p:spPr>
+              <a:xfrm>
+                <a:off x="5758843" y="5581766"/>
+                <a:ext cx="356558" cy="0"/>
+              </a:xfrm>
+              <a:prstGeom prst="line">
+                <a:avLst/>
+              </a:prstGeom>
+              <a:ln w="57150">
+                <a:solidFill>
+                  <a:schemeClr val="tx1"/>
+                </a:solidFill>
+              </a:ln>
+            </p:spPr>
+            <p:style>
+              <a:lnRef idx="1">
+                <a:schemeClr val="accent1"/>
+              </a:lnRef>
+              <a:fillRef idx="0">
+                <a:schemeClr val="accent1"/>
+              </a:fillRef>
+              <a:effectRef idx="0">
+                <a:schemeClr val="accent1"/>
+              </a:effectRef>
+              <a:fontRef idx="minor">
+                <a:schemeClr val="tx1"/>
+              </a:fontRef>
+            </p:style>
+          </p:cxnSp>
+          <p:cxnSp>
+            <p:nvCxnSpPr>
+              <p:cNvPr id="28" name="Conector reto 27">
+                <a:extLst>
+                  <a:ext uri="{FF2B5EF4-FFF2-40B4-BE49-F238E27FC236}">
+                    <a16:creationId xmlns:a16="http://schemas.microsoft.com/office/drawing/2014/main" id="{89993F77-CFD1-4F11-9A68-B2074CC67632}"/>
+                  </a:ext>
+                </a:extLst>
+              </p:cNvPr>
+              <p:cNvCxnSpPr/>
+              <p:nvPr/>
+            </p:nvCxnSpPr>
+            <p:spPr>
+              <a:xfrm>
+                <a:off x="6268212" y="5581766"/>
+                <a:ext cx="356558" cy="0"/>
+              </a:xfrm>
+              <a:prstGeom prst="line">
+                <a:avLst/>
+              </a:prstGeom>
+              <a:ln w="57150">
+                <a:solidFill>
+                  <a:schemeClr val="tx1"/>
+                </a:solidFill>
+              </a:ln>
+            </p:spPr>
+            <p:style>
+              <a:lnRef idx="1">
+                <a:schemeClr val="accent1"/>
+              </a:lnRef>
+              <a:fillRef idx="0">
+                <a:schemeClr val="accent1"/>
+              </a:fillRef>
+              <a:effectRef idx="0">
+                <a:schemeClr val="accent1"/>
+              </a:effectRef>
+              <a:fontRef idx="minor">
+                <a:schemeClr val="tx1"/>
+              </a:fontRef>
+            </p:style>
+          </p:cxnSp>
+          <p:cxnSp>
+            <p:nvCxnSpPr>
+              <p:cNvPr id="29" name="Conector reto 28">
+                <a:extLst>
+                  <a:ext uri="{FF2B5EF4-FFF2-40B4-BE49-F238E27FC236}">
+                    <a16:creationId xmlns:a16="http://schemas.microsoft.com/office/drawing/2014/main" id="{3CC381CE-02B8-457E-9506-14174FB5DFFE}"/>
+                  </a:ext>
+                </a:extLst>
+              </p:cNvPr>
+              <p:cNvCxnSpPr/>
+              <p:nvPr/>
+            </p:nvCxnSpPr>
+            <p:spPr>
+              <a:xfrm>
+                <a:off x="6815984" y="5581766"/>
+                <a:ext cx="356558" cy="0"/>
+              </a:xfrm>
+              <a:prstGeom prst="line">
+                <a:avLst/>
+              </a:prstGeom>
+              <a:ln w="57150">
+                <a:solidFill>
+                  <a:schemeClr val="tx1"/>
+                </a:solidFill>
+              </a:ln>
+            </p:spPr>
+            <p:style>
+              <a:lnRef idx="1">
+                <a:schemeClr val="accent1"/>
+              </a:lnRef>
+              <a:fillRef idx="0">
+                <a:schemeClr val="accent1"/>
+              </a:fillRef>
+              <a:effectRef idx="0">
+                <a:schemeClr val="accent1"/>
+              </a:effectRef>
+              <a:fontRef idx="minor">
+                <a:schemeClr val="tx1"/>
+              </a:fontRef>
+            </p:style>
+          </p:cxnSp>
+          <p:cxnSp>
+            <p:nvCxnSpPr>
+              <p:cNvPr id="30" name="Conector reto 29">
+                <a:extLst>
+                  <a:ext uri="{FF2B5EF4-FFF2-40B4-BE49-F238E27FC236}">
+                    <a16:creationId xmlns:a16="http://schemas.microsoft.com/office/drawing/2014/main" id="{5DB33B90-079C-4261-8A36-C2091AC44A31}"/>
+                  </a:ext>
+                </a:extLst>
+              </p:cNvPr>
+              <p:cNvCxnSpPr/>
+              <p:nvPr/>
+            </p:nvCxnSpPr>
+            <p:spPr>
+              <a:xfrm>
+                <a:off x="7388824" y="5581766"/>
+                <a:ext cx="356558" cy="0"/>
+              </a:xfrm>
+              <a:prstGeom prst="line">
+                <a:avLst/>
+              </a:prstGeom>
+              <a:ln w="57150">
+                <a:solidFill>
+                  <a:schemeClr val="tx1"/>
+                </a:solidFill>
+              </a:ln>
+            </p:spPr>
+            <p:style>
+              <a:lnRef idx="1">
+                <a:schemeClr val="accent1"/>
+              </a:lnRef>
+              <a:fillRef idx="0">
+                <a:schemeClr val="accent1"/>
+              </a:fillRef>
+              <a:effectRef idx="0">
+                <a:schemeClr val="accent1"/>
+              </a:effectRef>
+              <a:fontRef idx="minor">
+                <a:schemeClr val="tx1"/>
+              </a:fontRef>
+            </p:style>
+          </p:cxnSp>
+        </p:grpSp>
+        <p:grpSp>
+          <p:nvGrpSpPr>
+            <p:cNvPr id="42" name="Agrupar 41">
+              <a:extLst>
+                <a:ext uri="{FF2B5EF4-FFF2-40B4-BE49-F238E27FC236}">
+                  <a16:creationId xmlns:a16="http://schemas.microsoft.com/office/drawing/2014/main" id="{7B2DFA5C-AD6B-45A5-AC6B-E5BF8BF93CD5}"/>
+                </a:ext>
+              </a:extLst>
+            </p:cNvPr>
+            <p:cNvGrpSpPr/>
+            <p:nvPr/>
+          </p:nvGrpSpPr>
+          <p:grpSpPr>
+            <a:xfrm>
+              <a:off x="5249474" y="5951524"/>
+              <a:ext cx="2495908" cy="0"/>
+              <a:chOff x="5249474" y="5951524"/>
+              <a:chExt cx="2495908" cy="0"/>
+            </a:xfrm>
+          </p:grpSpPr>
+          <p:cxnSp>
+            <p:nvCxnSpPr>
+              <p:cNvPr id="31" name="Conector reto 30">
+                <a:extLst>
+                  <a:ext uri="{FF2B5EF4-FFF2-40B4-BE49-F238E27FC236}">
+                    <a16:creationId xmlns:a16="http://schemas.microsoft.com/office/drawing/2014/main" id="{627F960D-9CEC-4DDC-BC7B-BF09ACD94578}"/>
+                  </a:ext>
+                </a:extLst>
+              </p:cNvPr>
+              <p:cNvCxnSpPr/>
+              <p:nvPr/>
+            </p:nvCxnSpPr>
+            <p:spPr>
+              <a:xfrm>
+                <a:off x="5249474" y="5951524"/>
+                <a:ext cx="356558" cy="0"/>
+              </a:xfrm>
+              <a:prstGeom prst="line">
+                <a:avLst/>
+              </a:prstGeom>
+              <a:ln w="57150">
+                <a:solidFill>
+                  <a:schemeClr val="tx1"/>
+                </a:solidFill>
+              </a:ln>
+            </p:spPr>
+            <p:style>
+              <a:lnRef idx="1">
+                <a:schemeClr val="accent1"/>
+              </a:lnRef>
+              <a:fillRef idx="0">
+                <a:schemeClr val="accent1"/>
+              </a:fillRef>
+              <a:effectRef idx="0">
+                <a:schemeClr val="accent1"/>
+              </a:effectRef>
+              <a:fontRef idx="minor">
+                <a:schemeClr val="tx1"/>
+              </a:fontRef>
+            </p:style>
+          </p:cxnSp>
+          <p:cxnSp>
+            <p:nvCxnSpPr>
+              <p:cNvPr id="32" name="Conector reto 31">
+                <a:extLst>
+                  <a:ext uri="{FF2B5EF4-FFF2-40B4-BE49-F238E27FC236}">
+                    <a16:creationId xmlns:a16="http://schemas.microsoft.com/office/drawing/2014/main" id="{3BF5B753-98B5-4ACB-BDBA-9037F15D326E}"/>
+                  </a:ext>
+                </a:extLst>
+              </p:cNvPr>
+              <p:cNvCxnSpPr/>
+              <p:nvPr/>
+            </p:nvCxnSpPr>
+            <p:spPr>
+              <a:xfrm>
+                <a:off x="5758843" y="5951524"/>
+                <a:ext cx="356558" cy="0"/>
+              </a:xfrm>
+              <a:prstGeom prst="line">
+                <a:avLst/>
+              </a:prstGeom>
+              <a:ln w="57150">
+                <a:solidFill>
+                  <a:schemeClr val="tx1"/>
+                </a:solidFill>
+              </a:ln>
+            </p:spPr>
+            <p:style>
+              <a:lnRef idx="1">
+                <a:schemeClr val="accent1"/>
+              </a:lnRef>
+              <a:fillRef idx="0">
+                <a:schemeClr val="accent1"/>
+              </a:fillRef>
+              <a:effectRef idx="0">
+                <a:schemeClr val="accent1"/>
+              </a:effectRef>
+              <a:fontRef idx="minor">
+                <a:schemeClr val="tx1"/>
+              </a:fontRef>
+            </p:style>
+          </p:cxnSp>
+          <p:cxnSp>
+            <p:nvCxnSpPr>
+              <p:cNvPr id="33" name="Conector reto 32">
+                <a:extLst>
+                  <a:ext uri="{FF2B5EF4-FFF2-40B4-BE49-F238E27FC236}">
+                    <a16:creationId xmlns:a16="http://schemas.microsoft.com/office/drawing/2014/main" id="{B04CF3C6-9442-4484-916B-49E41753EA7D}"/>
+                  </a:ext>
+                </a:extLst>
+              </p:cNvPr>
+              <p:cNvCxnSpPr/>
+              <p:nvPr/>
+            </p:nvCxnSpPr>
+            <p:spPr>
+              <a:xfrm>
+                <a:off x="6268212" y="5951524"/>
+                <a:ext cx="356558" cy="0"/>
+              </a:xfrm>
+              <a:prstGeom prst="line">
+                <a:avLst/>
+              </a:prstGeom>
+              <a:ln w="57150">
+                <a:solidFill>
+                  <a:schemeClr val="tx1"/>
+                </a:solidFill>
+              </a:ln>
+            </p:spPr>
+            <p:style>
+              <a:lnRef idx="1">
+                <a:schemeClr val="accent1"/>
+              </a:lnRef>
+              <a:fillRef idx="0">
+                <a:schemeClr val="accent1"/>
+              </a:fillRef>
+              <a:effectRef idx="0">
+                <a:schemeClr val="accent1"/>
+              </a:effectRef>
+              <a:fontRef idx="minor">
+                <a:schemeClr val="tx1"/>
+              </a:fontRef>
+            </p:style>
+          </p:cxnSp>
+          <p:cxnSp>
+            <p:nvCxnSpPr>
+              <p:cNvPr id="34" name="Conector reto 33">
+                <a:extLst>
+                  <a:ext uri="{FF2B5EF4-FFF2-40B4-BE49-F238E27FC236}">
+                    <a16:creationId xmlns:a16="http://schemas.microsoft.com/office/drawing/2014/main" id="{E2DF8FAD-CD3A-4586-AE7C-C2B503BFF4D7}"/>
+                  </a:ext>
+                </a:extLst>
+              </p:cNvPr>
+              <p:cNvCxnSpPr/>
+              <p:nvPr/>
+            </p:nvCxnSpPr>
+            <p:spPr>
+              <a:xfrm>
+                <a:off x="6815984" y="5951524"/>
+                <a:ext cx="356558" cy="0"/>
+              </a:xfrm>
+              <a:prstGeom prst="line">
+                <a:avLst/>
+              </a:prstGeom>
+              <a:ln w="57150">
+                <a:solidFill>
+                  <a:schemeClr val="tx1"/>
+                </a:solidFill>
+              </a:ln>
+            </p:spPr>
+            <p:style>
+              <a:lnRef idx="1">
+                <a:schemeClr val="accent1"/>
+              </a:lnRef>
+              <a:fillRef idx="0">
+                <a:schemeClr val="accent1"/>
+              </a:fillRef>
+              <a:effectRef idx="0">
+                <a:schemeClr val="accent1"/>
+              </a:effectRef>
+              <a:fontRef idx="minor">
+                <a:schemeClr val="tx1"/>
+              </a:fontRef>
+            </p:style>
+          </p:cxnSp>
+          <p:cxnSp>
+            <p:nvCxnSpPr>
+              <p:cNvPr id="35" name="Conector reto 34">
+                <a:extLst>
+                  <a:ext uri="{FF2B5EF4-FFF2-40B4-BE49-F238E27FC236}">
+                    <a16:creationId xmlns:a16="http://schemas.microsoft.com/office/drawing/2014/main" id="{C19A15D5-378E-4B1F-8FE4-67EAF9621B5D}"/>
+                  </a:ext>
+                </a:extLst>
+              </p:cNvPr>
+              <p:cNvCxnSpPr/>
+              <p:nvPr/>
+            </p:nvCxnSpPr>
+            <p:spPr>
+              <a:xfrm>
+                <a:off x="7388824" y="5951524"/>
+                <a:ext cx="356558" cy="0"/>
+              </a:xfrm>
+              <a:prstGeom prst="line">
+                <a:avLst/>
+              </a:prstGeom>
+              <a:ln w="57150">
+                <a:solidFill>
+                  <a:schemeClr val="tx1"/>
+                </a:solidFill>
+              </a:ln>
+            </p:spPr>
+            <p:style>
+              <a:lnRef idx="1">
+                <a:schemeClr val="accent1"/>
+              </a:lnRef>
+              <a:fillRef idx="0">
+                <a:schemeClr val="accent1"/>
+              </a:fillRef>
+              <a:effectRef idx="0">
+                <a:schemeClr val="accent1"/>
+              </a:effectRef>
+              <a:fontRef idx="minor">
+                <a:schemeClr val="tx1"/>
+              </a:fontRef>
+            </p:style>
+          </p:cxnSp>
+        </p:grpSp>
+        <p:sp>
+          <p:nvSpPr>
+            <p:cNvPr id="36" name="Retângulo 35">
+              <a:extLst>
+                <a:ext uri="{FF2B5EF4-FFF2-40B4-BE49-F238E27FC236}">
+                  <a16:creationId xmlns:a16="http://schemas.microsoft.com/office/drawing/2014/main" id="{539BD887-ABD1-445F-B193-C0753A6EE320}"/>
+                </a:ext>
+              </a:extLst>
+            </p:cNvPr>
+            <p:cNvSpPr/>
+            <p:nvPr/>
+          </p:nvSpPr>
+          <p:spPr>
+            <a:xfrm>
+              <a:off x="5240348" y="4468558"/>
+              <a:ext cx="2477658" cy="483277"/>
+            </a:xfrm>
+            <a:prstGeom prst="rect">
+              <a:avLst/>
+            </a:prstGeom>
+            <a:solidFill>
+              <a:schemeClr val="bg1"/>
+            </a:solidFill>
+            <a:ln>
+              <a:solidFill>
+                <a:schemeClr val="tx1">
+                  <a:lumMod val="95000"/>
+                  <a:lumOff val="5000"/>
+                </a:schemeClr>
+              </a:solidFill>
+            </a:ln>
+          </p:spPr>
+          <p:style>
+            <a:lnRef idx="2">
+              <a:schemeClr val="accent1">
+                <a:shade val="50000"/>
+              </a:schemeClr>
+            </a:lnRef>
+            <a:fillRef idx="1">
+              <a:schemeClr val="accent1"/>
+            </a:fillRef>
+            <a:effectRef idx="0">
+              <a:schemeClr val="accent1"/>
+            </a:effectRef>
+            <a:fontRef idx="minor">
+              <a:schemeClr val="lt1"/>
+            </a:fontRef>
+          </p:style>
+          <p:txBody>
+            <a:bodyPr rtlCol="0" anchor="ctr"/>
+            <a:lstStyle/>
+            <a:p>
+              <a:pPr algn="ctr"/>
+              <a:r>
+                <a:rPr lang="pt-BR" sz="2400" b="1" dirty="0">
+                  <a:solidFill>
+                    <a:schemeClr val="tx1"/>
+                  </a:solidFill>
+                  <a:latin typeface="Arial" panose="020B0604020202020204" pitchFamily="34" charset="0"/>
+                  <a:cs typeface="Arial" panose="020B0604020202020204" pitchFamily="34" charset="0"/>
+                </a:rPr>
+                <a:t>box-</a:t>
+              </a:r>
+              <a:r>
+                <a:rPr lang="pt-BR" sz="2400" b="1" dirty="0" err="1">
+                  <a:solidFill>
+                    <a:schemeClr val="tx1"/>
+                  </a:solidFill>
+                  <a:latin typeface="Arial" panose="020B0604020202020204" pitchFamily="34" charset="0"/>
+                  <a:cs typeface="Arial" panose="020B0604020202020204" pitchFamily="34" charset="0"/>
+                </a:rPr>
+                <a:t>level</a:t>
+              </a:r>
+              <a:endParaRPr lang="pt-BR" sz="1400" b="1" dirty="0">
+                <a:solidFill>
+                  <a:schemeClr val="tx1"/>
+                </a:solidFill>
+                <a:latin typeface="Arial" panose="020B0604020202020204" pitchFamily="34" charset="0"/>
+                <a:cs typeface="Arial" panose="020B0604020202020204" pitchFamily="34" charset="0"/>
+              </a:endParaRPr>
+            </a:p>
+          </p:txBody>
+        </p:sp>
+      </p:grpSp>
+    </p:spTree>
+    <p:extLst>
+      <p:ext uri="{BB962C8B-B14F-4D97-AF65-F5344CB8AC3E}">
+        <p14:creationId xmlns:p14="http://schemas.microsoft.com/office/powerpoint/2010/main" val="1780770007"/>
+      </p:ext>
+    </p:extLst>
+  </p:cSld>
+  <p:clrMapOvr>
+    <a:masterClrMapping/>
+  </p:clrMapOvr>
+</p:sld>
+</file>
+
+<file path=ppt/slides/slide6.xml><?xml version="1.0" encoding="utf-8"?>
+<p:sld xmlns:a="http://schemas.openxmlformats.org/drawingml/2006/main" xmlns:r="http://schemas.openxmlformats.org/officeDocument/2006/relationships" xmlns:p="http://schemas.openxmlformats.org/presentationml/2006/main">
+  <p:cSld>
+    <p:spTree>
+      <p:nvGrpSpPr>
+        <p:cNvPr id="1" name=""/>
+        <p:cNvGrpSpPr/>
+        <p:nvPr/>
+      </p:nvGrpSpPr>
+      <p:grpSpPr>
+        <a:xfrm>
+          <a:off x="0" y="0"/>
+          <a:ext cx="0" cy="0"/>
+          <a:chOff x="0" y="0"/>
+          <a:chExt cx="0" cy="0"/>
+        </a:xfrm>
+      </p:grpSpPr>
+      <p:sp>
+        <p:nvSpPr>
+          <p:cNvPr id="2" name="Título 1">
+            <a:extLst>
+              <a:ext uri="{FF2B5EF4-FFF2-40B4-BE49-F238E27FC236}">
+                <a16:creationId xmlns:a16="http://schemas.microsoft.com/office/drawing/2014/main" id="{2326E382-8227-4415-BAF9-A7932EB72518}"/>
+              </a:ext>
+            </a:extLst>
+          </p:cNvPr>
+          <p:cNvSpPr>
+            <a:spLocks noGrp="1"/>
+          </p:cNvSpPr>
+          <p:nvPr>
+            <p:ph type="title"/>
+          </p:nvPr>
+        </p:nvSpPr>
+        <p:spPr/>
+        <p:txBody>
+          <a:bodyPr/>
+          <a:lstStyle/>
+          <a:p>
+            <a:r>
+              <a:rPr lang="pt-BR" dirty="0"/>
+              <a:t>Elementos </a:t>
+            </a:r>
+            <a:r>
+              <a:rPr lang="pt-BR" dirty="0" err="1"/>
+              <a:t>InLevel</a:t>
+            </a:r>
+            <a:endParaRPr lang="pt-BR" dirty="0"/>
+          </a:p>
+        </p:txBody>
+      </p:sp>
+      <p:sp>
+        <p:nvSpPr>
+          <p:cNvPr id="3" name="Espaço Reservado para Conteúdo 2">
+            <a:extLst>
+              <a:ext uri="{FF2B5EF4-FFF2-40B4-BE49-F238E27FC236}">
+                <a16:creationId xmlns:a16="http://schemas.microsoft.com/office/drawing/2014/main" id="{822E612A-8ABE-4D71-A36A-DEEC442044A2}"/>
+              </a:ext>
+            </a:extLst>
+          </p:cNvPr>
+          <p:cNvSpPr>
+            <a:spLocks noGrp="1"/>
+          </p:cNvSpPr>
+          <p:nvPr>
+            <p:ph idx="1"/>
+          </p:nvPr>
+        </p:nvSpPr>
+        <p:spPr>
+          <a:xfrm>
+            <a:off x="1304000" y="2511535"/>
+            <a:ext cx="5400000" cy="3600000"/>
+          </a:xfrm>
+        </p:spPr>
+        <p:txBody>
+          <a:bodyPr/>
+          <a:lstStyle/>
+          <a:p>
+            <a:r>
+              <a:rPr lang="pt-BR" sz="1600" b="1" dirty="0">
+                <a:latin typeface="Arial" panose="020B0604020202020204" pitchFamily="34" charset="0"/>
+                <a:cs typeface="Arial" panose="020B0604020202020204" pitchFamily="34" charset="0"/>
+              </a:rPr>
+              <a:t>Elementos de Nível de Linha (ou </a:t>
+            </a:r>
+            <a:r>
+              <a:rPr lang="pt-BR" sz="1600" b="1" dirty="0" err="1">
+                <a:latin typeface="Arial" panose="020B0604020202020204" pitchFamily="34" charset="0"/>
+                <a:cs typeface="Arial" panose="020B0604020202020204" pitchFamily="34" charset="0"/>
+              </a:rPr>
+              <a:t>Inline</a:t>
+            </a:r>
+            <a:r>
+              <a:rPr lang="pt-BR" sz="1600" b="1" dirty="0">
+                <a:latin typeface="Arial" panose="020B0604020202020204" pitchFamily="34" charset="0"/>
+                <a:cs typeface="Arial" panose="020B0604020202020204" pitchFamily="34" charset="0"/>
+              </a:rPr>
+              <a:t>): </a:t>
+            </a:r>
+            <a:r>
+              <a:rPr lang="pt-BR" sz="1600" dirty="0">
+                <a:latin typeface="Arial" panose="020B0604020202020204" pitchFamily="34" charset="0"/>
+                <a:cs typeface="Arial" panose="020B0604020202020204" pitchFamily="34" charset="0"/>
+              </a:rPr>
+              <a:t>São elementos HTML que não iniciam em uma nova linha e apenas ocupam o espaço necessário ao redor de seu conteúdo. Exemplos comuns incluem &lt;</a:t>
+            </a:r>
+            <a:r>
+              <a:rPr lang="pt-BR" sz="1600" dirty="0" err="1">
+                <a:latin typeface="Arial" panose="020B0604020202020204" pitchFamily="34" charset="0"/>
+                <a:cs typeface="Arial" panose="020B0604020202020204" pitchFamily="34" charset="0"/>
+              </a:rPr>
+              <a:t>span</a:t>
+            </a:r>
+            <a:r>
+              <a:rPr lang="pt-BR" sz="1600" dirty="0">
+                <a:latin typeface="Arial" panose="020B0604020202020204" pitchFamily="34" charset="0"/>
+                <a:cs typeface="Arial" panose="020B0604020202020204" pitchFamily="34" charset="0"/>
+              </a:rPr>
+              <a:t>&gt;, &lt;a&gt;, &lt;</a:t>
+            </a:r>
+            <a:r>
+              <a:rPr lang="pt-BR" sz="1600" dirty="0" err="1">
+                <a:latin typeface="Arial" panose="020B0604020202020204" pitchFamily="34" charset="0"/>
+                <a:cs typeface="Arial" panose="020B0604020202020204" pitchFamily="34" charset="0"/>
+              </a:rPr>
+              <a:t>strong</a:t>
+            </a:r>
+            <a:r>
+              <a:rPr lang="pt-BR" sz="1600" dirty="0">
+                <a:latin typeface="Arial" panose="020B0604020202020204" pitchFamily="34" charset="0"/>
+                <a:cs typeface="Arial" panose="020B0604020202020204" pitchFamily="34" charset="0"/>
+              </a:rPr>
+              <a:t>&gt;, &lt;em&gt;, &lt;</a:t>
+            </a:r>
+            <a:r>
+              <a:rPr lang="pt-BR" sz="1600" dirty="0" err="1">
+                <a:latin typeface="Arial" panose="020B0604020202020204" pitchFamily="34" charset="0"/>
+                <a:cs typeface="Arial" panose="020B0604020202020204" pitchFamily="34" charset="0"/>
+              </a:rPr>
+              <a:t>img</a:t>
+            </a:r>
+            <a:r>
+              <a:rPr lang="pt-BR" sz="1600" dirty="0">
+                <a:latin typeface="Arial" panose="020B0604020202020204" pitchFamily="34" charset="0"/>
+                <a:cs typeface="Arial" panose="020B0604020202020204" pitchFamily="34" charset="0"/>
+              </a:rPr>
+              <a:t>&gt;, &lt;input&gt;, etc. Eles são usados para marcar partes do texto ou elementos dentro de um bloco de texto.</a:t>
+            </a:r>
+          </a:p>
+          <a:p>
+            <a:endParaRPr lang="pt-BR" dirty="0"/>
+          </a:p>
+        </p:txBody>
+      </p:sp>
+      <p:grpSp>
+        <p:nvGrpSpPr>
+          <p:cNvPr id="44" name="Agrupar 43">
+            <a:extLst>
+              <a:ext uri="{FF2B5EF4-FFF2-40B4-BE49-F238E27FC236}">
+                <a16:creationId xmlns:a16="http://schemas.microsoft.com/office/drawing/2014/main" id="{58569691-F78A-4333-AC48-7C6C13B4E14C}"/>
+              </a:ext>
+            </a:extLst>
+          </p:cNvPr>
+          <p:cNvGrpSpPr/>
+          <p:nvPr/>
+        </p:nvGrpSpPr>
+        <p:grpSpPr>
+          <a:xfrm>
+            <a:off x="8008000" y="2511535"/>
+            <a:ext cx="2880000" cy="3600000"/>
+            <a:chOff x="7086929" y="1447799"/>
+            <a:chExt cx="4038600" cy="4648200"/>
+          </a:xfrm>
+        </p:grpSpPr>
+        <p:sp>
+          <p:nvSpPr>
+            <p:cNvPr id="45" name="Retângulo 44">
+              <a:extLst>
+                <a:ext uri="{FF2B5EF4-FFF2-40B4-BE49-F238E27FC236}">
+                  <a16:creationId xmlns:a16="http://schemas.microsoft.com/office/drawing/2014/main" id="{6659C940-2355-40EA-A405-2E4C0F0F4272}"/>
+                </a:ext>
+              </a:extLst>
+            </p:cNvPr>
+            <p:cNvSpPr/>
+            <p:nvPr/>
+          </p:nvSpPr>
+          <p:spPr>
+            <a:xfrm>
+              <a:off x="7086929" y="1447799"/>
+              <a:ext cx="4038600" cy="4648200"/>
+            </a:xfrm>
+            <a:prstGeom prst="rect">
+              <a:avLst/>
+            </a:prstGeom>
+            <a:solidFill>
+              <a:schemeClr val="bg1"/>
+            </a:solidFill>
+            <a:ln>
+              <a:solidFill>
+                <a:schemeClr val="tx1"/>
+              </a:solidFill>
+            </a:ln>
+          </p:spPr>
+          <p:style>
+            <a:lnRef idx="2">
+              <a:schemeClr val="accent1">
+                <a:shade val="50000"/>
+              </a:schemeClr>
+            </a:lnRef>
+            <a:fillRef idx="1">
+              <a:schemeClr val="accent1"/>
+            </a:fillRef>
+            <a:effectRef idx="0">
+              <a:schemeClr val="accent1"/>
+            </a:effectRef>
+            <a:fontRef idx="minor">
+              <a:schemeClr val="lt1"/>
+            </a:fontRef>
+          </p:style>
+          <p:txBody>
+            <a:bodyPr rtlCol="0" anchor="ctr"/>
+            <a:lstStyle/>
+            <a:p>
+              <a:pPr algn="ctr"/>
+              <a:endParaRPr lang="pt-BR" dirty="0"/>
+            </a:p>
+          </p:txBody>
+        </p:sp>
+        <p:cxnSp>
+          <p:nvCxnSpPr>
+            <p:cNvPr id="46" name="Conector reto 45">
+              <a:extLst>
+                <a:ext uri="{FF2B5EF4-FFF2-40B4-BE49-F238E27FC236}">
+                  <a16:creationId xmlns:a16="http://schemas.microsoft.com/office/drawing/2014/main" id="{EF7945B3-93DD-4D41-A547-42280742C17F}"/>
+                </a:ext>
+              </a:extLst>
+            </p:cNvPr>
+            <p:cNvCxnSpPr/>
+            <p:nvPr/>
+          </p:nvCxnSpPr>
+          <p:spPr>
+            <a:xfrm>
+              <a:off x="7266633" y="1828800"/>
+              <a:ext cx="533400" cy="0"/>
+            </a:xfrm>
+            <a:prstGeom prst="line">
+              <a:avLst/>
+            </a:prstGeom>
+            <a:ln w="57150">
+              <a:solidFill>
+                <a:schemeClr val="tx1"/>
+              </a:solidFill>
+            </a:ln>
+          </p:spPr>
+          <p:style>
+            <a:lnRef idx="1">
+              <a:schemeClr val="accent1"/>
+            </a:lnRef>
+            <a:fillRef idx="0">
+              <a:schemeClr val="accent1"/>
+            </a:fillRef>
+            <a:effectRef idx="0">
+              <a:schemeClr val="accent1"/>
+            </a:effectRef>
+            <a:fontRef idx="minor">
+              <a:schemeClr val="tx1"/>
+            </a:fontRef>
+          </p:style>
+        </p:cxnSp>
+        <p:cxnSp>
+          <p:nvCxnSpPr>
+            <p:cNvPr id="47" name="Conector reto 46">
+              <a:extLst>
+                <a:ext uri="{FF2B5EF4-FFF2-40B4-BE49-F238E27FC236}">
+                  <a16:creationId xmlns:a16="http://schemas.microsoft.com/office/drawing/2014/main" id="{22ED4FCB-546F-44C1-966C-793F46B6FBEE}"/>
+                </a:ext>
+              </a:extLst>
+            </p:cNvPr>
+            <p:cNvCxnSpPr/>
+            <p:nvPr/>
+          </p:nvCxnSpPr>
+          <p:spPr>
+            <a:xfrm>
+              <a:off x="8028633" y="1828800"/>
+              <a:ext cx="533400" cy="0"/>
+            </a:xfrm>
+            <a:prstGeom prst="line">
+              <a:avLst/>
+            </a:prstGeom>
+            <a:ln w="57150">
+              <a:solidFill>
+                <a:schemeClr val="tx1"/>
+              </a:solidFill>
+            </a:ln>
+          </p:spPr>
+          <p:style>
+            <a:lnRef idx="1">
+              <a:schemeClr val="accent1"/>
+            </a:lnRef>
+            <a:fillRef idx="0">
+              <a:schemeClr val="accent1"/>
+            </a:fillRef>
+            <a:effectRef idx="0">
+              <a:schemeClr val="accent1"/>
+            </a:effectRef>
+            <a:fontRef idx="minor">
+              <a:schemeClr val="tx1"/>
+            </a:fontRef>
+          </p:style>
+        </p:cxnSp>
+        <p:cxnSp>
+          <p:nvCxnSpPr>
+            <p:cNvPr id="48" name="Conector reto 47">
+              <a:extLst>
+                <a:ext uri="{FF2B5EF4-FFF2-40B4-BE49-F238E27FC236}">
+                  <a16:creationId xmlns:a16="http://schemas.microsoft.com/office/drawing/2014/main" id="{FA73AC3F-0D03-4022-84AE-7195B8FD71AD}"/>
+                </a:ext>
+              </a:extLst>
+            </p:cNvPr>
+            <p:cNvCxnSpPr/>
+            <p:nvPr/>
+          </p:nvCxnSpPr>
+          <p:spPr>
+            <a:xfrm>
+              <a:off x="8790633" y="1828800"/>
+              <a:ext cx="533400" cy="0"/>
+            </a:xfrm>
+            <a:prstGeom prst="line">
+              <a:avLst/>
+            </a:prstGeom>
+            <a:ln w="57150">
+              <a:solidFill>
+                <a:schemeClr val="tx1"/>
+              </a:solidFill>
+            </a:ln>
+          </p:spPr>
+          <p:style>
+            <a:lnRef idx="1">
+              <a:schemeClr val="accent1"/>
+            </a:lnRef>
+            <a:fillRef idx="0">
+              <a:schemeClr val="accent1"/>
+            </a:fillRef>
+            <a:effectRef idx="0">
+              <a:schemeClr val="accent1"/>
+            </a:effectRef>
+            <a:fontRef idx="minor">
+              <a:schemeClr val="tx1"/>
+            </a:fontRef>
+          </p:style>
+        </p:cxnSp>
+        <p:cxnSp>
+          <p:nvCxnSpPr>
+            <p:cNvPr id="49" name="Conector reto 48">
+              <a:extLst>
+                <a:ext uri="{FF2B5EF4-FFF2-40B4-BE49-F238E27FC236}">
+                  <a16:creationId xmlns:a16="http://schemas.microsoft.com/office/drawing/2014/main" id="{7F264706-1958-4960-A725-77D8E5BBCB66}"/>
+                </a:ext>
+              </a:extLst>
+            </p:cNvPr>
+            <p:cNvCxnSpPr/>
+            <p:nvPr/>
+          </p:nvCxnSpPr>
+          <p:spPr>
+            <a:xfrm>
+              <a:off x="9610082" y="1828800"/>
+              <a:ext cx="533400" cy="0"/>
+            </a:xfrm>
+            <a:prstGeom prst="line">
+              <a:avLst/>
+            </a:prstGeom>
+            <a:ln w="57150">
+              <a:solidFill>
+                <a:schemeClr val="tx1"/>
+              </a:solidFill>
+            </a:ln>
+          </p:spPr>
+          <p:style>
+            <a:lnRef idx="1">
+              <a:schemeClr val="accent1"/>
+            </a:lnRef>
+            <a:fillRef idx="0">
+              <a:schemeClr val="accent1"/>
+            </a:fillRef>
+            <a:effectRef idx="0">
+              <a:schemeClr val="accent1"/>
+            </a:effectRef>
+            <a:fontRef idx="minor">
+              <a:schemeClr val="tx1"/>
+            </a:fontRef>
+          </p:style>
+        </p:cxnSp>
+        <p:cxnSp>
+          <p:nvCxnSpPr>
+            <p:cNvPr id="50" name="Conector reto 49">
+              <a:extLst>
+                <a:ext uri="{FF2B5EF4-FFF2-40B4-BE49-F238E27FC236}">
+                  <a16:creationId xmlns:a16="http://schemas.microsoft.com/office/drawing/2014/main" id="{627929C2-2CE8-40B5-8032-4E38E48ACAC0}"/>
+                </a:ext>
+              </a:extLst>
+            </p:cNvPr>
+            <p:cNvCxnSpPr/>
+            <p:nvPr/>
+          </p:nvCxnSpPr>
+          <p:spPr>
+            <a:xfrm>
+              <a:off x="10467033" y="1828800"/>
+              <a:ext cx="533400" cy="0"/>
+            </a:xfrm>
+            <a:prstGeom prst="line">
+              <a:avLst/>
+            </a:prstGeom>
+            <a:ln w="57150">
+              <a:solidFill>
+                <a:schemeClr val="tx1"/>
+              </a:solidFill>
+            </a:ln>
+          </p:spPr>
+          <p:style>
+            <a:lnRef idx="1">
+              <a:schemeClr val="accent1"/>
+            </a:lnRef>
+            <a:fillRef idx="0">
+              <a:schemeClr val="accent1"/>
+            </a:fillRef>
+            <a:effectRef idx="0">
+              <a:schemeClr val="accent1"/>
+            </a:effectRef>
+            <a:fontRef idx="minor">
+              <a:schemeClr val="tx1"/>
+            </a:fontRef>
+          </p:style>
+        </p:cxnSp>
+        <p:cxnSp>
+          <p:nvCxnSpPr>
+            <p:cNvPr id="51" name="Conector reto 50">
+              <a:extLst>
+                <a:ext uri="{FF2B5EF4-FFF2-40B4-BE49-F238E27FC236}">
+                  <a16:creationId xmlns:a16="http://schemas.microsoft.com/office/drawing/2014/main" id="{DAB10294-E594-43D5-8A3D-31E0245DB1FF}"/>
+                </a:ext>
+              </a:extLst>
+            </p:cNvPr>
+            <p:cNvCxnSpPr/>
+            <p:nvPr/>
+          </p:nvCxnSpPr>
+          <p:spPr>
+            <a:xfrm>
+              <a:off x="7266633" y="2362200"/>
+              <a:ext cx="533400" cy="0"/>
+            </a:xfrm>
+            <a:prstGeom prst="line">
+              <a:avLst/>
+            </a:prstGeom>
+            <a:ln w="57150">
+              <a:solidFill>
+                <a:schemeClr val="tx1"/>
+              </a:solidFill>
+            </a:ln>
+          </p:spPr>
+          <p:style>
+            <a:lnRef idx="1">
+              <a:schemeClr val="accent1"/>
+            </a:lnRef>
+            <a:fillRef idx="0">
+              <a:schemeClr val="accent1"/>
+            </a:fillRef>
+            <a:effectRef idx="0">
+              <a:schemeClr val="accent1"/>
+            </a:effectRef>
+            <a:fontRef idx="minor">
+              <a:schemeClr val="tx1"/>
+            </a:fontRef>
+          </p:style>
+        </p:cxnSp>
+        <p:cxnSp>
+          <p:nvCxnSpPr>
+            <p:cNvPr id="52" name="Conector reto 51">
+              <a:extLst>
+                <a:ext uri="{FF2B5EF4-FFF2-40B4-BE49-F238E27FC236}">
+                  <a16:creationId xmlns:a16="http://schemas.microsoft.com/office/drawing/2014/main" id="{08D75149-A972-43E7-B102-3F425CB5EA17}"/>
+                </a:ext>
+              </a:extLst>
+            </p:cNvPr>
+            <p:cNvCxnSpPr/>
+            <p:nvPr/>
+          </p:nvCxnSpPr>
+          <p:spPr>
+            <a:xfrm>
+              <a:off x="8028633" y="2362200"/>
+              <a:ext cx="533400" cy="0"/>
+            </a:xfrm>
+            <a:prstGeom prst="line">
+              <a:avLst/>
+            </a:prstGeom>
+            <a:ln w="57150">
+              <a:solidFill>
+                <a:schemeClr val="tx1"/>
+              </a:solidFill>
+            </a:ln>
+          </p:spPr>
+          <p:style>
+            <a:lnRef idx="1">
+              <a:schemeClr val="accent1"/>
+            </a:lnRef>
+            <a:fillRef idx="0">
+              <a:schemeClr val="accent1"/>
+            </a:fillRef>
+            <a:effectRef idx="0">
+              <a:schemeClr val="accent1"/>
+            </a:effectRef>
+            <a:fontRef idx="minor">
+              <a:schemeClr val="tx1"/>
+            </a:fontRef>
+          </p:style>
+        </p:cxnSp>
+        <p:cxnSp>
+          <p:nvCxnSpPr>
+            <p:cNvPr id="53" name="Conector reto 52">
+              <a:extLst>
+                <a:ext uri="{FF2B5EF4-FFF2-40B4-BE49-F238E27FC236}">
+                  <a16:creationId xmlns:a16="http://schemas.microsoft.com/office/drawing/2014/main" id="{F0C938E0-55F9-491C-8E09-63E00CF4F37A}"/>
+                </a:ext>
+              </a:extLst>
+            </p:cNvPr>
+            <p:cNvCxnSpPr/>
+            <p:nvPr/>
+          </p:nvCxnSpPr>
+          <p:spPr>
+            <a:xfrm>
+              <a:off x="8790633" y="2362200"/>
+              <a:ext cx="533400" cy="0"/>
+            </a:xfrm>
+            <a:prstGeom prst="line">
+              <a:avLst/>
+            </a:prstGeom>
+            <a:ln w="57150">
+              <a:solidFill>
+                <a:schemeClr val="tx1"/>
+              </a:solidFill>
+            </a:ln>
+          </p:spPr>
+          <p:style>
+            <a:lnRef idx="1">
+              <a:schemeClr val="accent1"/>
+            </a:lnRef>
+            <a:fillRef idx="0">
+              <a:schemeClr val="accent1"/>
+            </a:fillRef>
+            <a:effectRef idx="0">
+              <a:schemeClr val="accent1"/>
+            </a:effectRef>
+            <a:fontRef idx="minor">
+              <a:schemeClr val="tx1"/>
+            </a:fontRef>
+          </p:style>
+        </p:cxnSp>
+        <p:cxnSp>
+          <p:nvCxnSpPr>
+            <p:cNvPr id="54" name="Conector reto 53">
+              <a:extLst>
+                <a:ext uri="{FF2B5EF4-FFF2-40B4-BE49-F238E27FC236}">
+                  <a16:creationId xmlns:a16="http://schemas.microsoft.com/office/drawing/2014/main" id="{B7546253-0F42-45E6-A9F6-5FEF89821B25}"/>
+                </a:ext>
+              </a:extLst>
+            </p:cNvPr>
+            <p:cNvCxnSpPr/>
+            <p:nvPr/>
+          </p:nvCxnSpPr>
+          <p:spPr>
+            <a:xfrm>
+              <a:off x="9610082" y="2362200"/>
+              <a:ext cx="533400" cy="0"/>
+            </a:xfrm>
+            <a:prstGeom prst="line">
+              <a:avLst/>
+            </a:prstGeom>
+            <a:ln w="57150">
+              <a:solidFill>
+                <a:schemeClr val="tx1"/>
+              </a:solidFill>
+            </a:ln>
+          </p:spPr>
+          <p:style>
+            <a:lnRef idx="1">
+              <a:schemeClr val="accent1"/>
+            </a:lnRef>
+            <a:fillRef idx="0">
+              <a:schemeClr val="accent1"/>
+            </a:fillRef>
+            <a:effectRef idx="0">
+              <a:schemeClr val="accent1"/>
+            </a:effectRef>
+            <a:fontRef idx="minor">
+              <a:schemeClr val="tx1"/>
+            </a:fontRef>
+          </p:style>
+        </p:cxnSp>
+        <p:cxnSp>
+          <p:nvCxnSpPr>
+            <p:cNvPr id="55" name="Conector reto 54">
+              <a:extLst>
+                <a:ext uri="{FF2B5EF4-FFF2-40B4-BE49-F238E27FC236}">
+                  <a16:creationId xmlns:a16="http://schemas.microsoft.com/office/drawing/2014/main" id="{53A3968B-C46D-4BE8-8D32-1B05BA9BE7B8}"/>
+                </a:ext>
+              </a:extLst>
+            </p:cNvPr>
+            <p:cNvCxnSpPr/>
+            <p:nvPr/>
+          </p:nvCxnSpPr>
+          <p:spPr>
+            <a:xfrm>
+              <a:off x="10467033" y="2362200"/>
+              <a:ext cx="533400" cy="0"/>
+            </a:xfrm>
+            <a:prstGeom prst="line">
+              <a:avLst/>
+            </a:prstGeom>
+            <a:ln w="57150">
+              <a:solidFill>
+                <a:schemeClr val="tx1"/>
+              </a:solidFill>
+            </a:ln>
+          </p:spPr>
+          <p:style>
+            <a:lnRef idx="1">
+              <a:schemeClr val="accent1"/>
+            </a:lnRef>
+            <a:fillRef idx="0">
+              <a:schemeClr val="accent1"/>
+            </a:fillRef>
+            <a:effectRef idx="0">
+              <a:schemeClr val="accent1"/>
+            </a:effectRef>
+            <a:fontRef idx="minor">
+              <a:schemeClr val="tx1"/>
+            </a:fontRef>
+          </p:style>
+        </p:cxnSp>
+        <p:cxnSp>
+          <p:nvCxnSpPr>
+            <p:cNvPr id="56" name="Conector reto 55">
+              <a:extLst>
+                <a:ext uri="{FF2B5EF4-FFF2-40B4-BE49-F238E27FC236}">
+                  <a16:creationId xmlns:a16="http://schemas.microsoft.com/office/drawing/2014/main" id="{AA355A13-91B7-4F66-A25E-5111E4AE1067}"/>
+                </a:ext>
+              </a:extLst>
+            </p:cNvPr>
+            <p:cNvCxnSpPr/>
+            <p:nvPr/>
+          </p:nvCxnSpPr>
+          <p:spPr>
+            <a:xfrm>
+              <a:off x="7266633" y="2895600"/>
+              <a:ext cx="533400" cy="0"/>
+            </a:xfrm>
+            <a:prstGeom prst="line">
+              <a:avLst/>
+            </a:prstGeom>
+            <a:ln w="57150">
+              <a:solidFill>
+                <a:schemeClr val="tx1"/>
+              </a:solidFill>
+            </a:ln>
+          </p:spPr>
+          <p:style>
+            <a:lnRef idx="1">
+              <a:schemeClr val="accent1"/>
+            </a:lnRef>
+            <a:fillRef idx="0">
+              <a:schemeClr val="accent1"/>
+            </a:fillRef>
+            <a:effectRef idx="0">
+              <a:schemeClr val="accent1"/>
+            </a:effectRef>
+            <a:fontRef idx="minor">
+              <a:schemeClr val="tx1"/>
+            </a:fontRef>
+          </p:style>
+        </p:cxnSp>
+        <p:cxnSp>
+          <p:nvCxnSpPr>
+            <p:cNvPr id="57" name="Conector reto 56">
+              <a:extLst>
+                <a:ext uri="{FF2B5EF4-FFF2-40B4-BE49-F238E27FC236}">
+                  <a16:creationId xmlns:a16="http://schemas.microsoft.com/office/drawing/2014/main" id="{876EE307-93BC-4441-BA2A-6002A3036B32}"/>
+                </a:ext>
+              </a:extLst>
+            </p:cNvPr>
+            <p:cNvCxnSpPr/>
+            <p:nvPr/>
+          </p:nvCxnSpPr>
+          <p:spPr>
+            <a:xfrm>
+              <a:off x="8028633" y="2895600"/>
+              <a:ext cx="533400" cy="0"/>
+            </a:xfrm>
+            <a:prstGeom prst="line">
+              <a:avLst/>
+            </a:prstGeom>
+            <a:ln w="57150">
+              <a:solidFill>
+                <a:schemeClr val="tx1"/>
+              </a:solidFill>
+            </a:ln>
+          </p:spPr>
+          <p:style>
+            <a:lnRef idx="1">
+              <a:schemeClr val="accent1"/>
+            </a:lnRef>
+            <a:fillRef idx="0">
+              <a:schemeClr val="accent1"/>
+            </a:fillRef>
+            <a:effectRef idx="0">
+              <a:schemeClr val="accent1"/>
+            </a:effectRef>
+            <a:fontRef idx="minor">
+              <a:schemeClr val="tx1"/>
+            </a:fontRef>
+          </p:style>
+        </p:cxnSp>
+        <p:cxnSp>
+          <p:nvCxnSpPr>
+            <p:cNvPr id="58" name="Conector reto 57">
+              <a:extLst>
+                <a:ext uri="{FF2B5EF4-FFF2-40B4-BE49-F238E27FC236}">
+                  <a16:creationId xmlns:a16="http://schemas.microsoft.com/office/drawing/2014/main" id="{9FB52F61-7900-415F-8AB8-924C05726A00}"/>
+                </a:ext>
+              </a:extLst>
+            </p:cNvPr>
+            <p:cNvCxnSpPr/>
+            <p:nvPr/>
+          </p:nvCxnSpPr>
+          <p:spPr>
+            <a:xfrm>
+              <a:off x="8790633" y="2895600"/>
+              <a:ext cx="533400" cy="0"/>
+            </a:xfrm>
+            <a:prstGeom prst="line">
+              <a:avLst/>
+            </a:prstGeom>
+            <a:ln w="57150">
+              <a:solidFill>
+                <a:schemeClr val="tx1"/>
+              </a:solidFill>
+            </a:ln>
+          </p:spPr>
+          <p:style>
+            <a:lnRef idx="1">
+              <a:schemeClr val="accent1"/>
+            </a:lnRef>
+            <a:fillRef idx="0">
+              <a:schemeClr val="accent1"/>
+            </a:fillRef>
+            <a:effectRef idx="0">
+              <a:schemeClr val="accent1"/>
+            </a:effectRef>
+            <a:fontRef idx="minor">
+              <a:schemeClr val="tx1"/>
+            </a:fontRef>
+          </p:style>
+        </p:cxnSp>
+        <p:cxnSp>
+          <p:nvCxnSpPr>
+            <p:cNvPr id="59" name="Conector reto 58">
+              <a:extLst>
+                <a:ext uri="{FF2B5EF4-FFF2-40B4-BE49-F238E27FC236}">
+                  <a16:creationId xmlns:a16="http://schemas.microsoft.com/office/drawing/2014/main" id="{38213209-3302-49AB-99D3-45E2BF474BE2}"/>
+                </a:ext>
+              </a:extLst>
+            </p:cNvPr>
+            <p:cNvCxnSpPr/>
+            <p:nvPr/>
+          </p:nvCxnSpPr>
+          <p:spPr>
+            <a:xfrm>
+              <a:off x="9610082" y="2895600"/>
+              <a:ext cx="533400" cy="0"/>
+            </a:xfrm>
+            <a:prstGeom prst="line">
+              <a:avLst/>
+            </a:prstGeom>
+            <a:ln w="57150">
+              <a:solidFill>
+                <a:schemeClr val="tx1"/>
+              </a:solidFill>
+            </a:ln>
+          </p:spPr>
+          <p:style>
+            <a:lnRef idx="1">
+              <a:schemeClr val="accent1"/>
+            </a:lnRef>
+            <a:fillRef idx="0">
+              <a:schemeClr val="accent1"/>
+            </a:fillRef>
+            <a:effectRef idx="0">
+              <a:schemeClr val="accent1"/>
+            </a:effectRef>
+            <a:fontRef idx="minor">
+              <a:schemeClr val="tx1"/>
+            </a:fontRef>
+          </p:style>
+        </p:cxnSp>
+        <p:cxnSp>
+          <p:nvCxnSpPr>
+            <p:cNvPr id="60" name="Conector reto 59">
+              <a:extLst>
+                <a:ext uri="{FF2B5EF4-FFF2-40B4-BE49-F238E27FC236}">
+                  <a16:creationId xmlns:a16="http://schemas.microsoft.com/office/drawing/2014/main" id="{593C0C15-BE1A-4F57-9EFB-2F2E5DF4C768}"/>
+                </a:ext>
+              </a:extLst>
+            </p:cNvPr>
+            <p:cNvCxnSpPr/>
+            <p:nvPr/>
+          </p:nvCxnSpPr>
+          <p:spPr>
+            <a:xfrm>
+              <a:off x="10467033" y="2895600"/>
+              <a:ext cx="533400" cy="0"/>
+            </a:xfrm>
+            <a:prstGeom prst="line">
+              <a:avLst/>
+            </a:prstGeom>
+            <a:ln w="57150">
+              <a:solidFill>
+                <a:schemeClr val="tx1"/>
+              </a:solidFill>
+            </a:ln>
+          </p:spPr>
+          <p:style>
+            <a:lnRef idx="1">
+              <a:schemeClr val="accent1"/>
+            </a:lnRef>
+            <a:fillRef idx="0">
+              <a:schemeClr val="accent1"/>
+            </a:fillRef>
+            <a:effectRef idx="0">
+              <a:schemeClr val="accent1"/>
+            </a:effectRef>
+            <a:fontRef idx="minor">
+              <a:schemeClr val="tx1"/>
+            </a:fontRef>
+          </p:style>
+        </p:cxnSp>
+        <p:cxnSp>
+          <p:nvCxnSpPr>
+            <p:cNvPr id="61" name="Conector reto 60">
+              <a:extLst>
+                <a:ext uri="{FF2B5EF4-FFF2-40B4-BE49-F238E27FC236}">
+                  <a16:creationId xmlns:a16="http://schemas.microsoft.com/office/drawing/2014/main" id="{5670A94B-D561-4598-B037-A90AE19A5EB8}"/>
+                </a:ext>
+              </a:extLst>
+            </p:cNvPr>
+            <p:cNvCxnSpPr/>
+            <p:nvPr/>
+          </p:nvCxnSpPr>
+          <p:spPr>
+            <a:xfrm>
+              <a:off x="7266633" y="4343400"/>
+              <a:ext cx="533400" cy="0"/>
+            </a:xfrm>
+            <a:prstGeom prst="line">
+              <a:avLst/>
+            </a:prstGeom>
+            <a:ln w="57150">
+              <a:solidFill>
+                <a:schemeClr val="tx1"/>
+              </a:solidFill>
+            </a:ln>
+          </p:spPr>
+          <p:style>
+            <a:lnRef idx="1">
+              <a:schemeClr val="accent1"/>
+            </a:lnRef>
+            <a:fillRef idx="0">
+              <a:schemeClr val="accent1"/>
+            </a:fillRef>
+            <a:effectRef idx="0">
+              <a:schemeClr val="accent1"/>
+            </a:effectRef>
+            <a:fontRef idx="minor">
+              <a:schemeClr val="tx1"/>
+            </a:fontRef>
+          </p:style>
+        </p:cxnSp>
+        <p:cxnSp>
+          <p:nvCxnSpPr>
+            <p:cNvPr id="62" name="Conector reto 61">
+              <a:extLst>
+                <a:ext uri="{FF2B5EF4-FFF2-40B4-BE49-F238E27FC236}">
+                  <a16:creationId xmlns:a16="http://schemas.microsoft.com/office/drawing/2014/main" id="{A46AF8F6-E6E0-417C-9D79-4C27D3A529C2}"/>
+                </a:ext>
+              </a:extLst>
+            </p:cNvPr>
+            <p:cNvCxnSpPr/>
+            <p:nvPr/>
+          </p:nvCxnSpPr>
+          <p:spPr>
+            <a:xfrm>
+              <a:off x="8028633" y="4343400"/>
+              <a:ext cx="533400" cy="0"/>
+            </a:xfrm>
+            <a:prstGeom prst="line">
+              <a:avLst/>
+            </a:prstGeom>
+            <a:ln w="57150">
+              <a:solidFill>
+                <a:schemeClr val="tx1"/>
+              </a:solidFill>
+            </a:ln>
+          </p:spPr>
+          <p:style>
+            <a:lnRef idx="1">
+              <a:schemeClr val="accent1"/>
+            </a:lnRef>
+            <a:fillRef idx="0">
+              <a:schemeClr val="accent1"/>
+            </a:fillRef>
+            <a:effectRef idx="0">
+              <a:schemeClr val="accent1"/>
+            </a:effectRef>
+            <a:fontRef idx="minor">
+              <a:schemeClr val="tx1"/>
+            </a:fontRef>
+          </p:style>
+        </p:cxnSp>
+        <p:cxnSp>
+          <p:nvCxnSpPr>
+            <p:cNvPr id="63" name="Conector reto 62">
+              <a:extLst>
+                <a:ext uri="{FF2B5EF4-FFF2-40B4-BE49-F238E27FC236}">
+                  <a16:creationId xmlns:a16="http://schemas.microsoft.com/office/drawing/2014/main" id="{CD77A82F-3B17-4F48-99BD-BC1B760E035B}"/>
+                </a:ext>
+              </a:extLst>
+            </p:cNvPr>
+            <p:cNvCxnSpPr/>
+            <p:nvPr/>
+          </p:nvCxnSpPr>
+          <p:spPr>
+            <a:xfrm>
+              <a:off x="8790633" y="4343400"/>
+              <a:ext cx="533400" cy="0"/>
+            </a:xfrm>
+            <a:prstGeom prst="line">
+              <a:avLst/>
+            </a:prstGeom>
+            <a:ln w="57150">
+              <a:solidFill>
+                <a:schemeClr val="tx1"/>
+              </a:solidFill>
+            </a:ln>
+          </p:spPr>
+          <p:style>
+            <a:lnRef idx="1">
+              <a:schemeClr val="accent1"/>
+            </a:lnRef>
+            <a:fillRef idx="0">
+              <a:schemeClr val="accent1"/>
+            </a:fillRef>
+            <a:effectRef idx="0">
+              <a:schemeClr val="accent1"/>
+            </a:effectRef>
+            <a:fontRef idx="minor">
+              <a:schemeClr val="tx1"/>
+            </a:fontRef>
+          </p:style>
+        </p:cxnSp>
+        <p:cxnSp>
+          <p:nvCxnSpPr>
+            <p:cNvPr id="64" name="Conector reto 63">
+              <a:extLst>
+                <a:ext uri="{FF2B5EF4-FFF2-40B4-BE49-F238E27FC236}">
+                  <a16:creationId xmlns:a16="http://schemas.microsoft.com/office/drawing/2014/main" id="{FD143993-D00E-41AA-9339-13C412C69C14}"/>
+                </a:ext>
+              </a:extLst>
+            </p:cNvPr>
+            <p:cNvCxnSpPr/>
+            <p:nvPr/>
+          </p:nvCxnSpPr>
+          <p:spPr>
+            <a:xfrm>
+              <a:off x="9610082" y="4343400"/>
+              <a:ext cx="533400" cy="0"/>
+            </a:xfrm>
+            <a:prstGeom prst="line">
+              <a:avLst/>
+            </a:prstGeom>
+            <a:ln w="57150">
+              <a:solidFill>
+                <a:schemeClr val="tx1"/>
+              </a:solidFill>
+            </a:ln>
+          </p:spPr>
+          <p:style>
+            <a:lnRef idx="1">
+              <a:schemeClr val="accent1"/>
+            </a:lnRef>
+            <a:fillRef idx="0">
+              <a:schemeClr val="accent1"/>
+            </a:fillRef>
+            <a:effectRef idx="0">
+              <a:schemeClr val="accent1"/>
+            </a:effectRef>
+            <a:fontRef idx="minor">
+              <a:schemeClr val="tx1"/>
+            </a:fontRef>
+          </p:style>
+        </p:cxnSp>
+        <p:cxnSp>
+          <p:nvCxnSpPr>
+            <p:cNvPr id="65" name="Conector reto 64">
+              <a:extLst>
+                <a:ext uri="{FF2B5EF4-FFF2-40B4-BE49-F238E27FC236}">
+                  <a16:creationId xmlns:a16="http://schemas.microsoft.com/office/drawing/2014/main" id="{80DA278B-A09B-410B-B9D2-3CE97E579E04}"/>
+                </a:ext>
+              </a:extLst>
+            </p:cNvPr>
+            <p:cNvCxnSpPr/>
+            <p:nvPr/>
+          </p:nvCxnSpPr>
+          <p:spPr>
+            <a:xfrm>
+              <a:off x="10467033" y="4343400"/>
+              <a:ext cx="533400" cy="0"/>
+            </a:xfrm>
+            <a:prstGeom prst="line">
+              <a:avLst/>
+            </a:prstGeom>
+            <a:ln w="57150">
+              <a:solidFill>
+                <a:schemeClr val="tx1"/>
+              </a:solidFill>
+            </a:ln>
+          </p:spPr>
+          <p:style>
+            <a:lnRef idx="1">
+              <a:schemeClr val="accent1"/>
+            </a:lnRef>
+            <a:fillRef idx="0">
+              <a:schemeClr val="accent1"/>
+            </a:fillRef>
+            <a:effectRef idx="0">
+              <a:schemeClr val="accent1"/>
+            </a:effectRef>
+            <a:fontRef idx="minor">
+              <a:schemeClr val="tx1"/>
+            </a:fontRef>
+          </p:style>
+        </p:cxnSp>
+        <p:cxnSp>
+          <p:nvCxnSpPr>
+            <p:cNvPr id="66" name="Conector reto 65">
+              <a:extLst>
+                <a:ext uri="{FF2B5EF4-FFF2-40B4-BE49-F238E27FC236}">
+                  <a16:creationId xmlns:a16="http://schemas.microsoft.com/office/drawing/2014/main" id="{5A07A2F9-16FE-4376-BD22-3613DD938248}"/>
+                </a:ext>
+              </a:extLst>
+            </p:cNvPr>
+            <p:cNvCxnSpPr/>
+            <p:nvPr/>
+          </p:nvCxnSpPr>
+          <p:spPr>
+            <a:xfrm>
+              <a:off x="7266633" y="4876800"/>
+              <a:ext cx="533400" cy="0"/>
+            </a:xfrm>
+            <a:prstGeom prst="line">
+              <a:avLst/>
+            </a:prstGeom>
+            <a:ln w="57150">
+              <a:solidFill>
+                <a:schemeClr val="tx1"/>
+              </a:solidFill>
+            </a:ln>
+          </p:spPr>
+          <p:style>
+            <a:lnRef idx="1">
+              <a:schemeClr val="accent1"/>
+            </a:lnRef>
+            <a:fillRef idx="0">
+              <a:schemeClr val="accent1"/>
+            </a:fillRef>
+            <a:effectRef idx="0">
+              <a:schemeClr val="accent1"/>
+            </a:effectRef>
+            <a:fontRef idx="minor">
+              <a:schemeClr val="tx1"/>
+            </a:fontRef>
+          </p:style>
+        </p:cxnSp>
+        <p:cxnSp>
+          <p:nvCxnSpPr>
+            <p:cNvPr id="67" name="Conector reto 66">
+              <a:extLst>
+                <a:ext uri="{FF2B5EF4-FFF2-40B4-BE49-F238E27FC236}">
+                  <a16:creationId xmlns:a16="http://schemas.microsoft.com/office/drawing/2014/main" id="{C772BBA2-AB24-4131-B833-23731D6C9544}"/>
+                </a:ext>
+              </a:extLst>
+            </p:cNvPr>
+            <p:cNvCxnSpPr/>
+            <p:nvPr/>
+          </p:nvCxnSpPr>
+          <p:spPr>
+            <a:xfrm>
+              <a:off x="8028633" y="4876800"/>
+              <a:ext cx="533400" cy="0"/>
+            </a:xfrm>
+            <a:prstGeom prst="line">
+              <a:avLst/>
+            </a:prstGeom>
+            <a:ln w="57150">
+              <a:solidFill>
+                <a:schemeClr val="tx1"/>
+              </a:solidFill>
+            </a:ln>
+          </p:spPr>
+          <p:style>
+            <a:lnRef idx="1">
+              <a:schemeClr val="accent1"/>
+            </a:lnRef>
+            <a:fillRef idx="0">
+              <a:schemeClr val="accent1"/>
+            </a:fillRef>
+            <a:effectRef idx="0">
+              <a:schemeClr val="accent1"/>
+            </a:effectRef>
+            <a:fontRef idx="minor">
+              <a:schemeClr val="tx1"/>
+            </a:fontRef>
+          </p:style>
+        </p:cxnSp>
+        <p:cxnSp>
+          <p:nvCxnSpPr>
+            <p:cNvPr id="68" name="Conector reto 67">
+              <a:extLst>
+                <a:ext uri="{FF2B5EF4-FFF2-40B4-BE49-F238E27FC236}">
+                  <a16:creationId xmlns:a16="http://schemas.microsoft.com/office/drawing/2014/main" id="{91480598-1E2A-4059-9B32-7DEA70AC26AF}"/>
+                </a:ext>
+              </a:extLst>
+            </p:cNvPr>
+            <p:cNvCxnSpPr/>
+            <p:nvPr/>
+          </p:nvCxnSpPr>
+          <p:spPr>
+            <a:xfrm>
+              <a:off x="8790633" y="4876800"/>
+              <a:ext cx="533400" cy="0"/>
+            </a:xfrm>
+            <a:prstGeom prst="line">
+              <a:avLst/>
+            </a:prstGeom>
+            <a:ln w="57150">
+              <a:solidFill>
+                <a:schemeClr val="tx1"/>
+              </a:solidFill>
+            </a:ln>
+          </p:spPr>
+          <p:style>
+            <a:lnRef idx="1">
+              <a:schemeClr val="accent1"/>
+            </a:lnRef>
+            <a:fillRef idx="0">
+              <a:schemeClr val="accent1"/>
+            </a:fillRef>
+            <a:effectRef idx="0">
+              <a:schemeClr val="accent1"/>
+            </a:effectRef>
+            <a:fontRef idx="minor">
+              <a:schemeClr val="tx1"/>
+            </a:fontRef>
+          </p:style>
+        </p:cxnSp>
+        <p:cxnSp>
+          <p:nvCxnSpPr>
+            <p:cNvPr id="69" name="Conector reto 68">
+              <a:extLst>
+                <a:ext uri="{FF2B5EF4-FFF2-40B4-BE49-F238E27FC236}">
+                  <a16:creationId xmlns:a16="http://schemas.microsoft.com/office/drawing/2014/main" id="{74B15FBF-9322-45A2-AAF5-F5B947A86119}"/>
+                </a:ext>
+              </a:extLst>
+            </p:cNvPr>
+            <p:cNvCxnSpPr/>
+            <p:nvPr/>
+          </p:nvCxnSpPr>
+          <p:spPr>
+            <a:xfrm>
+              <a:off x="9610082" y="4876800"/>
+              <a:ext cx="533400" cy="0"/>
+            </a:xfrm>
+            <a:prstGeom prst="line">
+              <a:avLst/>
+            </a:prstGeom>
+            <a:ln w="57150">
+              <a:solidFill>
+                <a:schemeClr val="tx1"/>
+              </a:solidFill>
+            </a:ln>
+          </p:spPr>
+          <p:style>
+            <a:lnRef idx="1">
+              <a:schemeClr val="accent1"/>
+            </a:lnRef>
+            <a:fillRef idx="0">
+              <a:schemeClr val="accent1"/>
+            </a:fillRef>
+            <a:effectRef idx="0">
+              <a:schemeClr val="accent1"/>
+            </a:effectRef>
+            <a:fontRef idx="minor">
+              <a:schemeClr val="tx1"/>
+            </a:fontRef>
+          </p:style>
+        </p:cxnSp>
+        <p:cxnSp>
+          <p:nvCxnSpPr>
+            <p:cNvPr id="70" name="Conector reto 69">
+              <a:extLst>
+                <a:ext uri="{FF2B5EF4-FFF2-40B4-BE49-F238E27FC236}">
+                  <a16:creationId xmlns:a16="http://schemas.microsoft.com/office/drawing/2014/main" id="{CB1AD608-3096-4C33-A466-9A1A6623D7A5}"/>
+                </a:ext>
+              </a:extLst>
+            </p:cNvPr>
+            <p:cNvCxnSpPr/>
+            <p:nvPr/>
+          </p:nvCxnSpPr>
+          <p:spPr>
+            <a:xfrm>
+              <a:off x="10467033" y="4876800"/>
+              <a:ext cx="533400" cy="0"/>
+            </a:xfrm>
+            <a:prstGeom prst="line">
+              <a:avLst/>
+            </a:prstGeom>
+            <a:ln w="57150">
+              <a:solidFill>
+                <a:schemeClr val="tx1"/>
+              </a:solidFill>
+            </a:ln>
+          </p:spPr>
+          <p:style>
+            <a:lnRef idx="1">
+              <a:schemeClr val="accent1"/>
+            </a:lnRef>
+            <a:fillRef idx="0">
+              <a:schemeClr val="accent1"/>
+            </a:fillRef>
+            <a:effectRef idx="0">
+              <a:schemeClr val="accent1"/>
+            </a:effectRef>
+            <a:fontRef idx="minor">
+              <a:schemeClr val="tx1"/>
+            </a:fontRef>
+          </p:style>
+        </p:cxnSp>
+        <p:cxnSp>
+          <p:nvCxnSpPr>
+            <p:cNvPr id="71" name="Conector reto 70">
+              <a:extLst>
+                <a:ext uri="{FF2B5EF4-FFF2-40B4-BE49-F238E27FC236}">
+                  <a16:creationId xmlns:a16="http://schemas.microsoft.com/office/drawing/2014/main" id="{287E0652-6CEF-4B71-B1ED-5625A3EB4E0C}"/>
+                </a:ext>
+              </a:extLst>
+            </p:cNvPr>
+            <p:cNvCxnSpPr/>
+            <p:nvPr/>
+          </p:nvCxnSpPr>
+          <p:spPr>
+            <a:xfrm>
+              <a:off x="7266633" y="5410200"/>
+              <a:ext cx="533400" cy="0"/>
+            </a:xfrm>
+            <a:prstGeom prst="line">
+              <a:avLst/>
+            </a:prstGeom>
+            <a:ln w="57150">
+              <a:solidFill>
+                <a:schemeClr val="tx1"/>
+              </a:solidFill>
+            </a:ln>
+          </p:spPr>
+          <p:style>
+            <a:lnRef idx="1">
+              <a:schemeClr val="accent1"/>
+            </a:lnRef>
+            <a:fillRef idx="0">
+              <a:schemeClr val="accent1"/>
+            </a:fillRef>
+            <a:effectRef idx="0">
+              <a:schemeClr val="accent1"/>
+            </a:effectRef>
+            <a:fontRef idx="minor">
+              <a:schemeClr val="tx1"/>
+            </a:fontRef>
+          </p:style>
+        </p:cxnSp>
+        <p:cxnSp>
+          <p:nvCxnSpPr>
+            <p:cNvPr id="72" name="Conector reto 71">
+              <a:extLst>
+                <a:ext uri="{FF2B5EF4-FFF2-40B4-BE49-F238E27FC236}">
+                  <a16:creationId xmlns:a16="http://schemas.microsoft.com/office/drawing/2014/main" id="{A6787D66-536E-4B66-AAC0-219A8A0DE44B}"/>
+                </a:ext>
+              </a:extLst>
+            </p:cNvPr>
+            <p:cNvCxnSpPr/>
+            <p:nvPr/>
+          </p:nvCxnSpPr>
+          <p:spPr>
+            <a:xfrm>
+              <a:off x="8028633" y="5410200"/>
+              <a:ext cx="533400" cy="0"/>
+            </a:xfrm>
+            <a:prstGeom prst="line">
+              <a:avLst/>
+            </a:prstGeom>
+            <a:ln w="57150">
+              <a:solidFill>
+                <a:schemeClr val="tx1"/>
+              </a:solidFill>
+            </a:ln>
+          </p:spPr>
+          <p:style>
+            <a:lnRef idx="1">
+              <a:schemeClr val="accent1"/>
+            </a:lnRef>
+            <a:fillRef idx="0">
+              <a:schemeClr val="accent1"/>
+            </a:fillRef>
+            <a:effectRef idx="0">
+              <a:schemeClr val="accent1"/>
+            </a:effectRef>
+            <a:fontRef idx="minor">
+              <a:schemeClr val="tx1"/>
+            </a:fontRef>
+          </p:style>
+        </p:cxnSp>
+        <p:cxnSp>
+          <p:nvCxnSpPr>
+            <p:cNvPr id="73" name="Conector reto 72">
+              <a:extLst>
+                <a:ext uri="{FF2B5EF4-FFF2-40B4-BE49-F238E27FC236}">
+                  <a16:creationId xmlns:a16="http://schemas.microsoft.com/office/drawing/2014/main" id="{0B4C5847-32C2-4DEC-BE17-2FB214187F76}"/>
+                </a:ext>
+              </a:extLst>
+            </p:cNvPr>
+            <p:cNvCxnSpPr/>
+            <p:nvPr/>
+          </p:nvCxnSpPr>
+          <p:spPr>
+            <a:xfrm>
+              <a:off x="8790633" y="5410200"/>
+              <a:ext cx="533400" cy="0"/>
+            </a:xfrm>
+            <a:prstGeom prst="line">
+              <a:avLst/>
+            </a:prstGeom>
+            <a:ln w="57150">
+              <a:solidFill>
+                <a:schemeClr val="tx1"/>
+              </a:solidFill>
+            </a:ln>
+          </p:spPr>
+          <p:style>
+            <a:lnRef idx="1">
+              <a:schemeClr val="accent1"/>
+            </a:lnRef>
+            <a:fillRef idx="0">
+              <a:schemeClr val="accent1"/>
+            </a:fillRef>
+            <a:effectRef idx="0">
+              <a:schemeClr val="accent1"/>
+            </a:effectRef>
+            <a:fontRef idx="minor">
+              <a:schemeClr val="tx1"/>
+            </a:fontRef>
+          </p:style>
+        </p:cxnSp>
+        <p:cxnSp>
+          <p:nvCxnSpPr>
+            <p:cNvPr id="74" name="Conector reto 73">
+              <a:extLst>
+                <a:ext uri="{FF2B5EF4-FFF2-40B4-BE49-F238E27FC236}">
+                  <a16:creationId xmlns:a16="http://schemas.microsoft.com/office/drawing/2014/main" id="{92A679E6-0116-40DB-B34C-EE228B21B3F3}"/>
+                </a:ext>
+              </a:extLst>
+            </p:cNvPr>
+            <p:cNvCxnSpPr/>
+            <p:nvPr/>
+          </p:nvCxnSpPr>
+          <p:spPr>
+            <a:xfrm>
+              <a:off x="9610082" y="5410200"/>
+              <a:ext cx="533400" cy="0"/>
+            </a:xfrm>
+            <a:prstGeom prst="line">
+              <a:avLst/>
+            </a:prstGeom>
+            <a:ln w="57150">
+              <a:solidFill>
+                <a:schemeClr val="tx1"/>
+              </a:solidFill>
+            </a:ln>
+          </p:spPr>
+          <p:style>
+            <a:lnRef idx="1">
+              <a:schemeClr val="accent1"/>
+            </a:lnRef>
+            <a:fillRef idx="0">
+              <a:schemeClr val="accent1"/>
+            </a:fillRef>
+            <a:effectRef idx="0">
+              <a:schemeClr val="accent1"/>
+            </a:effectRef>
+            <a:fontRef idx="minor">
+              <a:schemeClr val="tx1"/>
+            </a:fontRef>
+          </p:style>
+        </p:cxnSp>
+        <p:cxnSp>
+          <p:nvCxnSpPr>
+            <p:cNvPr id="75" name="Conector reto 74">
+              <a:extLst>
+                <a:ext uri="{FF2B5EF4-FFF2-40B4-BE49-F238E27FC236}">
+                  <a16:creationId xmlns:a16="http://schemas.microsoft.com/office/drawing/2014/main" id="{3E8CE348-2CB8-43F5-92C0-582CA2C5AB8E}"/>
+                </a:ext>
+              </a:extLst>
+            </p:cNvPr>
+            <p:cNvCxnSpPr/>
+            <p:nvPr/>
+          </p:nvCxnSpPr>
+          <p:spPr>
+            <a:xfrm>
+              <a:off x="10467033" y="5410200"/>
+              <a:ext cx="533400" cy="0"/>
+            </a:xfrm>
+            <a:prstGeom prst="line">
+              <a:avLst/>
+            </a:prstGeom>
+            <a:ln w="57150">
+              <a:solidFill>
+                <a:schemeClr val="tx1"/>
+              </a:solidFill>
+            </a:ln>
+          </p:spPr>
+          <p:style>
+            <a:lnRef idx="1">
+              <a:schemeClr val="accent1"/>
+            </a:lnRef>
+            <a:fillRef idx="0">
+              <a:schemeClr val="accent1"/>
+            </a:fillRef>
+            <a:effectRef idx="0">
+              <a:schemeClr val="accent1"/>
+            </a:effectRef>
+            <a:fontRef idx="minor">
+              <a:schemeClr val="tx1"/>
+            </a:fontRef>
+          </p:style>
+        </p:cxnSp>
+        <p:sp>
+          <p:nvSpPr>
+            <p:cNvPr id="76" name="Retângulo 75">
+              <a:extLst>
+                <a:ext uri="{FF2B5EF4-FFF2-40B4-BE49-F238E27FC236}">
+                  <a16:creationId xmlns:a16="http://schemas.microsoft.com/office/drawing/2014/main" id="{E1FC7C5E-1CB9-4ED7-B2C4-7E8259D32402}"/>
+                </a:ext>
+              </a:extLst>
+            </p:cNvPr>
+            <p:cNvSpPr/>
+            <p:nvPr/>
+          </p:nvSpPr>
+          <p:spPr>
+            <a:xfrm>
+              <a:off x="8028633" y="3239100"/>
+              <a:ext cx="2114849" cy="697160"/>
+            </a:xfrm>
+            <a:prstGeom prst="rect">
+              <a:avLst/>
+            </a:prstGeom>
+            <a:solidFill>
+              <a:schemeClr val="bg1"/>
+            </a:solidFill>
+            <a:ln>
+              <a:solidFill>
+                <a:schemeClr val="tx1">
+                  <a:lumMod val="95000"/>
+                  <a:lumOff val="5000"/>
+                </a:schemeClr>
+              </a:solidFill>
+            </a:ln>
+          </p:spPr>
+          <p:style>
+            <a:lnRef idx="2">
+              <a:schemeClr val="accent1">
+                <a:shade val="50000"/>
+              </a:schemeClr>
+            </a:lnRef>
+            <a:fillRef idx="1">
+              <a:schemeClr val="accent1"/>
+            </a:fillRef>
+            <a:effectRef idx="0">
+              <a:schemeClr val="accent1"/>
+            </a:effectRef>
+            <a:fontRef idx="minor">
+              <a:schemeClr val="lt1"/>
+            </a:fontRef>
+          </p:style>
+          <p:txBody>
+            <a:bodyPr rtlCol="0" anchor="ctr"/>
+            <a:lstStyle/>
+            <a:p>
+              <a:pPr algn="ctr"/>
+              <a:r>
+                <a:rPr lang="pt-BR" sz="1600" b="1" dirty="0" err="1">
+                  <a:solidFill>
+                    <a:schemeClr val="tx1"/>
+                  </a:solidFill>
+                  <a:latin typeface="Arial" panose="020B0604020202020204" pitchFamily="34" charset="0"/>
+                  <a:cs typeface="Arial" panose="020B0604020202020204" pitchFamily="34" charset="0"/>
+                </a:rPr>
+                <a:t>inline-level</a:t>
+              </a:r>
+              <a:endParaRPr lang="pt-BR" sz="1050" b="1" dirty="0">
+                <a:solidFill>
+                  <a:schemeClr val="tx1"/>
+                </a:solidFill>
+                <a:latin typeface="Arial" panose="020B0604020202020204" pitchFamily="34" charset="0"/>
+                <a:cs typeface="Arial" panose="020B0604020202020204" pitchFamily="34" charset="0"/>
+              </a:endParaRPr>
+            </a:p>
+          </p:txBody>
+        </p:sp>
+        <p:cxnSp>
+          <p:nvCxnSpPr>
+            <p:cNvPr id="77" name="Conector reto 76">
+              <a:extLst>
+                <a:ext uri="{FF2B5EF4-FFF2-40B4-BE49-F238E27FC236}">
+                  <a16:creationId xmlns:a16="http://schemas.microsoft.com/office/drawing/2014/main" id="{5358AC3E-3626-4981-AFFE-7E658E2C5FD3}"/>
+                </a:ext>
+              </a:extLst>
+            </p:cNvPr>
+            <p:cNvCxnSpPr/>
+            <p:nvPr/>
+          </p:nvCxnSpPr>
+          <p:spPr>
+            <a:xfrm>
+              <a:off x="7266633" y="3657600"/>
+              <a:ext cx="533400" cy="0"/>
+            </a:xfrm>
+            <a:prstGeom prst="line">
+              <a:avLst/>
+            </a:prstGeom>
+            <a:ln w="57150">
+              <a:solidFill>
+                <a:schemeClr val="tx1"/>
+              </a:solidFill>
+            </a:ln>
+          </p:spPr>
+          <p:style>
+            <a:lnRef idx="1">
+              <a:schemeClr val="accent1"/>
+            </a:lnRef>
+            <a:fillRef idx="0">
+              <a:schemeClr val="accent1"/>
+            </a:fillRef>
+            <a:effectRef idx="0">
+              <a:schemeClr val="accent1"/>
+            </a:effectRef>
+            <a:fontRef idx="minor">
+              <a:schemeClr val="tx1"/>
+            </a:fontRef>
+          </p:style>
+        </p:cxnSp>
+        <p:cxnSp>
+          <p:nvCxnSpPr>
+            <p:cNvPr id="78" name="Conector reto 77">
+              <a:extLst>
+                <a:ext uri="{FF2B5EF4-FFF2-40B4-BE49-F238E27FC236}">
+                  <a16:creationId xmlns:a16="http://schemas.microsoft.com/office/drawing/2014/main" id="{B42C3FD7-0E61-4020-8D97-0C9FBD669314}"/>
+                </a:ext>
+              </a:extLst>
+            </p:cNvPr>
+            <p:cNvCxnSpPr/>
+            <p:nvPr/>
+          </p:nvCxnSpPr>
+          <p:spPr>
+            <a:xfrm>
+              <a:off x="10467033" y="3657600"/>
+              <a:ext cx="533400" cy="0"/>
+            </a:xfrm>
+            <a:prstGeom prst="line">
+              <a:avLst/>
+            </a:prstGeom>
+            <a:ln w="57150">
+              <a:solidFill>
+                <a:schemeClr val="tx1"/>
+              </a:solidFill>
+            </a:ln>
+          </p:spPr>
+          <p:style>
+            <a:lnRef idx="1">
+              <a:schemeClr val="accent1"/>
+            </a:lnRef>
+            <a:fillRef idx="0">
+              <a:schemeClr val="accent1"/>
+            </a:fillRef>
+            <a:effectRef idx="0">
+              <a:schemeClr val="accent1"/>
+            </a:effectRef>
+            <a:fontRef idx="minor">
+              <a:schemeClr val="tx1"/>
+            </a:fontRef>
+          </p:style>
+        </p:cxnSp>
+      </p:grpSp>
+    </p:spTree>
+    <p:extLst>
+      <p:ext uri="{BB962C8B-B14F-4D97-AF65-F5344CB8AC3E}">
+        <p14:creationId xmlns:p14="http://schemas.microsoft.com/office/powerpoint/2010/main" val="3729237923"/>
+      </p:ext>
+    </p:extLst>
+  </p:cSld>
+  <p:clrMapOvr>
+    <a:masterClrMapping/>
+  </p:clrMapOvr>
+</p:sld>
+</file>
+
+<file path=ppt/slides/slide7.xml><?xml version="1.0" encoding="utf-8"?>
+<p:sld xmlns:a="http://schemas.openxmlformats.org/drawingml/2006/main" xmlns:r="http://schemas.openxmlformats.org/officeDocument/2006/relationships" xmlns:p="http://schemas.openxmlformats.org/presentationml/2006/main">
+  <p:cSld>
+    <p:spTree>
+      <p:nvGrpSpPr>
+        <p:cNvPr id="1" name=""/>
+        <p:cNvGrpSpPr/>
+        <p:nvPr/>
+      </p:nvGrpSpPr>
+      <p:grpSpPr>
+        <a:xfrm>
+          <a:off x="0" y="0"/>
+          <a:ext cx="0" cy="0"/>
+          <a:chOff x="0" y="0"/>
+          <a:chExt cx="0" cy="0"/>
+        </a:xfrm>
+      </p:grpSpPr>
+      <p:sp>
+        <p:nvSpPr>
+          <p:cNvPr id="2" name="Título 1">
+            <a:extLst>
+              <a:ext uri="{FF2B5EF4-FFF2-40B4-BE49-F238E27FC236}">
+                <a16:creationId xmlns:a16="http://schemas.microsoft.com/office/drawing/2014/main" id="{84C9ED78-1E15-47A8-8745-74253CB16E47}"/>
+              </a:ext>
+            </a:extLst>
+          </p:cNvPr>
+          <p:cNvSpPr>
+            <a:spLocks noGrp="1"/>
+          </p:cNvSpPr>
+          <p:nvPr>
+            <p:ph type="title"/>
+          </p:nvPr>
+        </p:nvSpPr>
+        <p:spPr/>
+        <p:txBody>
+          <a:bodyPr/>
+          <a:lstStyle/>
+          <a:p>
+            <a:r>
+              <a:rPr lang="pt-BR" dirty="0"/>
+              <a:t>Cabeçalho da Página</a:t>
+            </a:r>
+          </a:p>
+        </p:txBody>
+      </p:sp>
+      <p:sp>
+        <p:nvSpPr>
+          <p:cNvPr id="3" name="Espaço Reservado para Conteúdo 2">
+            <a:extLst>
+              <a:ext uri="{FF2B5EF4-FFF2-40B4-BE49-F238E27FC236}">
+                <a16:creationId xmlns:a16="http://schemas.microsoft.com/office/drawing/2014/main" id="{2C3532D7-8797-4E4C-A946-ED2F994D6BC9}"/>
+              </a:ext>
+            </a:extLst>
+          </p:cNvPr>
+          <p:cNvSpPr>
+            <a:spLocks noGrp="1"/>
+          </p:cNvSpPr>
+          <p:nvPr>
+            <p:ph idx="1"/>
+          </p:nvPr>
+        </p:nvSpPr>
+        <p:spPr>
+          <a:xfrm>
+            <a:off x="592347" y="1844675"/>
+            <a:ext cx="11007306" cy="1584326"/>
+          </a:xfrm>
+        </p:spPr>
+        <p:txBody>
+          <a:bodyPr/>
+          <a:lstStyle/>
+          <a:p>
+            <a:pPr>
+              <a:spcBef>
+                <a:spcPts val="0"/>
+              </a:spcBef>
+            </a:pPr>
+            <a:r>
+              <a:rPr lang="pt-BR" dirty="0"/>
+              <a:t>O &lt;header&gt; é usado para incluir informações importantes sobre a página ou uma seção, como o título principal, logotipos, menus de navegação ou um banner.</a:t>
+            </a:r>
+          </a:p>
+          <a:p>
+            <a:pPr>
+              <a:spcBef>
+                <a:spcPts val="0"/>
+              </a:spcBef>
+            </a:pPr>
+            <a:r>
+              <a:rPr lang="pt-BR" dirty="0"/>
+              <a:t>Sintaxe:</a:t>
+            </a:r>
+          </a:p>
+        </p:txBody>
+      </p:sp>
+      <p:sp>
+        <p:nvSpPr>
+          <p:cNvPr id="5" name="Retângulo 4">
+            <a:extLst>
+              <a:ext uri="{FF2B5EF4-FFF2-40B4-BE49-F238E27FC236}">
+                <a16:creationId xmlns:a16="http://schemas.microsoft.com/office/drawing/2014/main" id="{08DD0542-A061-4B5F-870F-64ACE1561E48}"/>
+              </a:ext>
+            </a:extLst>
+          </p:cNvPr>
+          <p:cNvSpPr/>
+          <p:nvPr/>
+        </p:nvSpPr>
+        <p:spPr>
+          <a:xfrm>
+            <a:off x="1554480" y="3822451"/>
+            <a:ext cx="9083040" cy="1709827"/>
+          </a:xfrm>
+          <a:prstGeom prst="rect">
+            <a:avLst/>
+          </a:prstGeom>
+        </p:spPr>
+        <p:txBody>
+          <a:bodyPr wrap="square">
+            <a:spAutoFit/>
+          </a:bodyPr>
+          <a:lstStyle/>
+          <a:p>
+            <a:pPr>
+              <a:lnSpc>
+                <a:spcPct val="150000"/>
+              </a:lnSpc>
+            </a:pPr>
+            <a:r>
+              <a:rPr lang="pt-BR" dirty="0">
+                <a:solidFill>
+                  <a:srgbClr val="800000"/>
+                </a:solidFill>
+                <a:latin typeface="Consolas" panose="020B0609020204030204" pitchFamily="49" charset="0"/>
+              </a:rPr>
+              <a:t>&lt;header&gt;</a:t>
+            </a:r>
+            <a:endParaRPr lang="pt-BR" dirty="0">
+              <a:solidFill>
+                <a:srgbClr val="000000"/>
+              </a:solidFill>
+              <a:latin typeface="Consolas" panose="020B0609020204030204" pitchFamily="49" charset="0"/>
+            </a:endParaRPr>
+          </a:p>
+          <a:p>
+            <a:pPr>
+              <a:lnSpc>
+                <a:spcPct val="150000"/>
+              </a:lnSpc>
+            </a:pPr>
+            <a:r>
+              <a:rPr lang="pt-BR" dirty="0">
+                <a:solidFill>
+                  <a:srgbClr val="000000"/>
+                </a:solidFill>
+                <a:latin typeface="Consolas" panose="020B0609020204030204" pitchFamily="49" charset="0"/>
+              </a:rPr>
+              <a:t>  </a:t>
+            </a:r>
+            <a:r>
+              <a:rPr lang="pt-BR" dirty="0">
+                <a:solidFill>
+                  <a:srgbClr val="800000"/>
+                </a:solidFill>
+                <a:latin typeface="Consolas" panose="020B0609020204030204" pitchFamily="49" charset="0"/>
+              </a:rPr>
+              <a:t>&lt;h1&gt;</a:t>
+            </a:r>
+            <a:r>
+              <a:rPr lang="pt-BR" dirty="0">
+                <a:solidFill>
+                  <a:srgbClr val="000000"/>
+                </a:solidFill>
+                <a:latin typeface="Consolas" panose="020B0609020204030204" pitchFamily="49" charset="0"/>
+              </a:rPr>
+              <a:t>Bem-vindo ao Meu Site!</a:t>
+            </a:r>
+            <a:r>
+              <a:rPr lang="pt-BR" dirty="0">
+                <a:solidFill>
+                  <a:srgbClr val="800000"/>
+                </a:solidFill>
+                <a:latin typeface="Consolas" panose="020B0609020204030204" pitchFamily="49" charset="0"/>
+              </a:rPr>
+              <a:t>&lt;/h1&gt;</a:t>
+            </a:r>
+            <a:endParaRPr lang="pt-BR" dirty="0">
+              <a:solidFill>
+                <a:srgbClr val="000000"/>
+              </a:solidFill>
+              <a:latin typeface="Consolas" panose="020B0609020204030204" pitchFamily="49" charset="0"/>
+            </a:endParaRPr>
+          </a:p>
+          <a:p>
+            <a:pPr>
+              <a:lnSpc>
+                <a:spcPct val="150000"/>
+              </a:lnSpc>
+            </a:pPr>
+            <a:r>
+              <a:rPr lang="pt-BR" dirty="0">
+                <a:solidFill>
+                  <a:srgbClr val="000000"/>
+                </a:solidFill>
+                <a:latin typeface="Consolas" panose="020B0609020204030204" pitchFamily="49" charset="0"/>
+              </a:rPr>
+              <a:t>  </a:t>
+            </a:r>
+            <a:r>
+              <a:rPr lang="pt-BR" dirty="0">
+                <a:solidFill>
+                  <a:srgbClr val="800000"/>
+                </a:solidFill>
+                <a:latin typeface="Consolas" panose="020B0609020204030204" pitchFamily="49" charset="0"/>
+              </a:rPr>
+              <a:t>&lt;p&gt;</a:t>
+            </a:r>
+            <a:r>
+              <a:rPr lang="pt-BR" dirty="0">
+                <a:solidFill>
+                  <a:srgbClr val="000000"/>
+                </a:solidFill>
+                <a:latin typeface="Consolas" panose="020B0609020204030204" pitchFamily="49" charset="0"/>
+              </a:rPr>
+              <a:t>Compartilhando conhecimento sobre HTML e desenvolvimento web.</a:t>
+            </a:r>
+            <a:r>
+              <a:rPr lang="pt-BR" dirty="0">
+                <a:solidFill>
+                  <a:srgbClr val="800000"/>
+                </a:solidFill>
+                <a:latin typeface="Consolas" panose="020B0609020204030204" pitchFamily="49" charset="0"/>
+              </a:rPr>
+              <a:t>&lt;/p&gt;</a:t>
+            </a:r>
+            <a:endParaRPr lang="pt-BR" dirty="0">
+              <a:solidFill>
+                <a:srgbClr val="000000"/>
+              </a:solidFill>
+              <a:latin typeface="Consolas" panose="020B0609020204030204" pitchFamily="49" charset="0"/>
+            </a:endParaRPr>
+          </a:p>
+          <a:p>
+            <a:pPr>
+              <a:lnSpc>
+                <a:spcPct val="150000"/>
+              </a:lnSpc>
+            </a:pPr>
+            <a:r>
+              <a:rPr lang="pt-BR" dirty="0">
+                <a:solidFill>
+                  <a:srgbClr val="800000"/>
+                </a:solidFill>
+                <a:latin typeface="Consolas" panose="020B0609020204030204" pitchFamily="49" charset="0"/>
+              </a:rPr>
+              <a:t>&lt;/header&gt;</a:t>
+            </a:r>
+            <a:endParaRPr lang="pt-BR" b="0" dirty="0">
+              <a:solidFill>
+                <a:srgbClr val="000000"/>
+              </a:solidFill>
+              <a:effectLst/>
+              <a:latin typeface="Consolas" panose="020B0609020204030204" pitchFamily="49" charset="0"/>
+            </a:endParaRPr>
+          </a:p>
+        </p:txBody>
+      </p:sp>
+    </p:spTree>
+    <p:extLst>
+      <p:ext uri="{BB962C8B-B14F-4D97-AF65-F5344CB8AC3E}">
+        <p14:creationId xmlns:p14="http://schemas.microsoft.com/office/powerpoint/2010/main" val="621524450"/>
+      </p:ext>
+    </p:extLst>
+  </p:cSld>
+  <p:clrMapOvr>
+    <a:masterClrMapping/>
+  </p:clrMapOvr>
+</p:sld>
+</file>
+
+<file path=ppt/slides/slide8.xml><?xml version="1.0" encoding="utf-8"?>
+<p:sld xmlns:a="http://schemas.openxmlformats.org/drawingml/2006/main" xmlns:r="http://schemas.openxmlformats.org/officeDocument/2006/relationships" xmlns:p="http://schemas.openxmlformats.org/presentationml/2006/main">
+  <p:cSld>
+    <p:spTree>
+      <p:nvGrpSpPr>
+        <p:cNvPr id="1" name=""/>
+        <p:cNvGrpSpPr/>
+        <p:nvPr/>
+      </p:nvGrpSpPr>
+      <p:grpSpPr>
+        <a:xfrm>
+          <a:off x="0" y="0"/>
+          <a:ext cx="0" cy="0"/>
+          <a:chOff x="0" y="0"/>
+          <a:chExt cx="0" cy="0"/>
+        </a:xfrm>
+      </p:grpSpPr>
+      <p:sp>
+        <p:nvSpPr>
+          <p:cNvPr id="2" name="Título 1">
+            <a:extLst>
+              <a:ext uri="{FF2B5EF4-FFF2-40B4-BE49-F238E27FC236}">
+                <a16:creationId xmlns:a16="http://schemas.microsoft.com/office/drawing/2014/main" id="{ED456C08-6E78-449B-95A7-8045671DE79F}"/>
+              </a:ext>
+            </a:extLst>
+          </p:cNvPr>
+          <p:cNvSpPr>
+            <a:spLocks noGrp="1"/>
+          </p:cNvSpPr>
+          <p:nvPr>
+            <p:ph type="title"/>
+          </p:nvPr>
+        </p:nvSpPr>
+        <p:spPr/>
+        <p:txBody>
+          <a:bodyPr/>
+          <a:lstStyle/>
+          <a:p>
+            <a:r>
+              <a:rPr lang="pt-BR" dirty="0"/>
+              <a:t>Navegação da Página</a:t>
+            </a:r>
+          </a:p>
+        </p:txBody>
+      </p:sp>
+      <p:sp>
+        <p:nvSpPr>
+          <p:cNvPr id="3" name="Espaço Reservado para Conteúdo 2">
+            <a:extLst>
+              <a:ext uri="{FF2B5EF4-FFF2-40B4-BE49-F238E27FC236}">
+                <a16:creationId xmlns:a16="http://schemas.microsoft.com/office/drawing/2014/main" id="{32609897-E643-47D5-AC84-BA8D20B53D3F}"/>
+              </a:ext>
+            </a:extLst>
+          </p:cNvPr>
+          <p:cNvSpPr>
+            <a:spLocks noGrp="1"/>
+          </p:cNvSpPr>
+          <p:nvPr>
+            <p:ph idx="1"/>
+          </p:nvPr>
+        </p:nvSpPr>
+        <p:spPr>
+          <a:xfrm>
+            <a:off x="592347" y="1844675"/>
+            <a:ext cx="11007306" cy="1455874"/>
+          </a:xfrm>
+        </p:spPr>
+        <p:txBody>
+          <a:bodyPr/>
+          <a:lstStyle/>
+          <a:p>
+            <a:pPr>
+              <a:spcBef>
+                <a:spcPts val="0"/>
+              </a:spcBef>
+            </a:pPr>
+            <a:r>
+              <a:rPr lang="pt-BR" dirty="0"/>
+              <a:t>O &lt;</a:t>
+            </a:r>
+            <a:r>
+              <a:rPr lang="pt-BR" dirty="0" err="1"/>
+              <a:t>nav</a:t>
+            </a:r>
+            <a:r>
+              <a:rPr lang="pt-BR" dirty="0"/>
+              <a:t>&gt; é usado para criar um menu de navegação que permite que os visitantes se movam entre as diferentes seções ou páginas do site.</a:t>
+            </a:r>
+          </a:p>
+          <a:p>
+            <a:pPr>
+              <a:spcBef>
+                <a:spcPts val="0"/>
+              </a:spcBef>
+            </a:pPr>
+            <a:r>
+              <a:rPr lang="pt-BR" dirty="0"/>
+              <a:t>Sintaxe:</a:t>
+            </a:r>
+          </a:p>
+          <a:p>
+            <a:pPr>
+              <a:spcBef>
+                <a:spcPts val="0"/>
+              </a:spcBef>
+            </a:pPr>
+            <a:endParaRPr lang="pt-BR" dirty="0"/>
+          </a:p>
+        </p:txBody>
+      </p:sp>
+      <p:sp>
+        <p:nvSpPr>
+          <p:cNvPr id="4" name="Retângulo 3">
+            <a:extLst>
+              <a:ext uri="{FF2B5EF4-FFF2-40B4-BE49-F238E27FC236}">
+                <a16:creationId xmlns:a16="http://schemas.microsoft.com/office/drawing/2014/main" id="{10F9DDEA-C270-4309-B54E-36C78AA31775}"/>
+              </a:ext>
+            </a:extLst>
+          </p:cNvPr>
+          <p:cNvSpPr/>
+          <p:nvPr/>
+        </p:nvSpPr>
+        <p:spPr>
+          <a:xfrm>
+            <a:off x="3048000" y="3557452"/>
+            <a:ext cx="6096000" cy="2125325"/>
+          </a:xfrm>
+          <a:prstGeom prst="rect">
+            <a:avLst/>
+          </a:prstGeom>
+        </p:spPr>
+        <p:txBody>
+          <a:bodyPr>
+            <a:spAutoFit/>
+          </a:bodyPr>
+          <a:lstStyle/>
+          <a:p>
+            <a:pPr>
+              <a:lnSpc>
+                <a:spcPct val="150000"/>
+              </a:lnSpc>
+            </a:pPr>
+            <a:r>
+              <a:rPr lang="pt-BR" dirty="0">
+                <a:solidFill>
+                  <a:srgbClr val="800000"/>
+                </a:solidFill>
+                <a:latin typeface="Consolas" panose="020B0609020204030204" pitchFamily="49" charset="0"/>
+              </a:rPr>
+              <a:t>&lt;</a:t>
+            </a:r>
+            <a:r>
+              <a:rPr lang="pt-BR" dirty="0" err="1">
+                <a:solidFill>
+                  <a:srgbClr val="800000"/>
+                </a:solidFill>
+                <a:latin typeface="Consolas" panose="020B0609020204030204" pitchFamily="49" charset="0"/>
+              </a:rPr>
+              <a:t>nav</a:t>
+            </a:r>
+            <a:r>
+              <a:rPr lang="pt-BR" dirty="0">
+                <a:solidFill>
+                  <a:srgbClr val="800000"/>
+                </a:solidFill>
+                <a:latin typeface="Consolas" panose="020B0609020204030204" pitchFamily="49" charset="0"/>
+              </a:rPr>
+              <a:t>&gt;</a:t>
+            </a:r>
+            <a:endParaRPr lang="pt-BR" dirty="0">
+              <a:solidFill>
+                <a:srgbClr val="000000"/>
+              </a:solidFill>
+              <a:latin typeface="Consolas" panose="020B0609020204030204" pitchFamily="49" charset="0"/>
+            </a:endParaRPr>
+          </a:p>
+          <a:p>
+            <a:pPr>
+              <a:lnSpc>
+                <a:spcPct val="150000"/>
+              </a:lnSpc>
+            </a:pPr>
+            <a:r>
+              <a:rPr lang="pt-BR" dirty="0">
+                <a:solidFill>
+                  <a:srgbClr val="000000"/>
+                </a:solidFill>
+                <a:latin typeface="Consolas" panose="020B0609020204030204" pitchFamily="49" charset="0"/>
+              </a:rPr>
+              <a:t>  </a:t>
+            </a:r>
+            <a:r>
+              <a:rPr lang="pt-BR" dirty="0">
+                <a:solidFill>
+                  <a:srgbClr val="800000"/>
+                </a:solidFill>
+                <a:latin typeface="Consolas" panose="020B0609020204030204" pitchFamily="49" charset="0"/>
+              </a:rPr>
+              <a:t>&lt;a</a:t>
+            </a:r>
+            <a:r>
+              <a:rPr lang="pt-BR" dirty="0">
+                <a:solidFill>
+                  <a:srgbClr val="000000"/>
+                </a:solidFill>
+                <a:latin typeface="Consolas" panose="020B0609020204030204" pitchFamily="49" charset="0"/>
+              </a:rPr>
+              <a:t> </a:t>
+            </a:r>
+            <a:r>
+              <a:rPr lang="pt-BR" dirty="0" err="1">
+                <a:solidFill>
+                  <a:srgbClr val="E50000"/>
+                </a:solidFill>
+                <a:latin typeface="Consolas" panose="020B0609020204030204" pitchFamily="49" charset="0"/>
+              </a:rPr>
+              <a:t>href</a:t>
+            </a:r>
+            <a:r>
+              <a:rPr lang="pt-BR" dirty="0">
+                <a:solidFill>
+                  <a:srgbClr val="000000"/>
+                </a:solidFill>
+                <a:latin typeface="Consolas" panose="020B0609020204030204" pitchFamily="49" charset="0"/>
+              </a:rPr>
+              <a:t>=</a:t>
+            </a:r>
+            <a:r>
+              <a:rPr lang="pt-BR" dirty="0">
+                <a:solidFill>
+                  <a:srgbClr val="0000FF"/>
+                </a:solidFill>
+                <a:latin typeface="Consolas" panose="020B0609020204030204" pitchFamily="49" charset="0"/>
+              </a:rPr>
+              <a:t>"index.html"</a:t>
+            </a:r>
+            <a:r>
+              <a:rPr lang="pt-BR" dirty="0">
+                <a:solidFill>
+                  <a:srgbClr val="800000"/>
+                </a:solidFill>
+                <a:latin typeface="Consolas" panose="020B0609020204030204" pitchFamily="49" charset="0"/>
+              </a:rPr>
+              <a:t>&gt;</a:t>
+            </a:r>
+            <a:r>
+              <a:rPr lang="pt-BR" dirty="0">
+                <a:solidFill>
+                  <a:srgbClr val="000000"/>
+                </a:solidFill>
+                <a:latin typeface="Consolas" panose="020B0609020204030204" pitchFamily="49" charset="0"/>
+              </a:rPr>
+              <a:t>Home</a:t>
+            </a:r>
+            <a:r>
+              <a:rPr lang="pt-BR" dirty="0">
+                <a:solidFill>
+                  <a:srgbClr val="800000"/>
+                </a:solidFill>
+                <a:latin typeface="Consolas" panose="020B0609020204030204" pitchFamily="49" charset="0"/>
+              </a:rPr>
+              <a:t>&lt;/a&gt;</a:t>
+            </a:r>
+            <a:endParaRPr lang="pt-BR" dirty="0">
+              <a:solidFill>
+                <a:srgbClr val="000000"/>
+              </a:solidFill>
+              <a:latin typeface="Consolas" panose="020B0609020204030204" pitchFamily="49" charset="0"/>
+            </a:endParaRPr>
+          </a:p>
+          <a:p>
+            <a:pPr>
+              <a:lnSpc>
+                <a:spcPct val="150000"/>
+              </a:lnSpc>
+            </a:pPr>
+            <a:r>
+              <a:rPr lang="pt-BR" dirty="0">
+                <a:solidFill>
+                  <a:srgbClr val="000000"/>
+                </a:solidFill>
+                <a:latin typeface="Consolas" panose="020B0609020204030204" pitchFamily="49" charset="0"/>
+              </a:rPr>
+              <a:t>  </a:t>
+            </a:r>
+            <a:r>
+              <a:rPr lang="pt-BR" dirty="0">
+                <a:solidFill>
+                  <a:srgbClr val="800000"/>
+                </a:solidFill>
+                <a:latin typeface="Consolas" panose="020B0609020204030204" pitchFamily="49" charset="0"/>
+              </a:rPr>
+              <a:t>&lt;a</a:t>
+            </a:r>
+            <a:r>
+              <a:rPr lang="pt-BR" dirty="0">
+                <a:solidFill>
+                  <a:srgbClr val="000000"/>
+                </a:solidFill>
+                <a:latin typeface="Consolas" panose="020B0609020204030204" pitchFamily="49" charset="0"/>
+              </a:rPr>
+              <a:t> </a:t>
+            </a:r>
+            <a:r>
+              <a:rPr lang="pt-BR" dirty="0" err="1">
+                <a:solidFill>
+                  <a:srgbClr val="E50000"/>
+                </a:solidFill>
+                <a:latin typeface="Consolas" panose="020B0609020204030204" pitchFamily="49" charset="0"/>
+              </a:rPr>
+              <a:t>href</a:t>
+            </a:r>
+            <a:r>
+              <a:rPr lang="pt-BR" dirty="0">
+                <a:solidFill>
+                  <a:srgbClr val="000000"/>
+                </a:solidFill>
+                <a:latin typeface="Consolas" panose="020B0609020204030204" pitchFamily="49" charset="0"/>
+              </a:rPr>
+              <a:t>=</a:t>
+            </a:r>
+            <a:r>
+              <a:rPr lang="pt-BR" dirty="0">
+                <a:solidFill>
+                  <a:srgbClr val="0000FF"/>
+                </a:solidFill>
+                <a:latin typeface="Consolas" panose="020B0609020204030204" pitchFamily="49" charset="0"/>
+              </a:rPr>
+              <a:t>"sobre.html"</a:t>
+            </a:r>
+            <a:r>
+              <a:rPr lang="pt-BR" dirty="0">
+                <a:solidFill>
+                  <a:srgbClr val="800000"/>
+                </a:solidFill>
+                <a:latin typeface="Consolas" panose="020B0609020204030204" pitchFamily="49" charset="0"/>
+              </a:rPr>
+              <a:t>&gt;</a:t>
+            </a:r>
+            <a:r>
+              <a:rPr lang="pt-BR" dirty="0">
+                <a:solidFill>
+                  <a:srgbClr val="000000"/>
+                </a:solidFill>
+                <a:latin typeface="Consolas" panose="020B0609020204030204" pitchFamily="49" charset="0"/>
+              </a:rPr>
+              <a:t>Sobre</a:t>
+            </a:r>
+            <a:r>
+              <a:rPr lang="pt-BR" dirty="0">
+                <a:solidFill>
+                  <a:srgbClr val="800000"/>
+                </a:solidFill>
+                <a:latin typeface="Consolas" panose="020B0609020204030204" pitchFamily="49" charset="0"/>
+              </a:rPr>
+              <a:t>&lt;/a&gt;</a:t>
+            </a:r>
+            <a:endParaRPr lang="pt-BR" dirty="0">
+              <a:solidFill>
+                <a:srgbClr val="000000"/>
+              </a:solidFill>
+              <a:latin typeface="Consolas" panose="020B0609020204030204" pitchFamily="49" charset="0"/>
+            </a:endParaRPr>
+          </a:p>
+          <a:p>
+            <a:pPr>
+              <a:lnSpc>
+                <a:spcPct val="150000"/>
+              </a:lnSpc>
+            </a:pPr>
+            <a:r>
+              <a:rPr lang="pt-BR" dirty="0">
+                <a:solidFill>
+                  <a:srgbClr val="000000"/>
+                </a:solidFill>
+                <a:latin typeface="Consolas" panose="020B0609020204030204" pitchFamily="49" charset="0"/>
+              </a:rPr>
+              <a:t>  </a:t>
+            </a:r>
+            <a:r>
+              <a:rPr lang="pt-BR" dirty="0">
+                <a:solidFill>
+                  <a:srgbClr val="800000"/>
+                </a:solidFill>
+                <a:latin typeface="Consolas" panose="020B0609020204030204" pitchFamily="49" charset="0"/>
+              </a:rPr>
+              <a:t>&lt;a</a:t>
+            </a:r>
+            <a:r>
+              <a:rPr lang="pt-BR" dirty="0">
+                <a:solidFill>
+                  <a:srgbClr val="000000"/>
+                </a:solidFill>
+                <a:latin typeface="Consolas" panose="020B0609020204030204" pitchFamily="49" charset="0"/>
+              </a:rPr>
+              <a:t> </a:t>
+            </a:r>
+            <a:r>
+              <a:rPr lang="pt-BR" dirty="0" err="1">
+                <a:solidFill>
+                  <a:srgbClr val="E50000"/>
+                </a:solidFill>
+                <a:latin typeface="Consolas" panose="020B0609020204030204" pitchFamily="49" charset="0"/>
+              </a:rPr>
+              <a:t>href</a:t>
+            </a:r>
+            <a:r>
+              <a:rPr lang="pt-BR" dirty="0">
+                <a:solidFill>
+                  <a:srgbClr val="000000"/>
+                </a:solidFill>
+                <a:latin typeface="Consolas" panose="020B0609020204030204" pitchFamily="49" charset="0"/>
+              </a:rPr>
+              <a:t>=</a:t>
+            </a:r>
+            <a:r>
+              <a:rPr lang="pt-BR" dirty="0">
+                <a:solidFill>
+                  <a:srgbClr val="0000FF"/>
+                </a:solidFill>
+                <a:latin typeface="Consolas" panose="020B0609020204030204" pitchFamily="49" charset="0"/>
+              </a:rPr>
+              <a:t>"contato.html"</a:t>
+            </a:r>
+            <a:r>
+              <a:rPr lang="pt-BR" dirty="0">
+                <a:solidFill>
+                  <a:srgbClr val="800000"/>
+                </a:solidFill>
+                <a:latin typeface="Consolas" panose="020B0609020204030204" pitchFamily="49" charset="0"/>
+              </a:rPr>
+              <a:t>&gt;</a:t>
+            </a:r>
+            <a:r>
+              <a:rPr lang="pt-BR" dirty="0">
+                <a:solidFill>
+                  <a:srgbClr val="000000"/>
+                </a:solidFill>
+                <a:latin typeface="Consolas" panose="020B0609020204030204" pitchFamily="49" charset="0"/>
+              </a:rPr>
+              <a:t>Contato</a:t>
+            </a:r>
+            <a:r>
+              <a:rPr lang="pt-BR" dirty="0">
+                <a:solidFill>
+                  <a:srgbClr val="800000"/>
+                </a:solidFill>
+                <a:latin typeface="Consolas" panose="020B0609020204030204" pitchFamily="49" charset="0"/>
+              </a:rPr>
+              <a:t>&lt;/a&gt;</a:t>
+            </a:r>
+            <a:endParaRPr lang="pt-BR" dirty="0">
+              <a:solidFill>
+                <a:srgbClr val="000000"/>
+              </a:solidFill>
+              <a:latin typeface="Consolas" panose="020B0609020204030204" pitchFamily="49" charset="0"/>
+            </a:endParaRPr>
+          </a:p>
+          <a:p>
+            <a:pPr>
+              <a:lnSpc>
+                <a:spcPct val="150000"/>
+              </a:lnSpc>
+            </a:pPr>
+            <a:r>
+              <a:rPr lang="pt-BR" dirty="0">
+                <a:solidFill>
+                  <a:srgbClr val="800000"/>
+                </a:solidFill>
+                <a:latin typeface="Consolas" panose="020B0609020204030204" pitchFamily="49" charset="0"/>
+              </a:rPr>
+              <a:t>&lt;/</a:t>
+            </a:r>
+            <a:r>
+              <a:rPr lang="pt-BR" dirty="0" err="1">
+                <a:solidFill>
+                  <a:srgbClr val="800000"/>
+                </a:solidFill>
+                <a:latin typeface="Consolas" panose="020B0609020204030204" pitchFamily="49" charset="0"/>
+              </a:rPr>
+              <a:t>nav</a:t>
+            </a:r>
+            <a:r>
+              <a:rPr lang="pt-BR" dirty="0">
+                <a:solidFill>
+                  <a:srgbClr val="800000"/>
+                </a:solidFill>
+                <a:latin typeface="Consolas" panose="020B0609020204030204" pitchFamily="49" charset="0"/>
+              </a:rPr>
+              <a:t>&gt;</a:t>
+            </a:r>
+            <a:endParaRPr lang="pt-BR" b="0" dirty="0">
+              <a:solidFill>
+                <a:srgbClr val="000000"/>
+              </a:solidFill>
+              <a:effectLst/>
+              <a:latin typeface="Consolas" panose="020B0609020204030204" pitchFamily="49" charset="0"/>
+            </a:endParaRPr>
+          </a:p>
+        </p:txBody>
+      </p:sp>
+    </p:spTree>
+    <p:extLst>
+      <p:ext uri="{BB962C8B-B14F-4D97-AF65-F5344CB8AC3E}">
+        <p14:creationId xmlns:p14="http://schemas.microsoft.com/office/powerpoint/2010/main" val="3485085700"/>
+      </p:ext>
+    </p:extLst>
+  </p:cSld>
+  <p:clrMapOvr>
+    <a:masterClrMapping/>
+  </p:clrMapOvr>
+</p:sld>
+</file>
+
+<file path=ppt/slides/slide9.xml><?xml version="1.0" encoding="utf-8"?>
+<p:sld xmlns:a="http://schemas.openxmlformats.org/drawingml/2006/main" xmlns:r="http://schemas.openxmlformats.org/officeDocument/2006/relationships" xmlns:p="http://schemas.openxmlformats.org/presentationml/2006/main">
+  <p:cSld>
+    <p:spTree>
+      <p:nvGrpSpPr>
+        <p:cNvPr id="1" name=""/>
+        <p:cNvGrpSpPr/>
+        <p:nvPr/>
+      </p:nvGrpSpPr>
+      <p:grpSpPr>
+        <a:xfrm>
+          <a:off x="0" y="0"/>
+          <a:ext cx="0" cy="0"/>
+          <a:chOff x="0" y="0"/>
+          <a:chExt cx="0" cy="0"/>
+        </a:xfrm>
+      </p:grpSpPr>
+      <p:sp>
+        <p:nvSpPr>
+          <p:cNvPr id="2" name="Título 1">
+            <a:extLst>
+              <a:ext uri="{FF2B5EF4-FFF2-40B4-BE49-F238E27FC236}">
+                <a16:creationId xmlns:a16="http://schemas.microsoft.com/office/drawing/2014/main" id="{2CE5AC73-F910-4B60-B24C-4324BEC0A133}"/>
+              </a:ext>
+            </a:extLst>
+          </p:cNvPr>
+          <p:cNvSpPr>
+            <a:spLocks noGrp="1"/>
+          </p:cNvSpPr>
+          <p:nvPr>
+            <p:ph type="title"/>
+          </p:nvPr>
+        </p:nvSpPr>
+        <p:spPr/>
+        <p:txBody>
+          <a:bodyPr/>
+          <a:lstStyle/>
+          <a:p>
+            <a:r>
+              <a:rPr lang="pt-BR" dirty="0"/>
+              <a:t>Conteúdo Principal</a:t>
+            </a:r>
+          </a:p>
+        </p:txBody>
+      </p:sp>
+      <p:sp>
+        <p:nvSpPr>
+          <p:cNvPr id="3" name="Espaço Reservado para Conteúdo 2">
+            <a:extLst>
+              <a:ext uri="{FF2B5EF4-FFF2-40B4-BE49-F238E27FC236}">
+                <a16:creationId xmlns:a16="http://schemas.microsoft.com/office/drawing/2014/main" id="{E8C866D0-91BE-496E-A375-897234484DBA}"/>
+              </a:ext>
+            </a:extLst>
+          </p:cNvPr>
+          <p:cNvSpPr>
+            <a:spLocks noGrp="1"/>
+          </p:cNvSpPr>
+          <p:nvPr>
+            <p:ph idx="1"/>
+          </p:nvPr>
+        </p:nvSpPr>
+        <p:spPr>
+          <a:xfrm>
+            <a:off x="592347" y="1844675"/>
+            <a:ext cx="11007306" cy="1481999"/>
+          </a:xfrm>
+        </p:spPr>
+        <p:txBody>
+          <a:bodyPr/>
+          <a:lstStyle/>
+          <a:p>
+            <a:pPr>
+              <a:spcBef>
+                <a:spcPts val="0"/>
+              </a:spcBef>
+            </a:pPr>
+            <a:r>
+              <a:rPr lang="pt-BR" dirty="0"/>
+              <a:t>O &lt;</a:t>
+            </a:r>
+            <a:r>
+              <a:rPr lang="pt-BR" dirty="0" err="1"/>
+              <a:t>main</a:t>
+            </a:r>
+            <a:r>
+              <a:rPr lang="pt-BR" dirty="0"/>
+              <a:t>&gt; é onde colocamos o conteúdo mais importante da página. Ele é exclusivo e deve conter o que realmente define o propósito da página.</a:t>
+            </a:r>
+          </a:p>
+          <a:p>
+            <a:pPr>
+              <a:spcBef>
+                <a:spcPts val="0"/>
+              </a:spcBef>
+            </a:pPr>
+            <a:r>
+              <a:rPr lang="pt-BR" dirty="0"/>
+              <a:t>Sintaxe:</a:t>
+            </a:r>
+          </a:p>
+          <a:p>
+            <a:pPr>
+              <a:spcBef>
+                <a:spcPts val="0"/>
+              </a:spcBef>
+            </a:pPr>
+            <a:endParaRPr lang="pt-BR" dirty="0"/>
+          </a:p>
+        </p:txBody>
+      </p:sp>
+      <p:sp>
+        <p:nvSpPr>
+          <p:cNvPr id="5" name="Retângulo 4">
+            <a:extLst>
+              <a:ext uri="{FF2B5EF4-FFF2-40B4-BE49-F238E27FC236}">
+                <a16:creationId xmlns:a16="http://schemas.microsoft.com/office/drawing/2014/main" id="{92096654-192B-419E-B35A-680008F828A4}"/>
+              </a:ext>
+            </a:extLst>
+          </p:cNvPr>
+          <p:cNvSpPr/>
+          <p:nvPr/>
+        </p:nvSpPr>
+        <p:spPr>
+          <a:xfrm>
+            <a:off x="1484811" y="3705499"/>
+            <a:ext cx="9222378" cy="1709827"/>
+          </a:xfrm>
+          <a:prstGeom prst="rect">
+            <a:avLst/>
+          </a:prstGeom>
+        </p:spPr>
+        <p:txBody>
+          <a:bodyPr wrap="square">
+            <a:spAutoFit/>
+          </a:bodyPr>
+          <a:lstStyle/>
+          <a:p>
+            <a:pPr>
+              <a:lnSpc>
+                <a:spcPct val="150000"/>
+              </a:lnSpc>
+            </a:pPr>
+            <a:r>
+              <a:rPr lang="pt-BR" dirty="0">
+                <a:solidFill>
+                  <a:srgbClr val="800000"/>
+                </a:solidFill>
+                <a:latin typeface="Consolas" panose="020B0609020204030204" pitchFamily="49" charset="0"/>
+              </a:rPr>
+              <a:t>&lt;</a:t>
+            </a:r>
+            <a:r>
+              <a:rPr lang="pt-BR" dirty="0" err="1">
+                <a:solidFill>
+                  <a:srgbClr val="800000"/>
+                </a:solidFill>
+                <a:latin typeface="Consolas" panose="020B0609020204030204" pitchFamily="49" charset="0"/>
+              </a:rPr>
+              <a:t>main</a:t>
+            </a:r>
+            <a:r>
+              <a:rPr lang="pt-BR" dirty="0">
+                <a:solidFill>
+                  <a:srgbClr val="800000"/>
+                </a:solidFill>
+                <a:latin typeface="Consolas" panose="020B0609020204030204" pitchFamily="49" charset="0"/>
+              </a:rPr>
+              <a:t>&gt;</a:t>
+            </a:r>
+            <a:endParaRPr lang="pt-BR" dirty="0">
+              <a:solidFill>
+                <a:srgbClr val="000000"/>
+              </a:solidFill>
+              <a:latin typeface="Consolas" panose="020B0609020204030204" pitchFamily="49" charset="0"/>
+            </a:endParaRPr>
+          </a:p>
+          <a:p>
+            <a:pPr>
+              <a:lnSpc>
+                <a:spcPct val="150000"/>
+              </a:lnSpc>
+            </a:pPr>
+            <a:r>
+              <a:rPr lang="pt-BR" dirty="0">
+                <a:solidFill>
+                  <a:srgbClr val="000000"/>
+                </a:solidFill>
+                <a:latin typeface="Consolas" panose="020B0609020204030204" pitchFamily="49" charset="0"/>
+              </a:rPr>
+              <a:t>    </a:t>
+            </a:r>
+            <a:r>
+              <a:rPr lang="pt-BR" dirty="0">
+                <a:solidFill>
+                  <a:srgbClr val="800000"/>
+                </a:solidFill>
+                <a:latin typeface="Consolas" panose="020B0609020204030204" pitchFamily="49" charset="0"/>
+              </a:rPr>
+              <a:t>&lt;h2&gt;</a:t>
+            </a:r>
+            <a:r>
+              <a:rPr lang="pt-BR" dirty="0">
+                <a:solidFill>
+                  <a:srgbClr val="000000"/>
+                </a:solidFill>
+                <a:latin typeface="Consolas" panose="020B0609020204030204" pitchFamily="49" charset="0"/>
+              </a:rPr>
+              <a:t>Projetos Recentes</a:t>
+            </a:r>
+            <a:r>
+              <a:rPr lang="pt-BR" dirty="0">
+                <a:solidFill>
+                  <a:srgbClr val="800000"/>
+                </a:solidFill>
+                <a:latin typeface="Consolas" panose="020B0609020204030204" pitchFamily="49" charset="0"/>
+              </a:rPr>
+              <a:t>&lt;/h2&gt;</a:t>
+            </a:r>
+            <a:endParaRPr lang="pt-BR" dirty="0">
+              <a:solidFill>
+                <a:srgbClr val="000000"/>
+              </a:solidFill>
+              <a:latin typeface="Consolas" panose="020B0609020204030204" pitchFamily="49" charset="0"/>
+            </a:endParaRPr>
+          </a:p>
+          <a:p>
+            <a:pPr>
+              <a:lnSpc>
+                <a:spcPct val="150000"/>
+              </a:lnSpc>
+            </a:pPr>
+            <a:r>
+              <a:rPr lang="pt-BR" dirty="0">
+                <a:solidFill>
+                  <a:srgbClr val="000000"/>
+                </a:solidFill>
+                <a:latin typeface="Consolas" panose="020B0609020204030204" pitchFamily="49" charset="0"/>
+              </a:rPr>
+              <a:t>    </a:t>
+            </a:r>
+            <a:r>
+              <a:rPr lang="pt-BR" dirty="0">
+                <a:solidFill>
+                  <a:srgbClr val="800000"/>
+                </a:solidFill>
+                <a:latin typeface="Consolas" panose="020B0609020204030204" pitchFamily="49" charset="0"/>
+              </a:rPr>
+              <a:t>&lt;p&gt;</a:t>
+            </a:r>
+            <a:r>
+              <a:rPr lang="pt-BR" dirty="0">
+                <a:solidFill>
+                  <a:srgbClr val="000000"/>
+                </a:solidFill>
+                <a:latin typeface="Consolas" panose="020B0609020204030204" pitchFamily="49" charset="0"/>
+              </a:rPr>
+              <a:t>Aqui você encontra uma lista dos meus projetos mais recentes.</a:t>
+            </a:r>
+            <a:r>
+              <a:rPr lang="pt-BR" dirty="0">
+                <a:solidFill>
+                  <a:srgbClr val="800000"/>
+                </a:solidFill>
+                <a:latin typeface="Consolas" panose="020B0609020204030204" pitchFamily="49" charset="0"/>
+              </a:rPr>
+              <a:t>&lt;/p&gt;</a:t>
+            </a:r>
+            <a:endParaRPr lang="pt-BR" dirty="0">
+              <a:solidFill>
+                <a:srgbClr val="000000"/>
+              </a:solidFill>
+              <a:latin typeface="Consolas" panose="020B0609020204030204" pitchFamily="49" charset="0"/>
+            </a:endParaRPr>
+          </a:p>
+          <a:p>
+            <a:pPr>
+              <a:lnSpc>
+                <a:spcPct val="150000"/>
+              </a:lnSpc>
+            </a:pPr>
+            <a:r>
+              <a:rPr lang="pt-BR" dirty="0">
+                <a:solidFill>
+                  <a:srgbClr val="800000"/>
+                </a:solidFill>
+                <a:latin typeface="Consolas" panose="020B0609020204030204" pitchFamily="49" charset="0"/>
+              </a:rPr>
+              <a:t>&lt;/</a:t>
+            </a:r>
+            <a:r>
+              <a:rPr lang="pt-BR" dirty="0" err="1">
+                <a:solidFill>
+                  <a:srgbClr val="800000"/>
+                </a:solidFill>
+                <a:latin typeface="Consolas" panose="020B0609020204030204" pitchFamily="49" charset="0"/>
+              </a:rPr>
+              <a:t>main</a:t>
+            </a:r>
+            <a:r>
+              <a:rPr lang="pt-BR" dirty="0">
+                <a:solidFill>
+                  <a:srgbClr val="800000"/>
+                </a:solidFill>
+                <a:latin typeface="Consolas" panose="020B0609020204030204" pitchFamily="49" charset="0"/>
+              </a:rPr>
+              <a:t>&gt;</a:t>
+            </a:r>
+            <a:endParaRPr lang="pt-BR" b="0" dirty="0">
+              <a:solidFill>
+                <a:srgbClr val="000000"/>
+              </a:solidFill>
+              <a:effectLst/>
+              <a:latin typeface="Consolas" panose="020B0609020204030204" pitchFamily="49" charset="0"/>
+            </a:endParaRPr>
+          </a:p>
+        </p:txBody>
+      </p:sp>
+    </p:spTree>
+    <p:extLst>
+      <p:ext uri="{BB962C8B-B14F-4D97-AF65-F5344CB8AC3E}">
+        <p14:creationId xmlns:p14="http://schemas.microsoft.com/office/powerpoint/2010/main" val="437621970"/>
       </p:ext>
     </p:extLst>
   </p:cSld>

--- a/Módulo 01 - HTML e CSS/Aula 03 - Semantica em HTML/Semantica no HTML.pptx
+++ b/Módulo 01 - HTML e CSS/Aula 03 - Semantica em HTML/Semantica no HTML.pptx
@@ -20,8 +20,8 @@
     <p:sldId id="270" r:id="rId8"/>
     <p:sldId id="271" r:id="rId9"/>
     <p:sldId id="272" r:id="rId10"/>
-    <p:sldId id="273" r:id="rId11"/>
-    <p:sldId id="275" r:id="rId12"/>
+    <p:sldId id="275" r:id="rId11"/>
+    <p:sldId id="273" r:id="rId12"/>
     <p:sldId id="276" r:id="rId13"/>
     <p:sldId id="265" r:id="rId14"/>
     <p:sldId id="266" r:id="rId15"/>
@@ -241,7 +241,7 @@
           <a:p>
             <a:fld id="{0F28648D-752F-4D9E-8EC2-61293C3E9BC7}" type="datetimeFigureOut">
               <a:rPr lang="pt-BR" smtClean="0"/>
-              <a:t>23/01/2025</a:t>
+              <a:t>03/02/2025</a:t>
             </a:fld>
             <a:endParaRPr lang="pt-BR"/>
           </a:p>
@@ -418,7 +418,7 @@
           <a:p>
             <a:fld id="{C67E822F-2664-47C4-8404-83B1D4D0E6EE}" type="datetimeFigureOut">
               <a:rPr lang="pt-BR" smtClean="0"/>
-              <a:t>23/01/2025</a:t>
+              <a:t>03/02/2025</a:t>
             </a:fld>
             <a:endParaRPr lang="pt-BR"/>
           </a:p>
@@ -1121,7 +1121,7 @@
           <a:p>
             <a:fld id="{CDD55C27-F8C6-4481-8569-CAC50CAE9F1F}" type="datetimeFigureOut">
               <a:rPr lang="pt-BR" smtClean="0"/>
-              <a:t>23/01/2025</a:t>
+              <a:t>03/02/2025</a:t>
             </a:fld>
             <a:endParaRPr lang="pt-BR"/>
           </a:p>
@@ -1611,7 +1611,7 @@
           <a:p>
             <a:fld id="{CDD55C27-F8C6-4481-8569-CAC50CAE9F1F}" type="datetimeFigureOut">
               <a:rPr lang="pt-BR" smtClean="0"/>
-              <a:t>23/01/2025</a:t>
+              <a:t>03/02/2025</a:t>
             </a:fld>
             <a:endParaRPr lang="pt-BR"/>
           </a:p>
@@ -1914,7 +1914,7 @@
           <a:p>
             <a:fld id="{CDD55C27-F8C6-4481-8569-CAC50CAE9F1F}" type="datetimeFigureOut">
               <a:rPr lang="pt-BR" smtClean="0"/>
-              <a:t>23/01/2025</a:t>
+              <a:t>03/02/2025</a:t>
             </a:fld>
             <a:endParaRPr lang="pt-BR"/>
           </a:p>
@@ -2365,7 +2365,7 @@
           <a:p>
             <a:fld id="{CDD55C27-F8C6-4481-8569-CAC50CAE9F1F}" type="datetimeFigureOut">
               <a:rPr lang="pt-BR" smtClean="0"/>
-              <a:t>23/01/2025</a:t>
+              <a:t>03/02/2025</a:t>
             </a:fld>
             <a:endParaRPr lang="pt-BR"/>
           </a:p>
@@ -2538,7 +2538,7 @@
           <a:p>
             <a:fld id="{CDD55C27-F8C6-4481-8569-CAC50CAE9F1F}" type="datetimeFigureOut">
               <a:rPr lang="pt-BR" smtClean="0"/>
-              <a:t>23/01/2025</a:t>
+              <a:t>03/02/2025</a:t>
             </a:fld>
             <a:endParaRPr lang="pt-BR"/>
           </a:p>
@@ -2675,7 +2675,7 @@
           <a:p>
             <a:fld id="{CDD55C27-F8C6-4481-8569-CAC50CAE9F1F}" type="datetimeFigureOut">
               <a:rPr lang="pt-BR" smtClean="0"/>
-              <a:t>23/01/2025</a:t>
+              <a:t>03/02/2025</a:t>
             </a:fld>
             <a:endParaRPr lang="pt-BR"/>
           </a:p>
@@ -3019,7 +3019,7 @@
           <a:p>
             <a:fld id="{CDD55C27-F8C6-4481-8569-CAC50CAE9F1F}" type="datetimeFigureOut">
               <a:rPr lang="pt-BR" smtClean="0"/>
-              <a:t>23/01/2025</a:t>
+              <a:t>03/02/2025</a:t>
             </a:fld>
             <a:endParaRPr lang="pt-BR"/>
           </a:p>
@@ -3340,7 +3340,7 @@
           <a:p>
             <a:fld id="{CDD55C27-F8C6-4481-8569-CAC50CAE9F1F}" type="datetimeFigureOut">
               <a:rPr lang="pt-BR" smtClean="0"/>
-              <a:t>23/01/2025</a:t>
+              <a:t>03/02/2025</a:t>
             </a:fld>
             <a:endParaRPr lang="pt-BR"/>
           </a:p>
@@ -4009,7 +4009,7 @@
           <a:p>
             <a:r>
               <a:rPr lang="pt-BR" dirty="0"/>
-              <a:t>Conteúdo Independente</a:t>
+              <a:t>Agrupando Conteúdo Relacionado</a:t>
             </a:r>
           </a:p>
         </p:txBody>
@@ -4032,8 +4032,8 @@
         </p:nvSpPr>
         <p:spPr>
           <a:xfrm>
-            <a:off x="592347" y="1844675"/>
-            <a:ext cx="11007306" cy="1508125"/>
+            <a:off x="592347" y="1844674"/>
+            <a:ext cx="11007306" cy="1584325"/>
           </a:xfrm>
         </p:spPr>
         <p:txBody>
@@ -4047,23 +4047,31 @@
             </a:pPr>
             <a:r>
               <a:rPr lang="pt-BR" dirty="0"/>
-              <a:t>O &lt;</a:t>
+              <a:t>A </a:t>
             </a:r>
             <a:r>
               <a:rPr lang="pt-BR" dirty="0" err="1"/>
-              <a:t>article</a:t>
+              <a:t>tag</a:t>
             </a:r>
             <a:r>
               <a:rPr lang="pt-BR" dirty="0"/>
-              <a:t>&gt; é usado para agrupar um conteúdo que faz sentido por si só, como um post de blog, uma notícia ou um </a:t>
+              <a:t> &lt;</a:t>
             </a:r>
             <a:r>
               <a:rPr lang="pt-BR" dirty="0" err="1"/>
-              <a:t>card</a:t>
+              <a:t>section</a:t>
             </a:r>
             <a:r>
               <a:rPr lang="pt-BR" dirty="0"/>
-              <a:t> de informação.</a:t>
+              <a:t>&gt; é usada para dividir o conteúdo em blocos temáticos dentro do &lt;</a:t>
+            </a:r>
+            <a:r>
+              <a:rPr lang="pt-BR" dirty="0" err="1"/>
+              <a:t>main</a:t>
+            </a:r>
+            <a:r>
+              <a:rPr lang="pt-BR" dirty="0"/>
+              <a:t>&gt;. Ela é útil quando você quer agrupar várias partes relacionadas, como diferentes categorias.</a:t>
             </a:r>
           </a:p>
           <a:p>
@@ -4089,10 +4097,10 @@
       </p:sp>
       <p:sp>
         <p:nvSpPr>
-          <p:cNvPr id="5" name="Retângulo 4">
+          <p:cNvPr id="4" name="Retângulo 3">
             <a:extLst>
               <a:ext uri="{FF2B5EF4-FFF2-40B4-BE49-F238E27FC236}">
-                <a16:creationId xmlns:a16="http://schemas.microsoft.com/office/drawing/2014/main" id="{00003968-66AD-4344-B51F-4D71A258D00B}"/>
+                <a16:creationId xmlns:a16="http://schemas.microsoft.com/office/drawing/2014/main" id="{A5FF86AC-7D65-4EE7-8062-82E4ADE45006}"/>
               </a:ext>
             </a:extLst>
           </p:cNvPr>
@@ -4101,8 +4109,8 @@
         </p:nvSpPr>
         <p:spPr>
           <a:xfrm>
-            <a:off x="2272937" y="3894482"/>
-            <a:ext cx="7646126" cy="1200329"/>
+            <a:off x="4284617" y="3520164"/>
+            <a:ext cx="3622766" cy="2667397"/>
           </a:xfrm>
           <a:prstGeom prst="rect">
             <a:avLst/>
@@ -4114,34 +4122,24 @@
           </a:bodyPr>
           <a:lstStyle/>
           <a:p>
-            <a:r>
-              <a:rPr lang="pt-BR" dirty="0">
+            <a:pPr>
+              <a:spcBef>
+                <a:spcPts val="150"/>
+              </a:spcBef>
+              <a:spcAft>
+                <a:spcPts val="150"/>
+              </a:spcAft>
+            </a:pPr>
+            <a:r>
+              <a:rPr lang="it-IT" dirty="0">
                 <a:solidFill>
                   <a:srgbClr val="800000"/>
                 </a:solidFill>
                 <a:latin typeface="Consolas" panose="020B0609020204030204" pitchFamily="49" charset="0"/>
               </a:rPr>
-              <a:t>&lt;</a:t>
-            </a:r>
-            <a:r>
-              <a:rPr lang="pt-BR" dirty="0" err="1">
-                <a:solidFill>
-                  <a:srgbClr val="800000"/>
-                </a:solidFill>
-                <a:latin typeface="Consolas" panose="020B0609020204030204" pitchFamily="49" charset="0"/>
-              </a:rPr>
-              <a:t>article</a:t>
-            </a:r>
-            <a:r>
-              <a:rPr lang="pt-BR" dirty="0">
-                <a:solidFill>
-                  <a:srgbClr val="800000"/>
-                </a:solidFill>
-                <a:latin typeface="Consolas" panose="020B0609020204030204" pitchFamily="49" charset="0"/>
-              </a:rPr>
-              <a:t>&gt;</a:t>
-            </a:r>
-            <a:endParaRPr lang="pt-BR" dirty="0">
+              <a:t>&lt;section&gt;</a:t>
+            </a:r>
+            <a:endParaRPr lang="it-IT" dirty="0">
               <a:solidFill>
                 <a:srgbClr val="000000"/>
               </a:solidFill>
@@ -4149,43 +4147,51 @@
             </a:endParaRPr>
           </a:p>
           <a:p>
-            <a:r>
-              <a:rPr lang="pt-BR" dirty="0">
+            <a:pPr>
+              <a:spcBef>
+                <a:spcPts val="150"/>
+              </a:spcBef>
+              <a:spcAft>
+                <a:spcPts val="150"/>
+              </a:spcAft>
+            </a:pPr>
+            <a:r>
+              <a:rPr lang="it-IT" dirty="0">
                 <a:solidFill>
                   <a:srgbClr val="000000"/>
                 </a:solidFill>
                 <a:latin typeface="Consolas" panose="020B0609020204030204" pitchFamily="49" charset="0"/>
               </a:rPr>
-              <a:t>      </a:t>
-            </a:r>
-            <a:r>
-              <a:rPr lang="pt-BR" dirty="0">
+              <a:t>    </a:t>
+            </a:r>
+            <a:r>
+              <a:rPr lang="it-IT" dirty="0">
                 <a:solidFill>
                   <a:srgbClr val="800000"/>
                 </a:solidFill>
                 <a:latin typeface="Consolas" panose="020B0609020204030204" pitchFamily="49" charset="0"/>
               </a:rPr>
-              <a:t>&lt;h3&gt;</a:t>
-            </a:r>
-            <a:r>
-              <a:rPr lang="pt-BR" dirty="0">
+              <a:t>&lt;h2&gt;</a:t>
+            </a:r>
+            <a:r>
+              <a:rPr lang="it-IT" dirty="0">
                 <a:solidFill>
                   <a:srgbClr val="000000"/>
                 </a:solidFill>
                 <a:latin typeface="Consolas" panose="020B0609020204030204" pitchFamily="49" charset="0"/>
               </a:rPr>
-              <a:t>Site de Portfólio</a:t>
-            </a:r>
-            <a:r>
-              <a:rPr lang="pt-BR" dirty="0">
+              <a:t>Habilidades</a:t>
+            </a:r>
+            <a:r>
+              <a:rPr lang="it-IT" dirty="0">
                 <a:solidFill>
                   <a:srgbClr val="800000"/>
                 </a:solidFill>
                 <a:latin typeface="Consolas" panose="020B0609020204030204" pitchFamily="49" charset="0"/>
               </a:rPr>
-              <a:t>&lt;/h3&gt;</a:t>
-            </a:r>
-            <a:endParaRPr lang="pt-BR" dirty="0">
+              <a:t>&lt;/h2&gt;</a:t>
+            </a:r>
+            <a:endParaRPr lang="it-IT" dirty="0">
               <a:solidFill>
                 <a:srgbClr val="000000"/>
               </a:solidFill>
@@ -4193,43 +4199,33 @@
             </a:endParaRPr>
           </a:p>
           <a:p>
-            <a:r>
-              <a:rPr lang="pt-BR" dirty="0">
+            <a:pPr>
+              <a:spcBef>
+                <a:spcPts val="150"/>
+              </a:spcBef>
+              <a:spcAft>
+                <a:spcPts val="150"/>
+              </a:spcAft>
+            </a:pPr>
+            <a:r>
+              <a:rPr lang="it-IT" dirty="0">
                 <a:solidFill>
                   <a:srgbClr val="000000"/>
                 </a:solidFill>
                 <a:latin typeface="Consolas" panose="020B0609020204030204" pitchFamily="49" charset="0"/>
               </a:rPr>
-              <a:t>      </a:t>
-            </a:r>
-            <a:r>
-              <a:rPr lang="pt-BR" dirty="0">
+              <a:t>    </a:t>
+            </a:r>
+            <a:r>
+              <a:rPr lang="it-IT" dirty="0">
                 <a:solidFill>
                   <a:srgbClr val="800000"/>
                 </a:solidFill>
                 <a:latin typeface="Consolas" panose="020B0609020204030204" pitchFamily="49" charset="0"/>
               </a:rPr>
-              <a:t>&lt;p&gt;</a:t>
-            </a:r>
-            <a:r>
-              <a:rPr lang="pt-BR" dirty="0">
-                <a:solidFill>
-                  <a:srgbClr val="000000"/>
-                </a:solidFill>
-                <a:latin typeface="Consolas" panose="020B0609020204030204" pitchFamily="49" charset="0"/>
-              </a:rPr>
-              <a:t>Um site que criei para mostrar meus trabalhos.</a:t>
-            </a:r>
-            <a:r>
-              <a:rPr lang="pt-BR" dirty="0">
-                <a:solidFill>
-                  <a:srgbClr val="800000"/>
-                </a:solidFill>
-                <a:latin typeface="Consolas" panose="020B0609020204030204" pitchFamily="49" charset="0"/>
-              </a:rPr>
-              <a:t>&lt;/p&gt;</a:t>
-            </a:r>
-            <a:endParaRPr lang="pt-BR" dirty="0">
+              <a:t>&lt;ul&gt;</a:t>
+            </a:r>
+            <a:endParaRPr lang="it-IT" dirty="0">
               <a:solidFill>
                 <a:srgbClr val="000000"/>
               </a:solidFill>
@@ -4237,34 +4233,214 @@
             </a:endParaRPr>
           </a:p>
           <a:p>
-            <a:r>
-              <a:rPr lang="pt-BR" dirty="0">
+            <a:pPr>
+              <a:spcBef>
+                <a:spcPts val="150"/>
+              </a:spcBef>
+              <a:spcAft>
+                <a:spcPts val="150"/>
+              </a:spcAft>
+            </a:pPr>
+            <a:r>
+              <a:rPr lang="it-IT" dirty="0">
+                <a:solidFill>
+                  <a:srgbClr val="000000"/>
+                </a:solidFill>
+                <a:latin typeface="Consolas" panose="020B0609020204030204" pitchFamily="49" charset="0"/>
+              </a:rPr>
+              <a:t>      </a:t>
+            </a:r>
+            <a:r>
+              <a:rPr lang="it-IT" dirty="0">
                 <a:solidFill>
                   <a:srgbClr val="800000"/>
                 </a:solidFill>
                 <a:latin typeface="Consolas" panose="020B0609020204030204" pitchFamily="49" charset="0"/>
               </a:rPr>
-              <a:t>&lt;/</a:t>
-            </a:r>
-            <a:r>
-              <a:rPr lang="pt-BR" dirty="0" err="1">
+              <a:t>&lt;li&gt;</a:t>
+            </a:r>
+            <a:r>
+              <a:rPr lang="it-IT" dirty="0">
+                <a:solidFill>
+                  <a:srgbClr val="000000"/>
+                </a:solidFill>
+                <a:latin typeface="Consolas" panose="020B0609020204030204" pitchFamily="49" charset="0"/>
+              </a:rPr>
+              <a:t>HTML</a:t>
+            </a:r>
+            <a:r>
+              <a:rPr lang="it-IT" dirty="0">
                 <a:solidFill>
                   <a:srgbClr val="800000"/>
                 </a:solidFill>
                 <a:latin typeface="Consolas" panose="020B0609020204030204" pitchFamily="49" charset="0"/>
               </a:rPr>
-              <a:t>article</a:t>
-            </a:r>
-            <a:r>
-              <a:rPr lang="pt-BR" dirty="0">
+              <a:t>&lt;/li&gt;</a:t>
+            </a:r>
+            <a:endParaRPr lang="it-IT" dirty="0">
+              <a:solidFill>
+                <a:srgbClr val="000000"/>
+              </a:solidFill>
+              <a:latin typeface="Consolas" panose="020B0609020204030204" pitchFamily="49" charset="0"/>
+            </a:endParaRPr>
+          </a:p>
+          <a:p>
+            <a:pPr>
+              <a:spcBef>
+                <a:spcPts val="150"/>
+              </a:spcBef>
+              <a:spcAft>
+                <a:spcPts val="150"/>
+              </a:spcAft>
+            </a:pPr>
+            <a:r>
+              <a:rPr lang="it-IT" dirty="0">
+                <a:solidFill>
+                  <a:srgbClr val="000000"/>
+                </a:solidFill>
+                <a:latin typeface="Consolas" panose="020B0609020204030204" pitchFamily="49" charset="0"/>
+              </a:rPr>
+              <a:t>      </a:t>
+            </a:r>
+            <a:r>
+              <a:rPr lang="it-IT" dirty="0">
                 <a:solidFill>
                   <a:srgbClr val="800000"/>
                 </a:solidFill>
                 <a:latin typeface="Consolas" panose="020B0609020204030204" pitchFamily="49" charset="0"/>
               </a:rPr>
-              <a:t>&gt;</a:t>
-            </a:r>
-            <a:endParaRPr lang="pt-BR" b="0" dirty="0">
+              <a:t>&lt;li&gt;</a:t>
+            </a:r>
+            <a:r>
+              <a:rPr lang="it-IT" dirty="0">
+                <a:solidFill>
+                  <a:srgbClr val="000000"/>
+                </a:solidFill>
+                <a:latin typeface="Consolas" panose="020B0609020204030204" pitchFamily="49" charset="0"/>
+              </a:rPr>
+              <a:t>CSS</a:t>
+            </a:r>
+            <a:r>
+              <a:rPr lang="it-IT" dirty="0">
+                <a:solidFill>
+                  <a:srgbClr val="800000"/>
+                </a:solidFill>
+                <a:latin typeface="Consolas" panose="020B0609020204030204" pitchFamily="49" charset="0"/>
+              </a:rPr>
+              <a:t>&lt;/li&gt;</a:t>
+            </a:r>
+            <a:endParaRPr lang="it-IT" dirty="0">
+              <a:solidFill>
+                <a:srgbClr val="000000"/>
+              </a:solidFill>
+              <a:latin typeface="Consolas" panose="020B0609020204030204" pitchFamily="49" charset="0"/>
+            </a:endParaRPr>
+          </a:p>
+          <a:p>
+            <a:pPr>
+              <a:spcBef>
+                <a:spcPts val="150"/>
+              </a:spcBef>
+              <a:spcAft>
+                <a:spcPts val="150"/>
+              </a:spcAft>
+            </a:pPr>
+            <a:r>
+              <a:rPr lang="it-IT" dirty="0">
+                <a:solidFill>
+                  <a:srgbClr val="000000"/>
+                </a:solidFill>
+                <a:latin typeface="Consolas" panose="020B0609020204030204" pitchFamily="49" charset="0"/>
+              </a:rPr>
+              <a:t>      </a:t>
+            </a:r>
+            <a:r>
+              <a:rPr lang="it-IT" dirty="0">
+                <a:solidFill>
+                  <a:srgbClr val="800000"/>
+                </a:solidFill>
+                <a:latin typeface="Consolas" panose="020B0609020204030204" pitchFamily="49" charset="0"/>
+              </a:rPr>
+              <a:t>&lt;li&gt;</a:t>
+            </a:r>
+            <a:r>
+              <a:rPr lang="it-IT" dirty="0">
+                <a:solidFill>
+                  <a:srgbClr val="000000"/>
+                </a:solidFill>
+                <a:latin typeface="Consolas" panose="020B0609020204030204" pitchFamily="49" charset="0"/>
+              </a:rPr>
+              <a:t>JavaScript</a:t>
+            </a:r>
+            <a:r>
+              <a:rPr lang="it-IT" dirty="0">
+                <a:solidFill>
+                  <a:srgbClr val="800000"/>
+                </a:solidFill>
+                <a:latin typeface="Consolas" panose="020B0609020204030204" pitchFamily="49" charset="0"/>
+              </a:rPr>
+              <a:t>&lt;/li&gt;</a:t>
+            </a:r>
+            <a:endParaRPr lang="it-IT" dirty="0">
+              <a:solidFill>
+                <a:srgbClr val="000000"/>
+              </a:solidFill>
+              <a:latin typeface="Consolas" panose="020B0609020204030204" pitchFamily="49" charset="0"/>
+            </a:endParaRPr>
+          </a:p>
+          <a:p>
+            <a:pPr>
+              <a:spcBef>
+                <a:spcPts val="150"/>
+              </a:spcBef>
+              <a:spcAft>
+                <a:spcPts val="150"/>
+              </a:spcAft>
+            </a:pPr>
+            <a:r>
+              <a:rPr lang="it-IT" dirty="0">
+                <a:solidFill>
+                  <a:srgbClr val="000000"/>
+                </a:solidFill>
+                <a:latin typeface="Consolas" panose="020B0609020204030204" pitchFamily="49" charset="0"/>
+              </a:rPr>
+              <a:t>    </a:t>
+            </a:r>
+            <a:r>
+              <a:rPr lang="it-IT" dirty="0">
+                <a:solidFill>
+                  <a:srgbClr val="800000"/>
+                </a:solidFill>
+                <a:latin typeface="Consolas" panose="020B0609020204030204" pitchFamily="49" charset="0"/>
+              </a:rPr>
+              <a:t>&lt;/ul&gt;</a:t>
+            </a:r>
+            <a:endParaRPr lang="it-IT" dirty="0">
+              <a:solidFill>
+                <a:srgbClr val="000000"/>
+              </a:solidFill>
+              <a:latin typeface="Consolas" panose="020B0609020204030204" pitchFamily="49" charset="0"/>
+            </a:endParaRPr>
+          </a:p>
+          <a:p>
+            <a:pPr>
+              <a:spcBef>
+                <a:spcPts val="150"/>
+              </a:spcBef>
+              <a:spcAft>
+                <a:spcPts val="150"/>
+              </a:spcAft>
+            </a:pPr>
+            <a:r>
+              <a:rPr lang="it-IT" dirty="0">
+                <a:solidFill>
+                  <a:srgbClr val="800000"/>
+                </a:solidFill>
+                <a:latin typeface="Consolas" panose="020B0609020204030204" pitchFamily="49" charset="0"/>
+              </a:rPr>
+              <a:t>&lt;/section&gt;</a:t>
+            </a:r>
+            <a:endParaRPr lang="it-IT" b="0" dirty="0">
               <a:solidFill>
                 <a:srgbClr val="000000"/>
               </a:solidFill>
@@ -4277,7 +4453,7 @@
     </p:spTree>
     <p:extLst>
       <p:ext uri="{BB962C8B-B14F-4D97-AF65-F5344CB8AC3E}">
-        <p14:creationId xmlns:p14="http://schemas.microsoft.com/office/powerpoint/2010/main" val="2799188477"/>
+        <p14:creationId xmlns:p14="http://schemas.microsoft.com/office/powerpoint/2010/main" val="4263730719"/>
       </p:ext>
     </p:extLst>
   </p:cSld>
@@ -4327,7 +4503,7 @@
           <a:p>
             <a:r>
               <a:rPr lang="pt-BR" dirty="0"/>
-              <a:t>Agrupando Conteúdo Relacionado</a:t>
+              <a:t>Conteúdo Independente</a:t>
             </a:r>
           </a:p>
         </p:txBody>
@@ -4350,8 +4526,8 @@
         </p:nvSpPr>
         <p:spPr>
           <a:xfrm>
-            <a:off x="592347" y="1844674"/>
-            <a:ext cx="11007306" cy="1584325"/>
+            <a:off x="592347" y="1844675"/>
+            <a:ext cx="11007306" cy="1508125"/>
           </a:xfrm>
         </p:spPr>
         <p:txBody>
@@ -4365,31 +4541,23 @@
             </a:pPr>
             <a:r>
               <a:rPr lang="pt-BR" dirty="0"/>
-              <a:t>A </a:t>
+              <a:t>O &lt;</a:t>
             </a:r>
             <a:r>
               <a:rPr lang="pt-BR" dirty="0" err="1"/>
-              <a:t>tag</a:t>
+              <a:t>article</a:t>
             </a:r>
             <a:r>
               <a:rPr lang="pt-BR" dirty="0"/>
-              <a:t> &lt;</a:t>
+              <a:t>&gt; é usado para agrupar um conteúdo que faz sentido por si só, como um post de blog, uma notícia ou um </a:t>
             </a:r>
             <a:r>
               <a:rPr lang="pt-BR" dirty="0" err="1"/>
-              <a:t>section</a:t>
+              <a:t>card</a:t>
             </a:r>
             <a:r>
               <a:rPr lang="pt-BR" dirty="0"/>
-              <a:t>&gt; é usada para dividir o conteúdo em blocos temáticos dentro do &lt;</a:t>
-            </a:r>
-            <a:r>
-              <a:rPr lang="pt-BR" dirty="0" err="1"/>
-              <a:t>main</a:t>
-            </a:r>
-            <a:r>
-              <a:rPr lang="pt-BR" dirty="0"/>
-              <a:t>&gt;. Ela é útil quando você quer agrupar várias partes relacionadas, como diferentes categorias.</a:t>
+              <a:t> de informação.</a:t>
             </a:r>
           </a:p>
           <a:p>
@@ -4415,10 +4583,10 @@
       </p:sp>
       <p:sp>
         <p:nvSpPr>
-          <p:cNvPr id="4" name="Retângulo 3">
+          <p:cNvPr id="5" name="Retângulo 4">
             <a:extLst>
               <a:ext uri="{FF2B5EF4-FFF2-40B4-BE49-F238E27FC236}">
-                <a16:creationId xmlns:a16="http://schemas.microsoft.com/office/drawing/2014/main" id="{A5FF86AC-7D65-4EE7-8062-82E4ADE45006}"/>
+                <a16:creationId xmlns:a16="http://schemas.microsoft.com/office/drawing/2014/main" id="{00003968-66AD-4344-B51F-4D71A258D00B}"/>
               </a:ext>
             </a:extLst>
           </p:cNvPr>
@@ -4427,8 +4595,8 @@
         </p:nvSpPr>
         <p:spPr>
           <a:xfrm>
-            <a:off x="4284617" y="3520164"/>
-            <a:ext cx="3622766" cy="2667397"/>
+            <a:off x="2272937" y="3894482"/>
+            <a:ext cx="7646126" cy="1200329"/>
           </a:xfrm>
           <a:prstGeom prst="rect">
             <a:avLst/>
@@ -4440,24 +4608,34 @@
           </a:bodyPr>
           <a:lstStyle/>
           <a:p>
-            <a:pPr>
-              <a:spcBef>
-                <a:spcPts val="150"/>
-              </a:spcBef>
-              <a:spcAft>
-                <a:spcPts val="150"/>
-              </a:spcAft>
-            </a:pPr>
-            <a:r>
-              <a:rPr lang="it-IT" dirty="0">
+            <a:r>
+              <a:rPr lang="pt-BR" dirty="0">
                 <a:solidFill>
                   <a:srgbClr val="800000"/>
                 </a:solidFill>
                 <a:latin typeface="Consolas" panose="020B0609020204030204" pitchFamily="49" charset="0"/>
               </a:rPr>
-              <a:t>&lt;section&gt;</a:t>
-            </a:r>
-            <a:endParaRPr lang="it-IT" dirty="0">
+              <a:t>&lt;</a:t>
+            </a:r>
+            <a:r>
+              <a:rPr lang="pt-BR" dirty="0" err="1">
+                <a:solidFill>
+                  <a:srgbClr val="800000"/>
+                </a:solidFill>
+                <a:latin typeface="Consolas" panose="020B0609020204030204" pitchFamily="49" charset="0"/>
+              </a:rPr>
+              <a:t>article</a:t>
+            </a:r>
+            <a:r>
+              <a:rPr lang="pt-BR" dirty="0">
+                <a:solidFill>
+                  <a:srgbClr val="800000"/>
+                </a:solidFill>
+                <a:latin typeface="Consolas" panose="020B0609020204030204" pitchFamily="49" charset="0"/>
+              </a:rPr>
+              <a:t>&gt;</a:t>
+            </a:r>
+            <a:endParaRPr lang="pt-BR" dirty="0">
               <a:solidFill>
                 <a:srgbClr val="000000"/>
               </a:solidFill>
@@ -4465,51 +4643,43 @@
             </a:endParaRPr>
           </a:p>
           <a:p>
-            <a:pPr>
-              <a:spcBef>
-                <a:spcPts val="150"/>
-              </a:spcBef>
-              <a:spcAft>
-                <a:spcPts val="150"/>
-              </a:spcAft>
-            </a:pPr>
-            <a:r>
-              <a:rPr lang="it-IT" dirty="0">
+            <a:r>
+              <a:rPr lang="pt-BR" dirty="0">
                 <a:solidFill>
                   <a:srgbClr val="000000"/>
                 </a:solidFill>
                 <a:latin typeface="Consolas" panose="020B0609020204030204" pitchFamily="49" charset="0"/>
               </a:rPr>
-              <a:t>    </a:t>
-            </a:r>
-            <a:r>
-              <a:rPr lang="it-IT" dirty="0">
+              <a:t>      </a:t>
+            </a:r>
+            <a:r>
+              <a:rPr lang="pt-BR" dirty="0">
                 <a:solidFill>
                   <a:srgbClr val="800000"/>
                 </a:solidFill>
                 <a:latin typeface="Consolas" panose="020B0609020204030204" pitchFamily="49" charset="0"/>
               </a:rPr>
-              <a:t>&lt;h2&gt;</a:t>
-            </a:r>
-            <a:r>
-              <a:rPr lang="it-IT" dirty="0">
+              <a:t>&lt;h3&gt;</a:t>
+            </a:r>
+            <a:r>
+              <a:rPr lang="pt-BR" dirty="0">
                 <a:solidFill>
                   <a:srgbClr val="000000"/>
                 </a:solidFill>
                 <a:latin typeface="Consolas" panose="020B0609020204030204" pitchFamily="49" charset="0"/>
               </a:rPr>
-              <a:t>Habilidades</a:t>
-            </a:r>
-            <a:r>
-              <a:rPr lang="it-IT" dirty="0">
+              <a:t>Site de Portfólio</a:t>
+            </a:r>
+            <a:r>
+              <a:rPr lang="pt-BR" dirty="0">
                 <a:solidFill>
                   <a:srgbClr val="800000"/>
                 </a:solidFill>
                 <a:latin typeface="Consolas" panose="020B0609020204030204" pitchFamily="49" charset="0"/>
               </a:rPr>
-              <a:t>&lt;/h2&gt;</a:t>
-            </a:r>
-            <a:endParaRPr lang="it-IT" dirty="0">
+              <a:t>&lt;/h3&gt;</a:t>
+            </a:r>
+            <a:endParaRPr lang="pt-BR" dirty="0">
               <a:solidFill>
                 <a:srgbClr val="000000"/>
               </a:solidFill>
@@ -4517,33 +4687,43 @@
             </a:endParaRPr>
           </a:p>
           <a:p>
-            <a:pPr>
-              <a:spcBef>
-                <a:spcPts val="150"/>
-              </a:spcBef>
-              <a:spcAft>
-                <a:spcPts val="150"/>
-              </a:spcAft>
-            </a:pPr>
-            <a:r>
-              <a:rPr lang="it-IT" dirty="0">
+            <a:r>
+              <a:rPr lang="pt-BR" dirty="0">
                 <a:solidFill>
                   <a:srgbClr val="000000"/>
                 </a:solidFill>
                 <a:latin typeface="Consolas" panose="020B0609020204030204" pitchFamily="49" charset="0"/>
               </a:rPr>
-              <a:t>    </a:t>
-            </a:r>
-            <a:r>
-              <a:rPr lang="it-IT" dirty="0">
+              <a:t>      </a:t>
+            </a:r>
+            <a:r>
+              <a:rPr lang="pt-BR" dirty="0">
                 <a:solidFill>
                   <a:srgbClr val="800000"/>
                 </a:solidFill>
                 <a:latin typeface="Consolas" panose="020B0609020204030204" pitchFamily="49" charset="0"/>
               </a:rPr>
-              <a:t>&lt;ul&gt;</a:t>
-            </a:r>
-            <a:endParaRPr lang="it-IT" dirty="0">
+              <a:t>&lt;p&gt;</a:t>
+            </a:r>
+            <a:r>
+              <a:rPr lang="pt-BR" dirty="0">
+                <a:solidFill>
+                  <a:srgbClr val="000000"/>
+                </a:solidFill>
+                <a:latin typeface="Consolas" panose="020B0609020204030204" pitchFamily="49" charset="0"/>
+              </a:rPr>
+              <a:t>Um site que criei para mostrar meus trabalhos.</a:t>
+            </a:r>
+            <a:r>
+              <a:rPr lang="pt-BR" dirty="0">
+                <a:solidFill>
+                  <a:srgbClr val="800000"/>
+                </a:solidFill>
+                <a:latin typeface="Consolas" panose="020B0609020204030204" pitchFamily="49" charset="0"/>
+              </a:rPr>
+              <a:t>&lt;/p&gt;</a:t>
+            </a:r>
+            <a:endParaRPr lang="pt-BR" dirty="0">
               <a:solidFill>
                 <a:srgbClr val="000000"/>
               </a:solidFill>
@@ -4551,214 +4731,34 @@
             </a:endParaRPr>
           </a:p>
           <a:p>
-            <a:pPr>
-              <a:spcBef>
-                <a:spcPts val="150"/>
-              </a:spcBef>
-              <a:spcAft>
-                <a:spcPts val="150"/>
-              </a:spcAft>
-            </a:pPr>
-            <a:r>
-              <a:rPr lang="it-IT" dirty="0">
-                <a:solidFill>
-                  <a:srgbClr val="000000"/>
+            <a:r>
+              <a:rPr lang="pt-BR" dirty="0">
+                <a:solidFill>
+                  <a:srgbClr val="800000"/>
                 </a:solidFill>
                 <a:latin typeface="Consolas" panose="020B0609020204030204" pitchFamily="49" charset="0"/>
               </a:rPr>
-              <a:t>      </a:t>
-            </a:r>
-            <a:r>
-              <a:rPr lang="it-IT" dirty="0">
+              <a:t>&lt;/</a:t>
+            </a:r>
+            <a:r>
+              <a:rPr lang="pt-BR" dirty="0" err="1">
                 <a:solidFill>
                   <a:srgbClr val="800000"/>
                 </a:solidFill>
                 <a:latin typeface="Consolas" panose="020B0609020204030204" pitchFamily="49" charset="0"/>
               </a:rPr>
-              <a:t>&lt;li&gt;</a:t>
-            </a:r>
-            <a:r>
-              <a:rPr lang="it-IT" dirty="0">
-                <a:solidFill>
-                  <a:srgbClr val="000000"/>
+              <a:t>article</a:t>
+            </a:r>
+            <a:r>
+              <a:rPr lang="pt-BR" dirty="0">
+                <a:solidFill>
+                  <a:srgbClr val="800000"/>
                 </a:solidFill>
                 <a:latin typeface="Consolas" panose="020B0609020204030204" pitchFamily="49" charset="0"/>
               </a:rPr>
-              <a:t>HTML</a:t>
-            </a:r>
-            <a:r>
-              <a:rPr lang="it-IT" dirty="0">
-                <a:solidFill>
-                  <a:srgbClr val="800000"/>
-                </a:solidFill>
-                <a:latin typeface="Consolas" panose="020B0609020204030204" pitchFamily="49" charset="0"/>
-              </a:rPr>
-              <a:t>&lt;/li&gt;</a:t>
-            </a:r>
-            <a:endParaRPr lang="it-IT" dirty="0">
-              <a:solidFill>
-                <a:srgbClr val="000000"/>
-              </a:solidFill>
-              <a:latin typeface="Consolas" panose="020B0609020204030204" pitchFamily="49" charset="0"/>
-            </a:endParaRPr>
-          </a:p>
-          <a:p>
-            <a:pPr>
-              <a:spcBef>
-                <a:spcPts val="150"/>
-              </a:spcBef>
-              <a:spcAft>
-                <a:spcPts val="150"/>
-              </a:spcAft>
-            </a:pPr>
-            <a:r>
-              <a:rPr lang="it-IT" dirty="0">
-                <a:solidFill>
-                  <a:srgbClr val="000000"/>
-                </a:solidFill>
-                <a:latin typeface="Consolas" panose="020B0609020204030204" pitchFamily="49" charset="0"/>
-              </a:rPr>
-              <a:t>      </a:t>
-            </a:r>
-            <a:r>
-              <a:rPr lang="it-IT" dirty="0">
-                <a:solidFill>
-                  <a:srgbClr val="800000"/>
-                </a:solidFill>
-                <a:latin typeface="Consolas" panose="020B0609020204030204" pitchFamily="49" charset="0"/>
-              </a:rPr>
-              <a:t>&lt;li&gt;</a:t>
-            </a:r>
-            <a:r>
-              <a:rPr lang="it-IT" dirty="0">
-                <a:solidFill>
-                  <a:srgbClr val="000000"/>
-                </a:solidFill>
-                <a:latin typeface="Consolas" panose="020B0609020204030204" pitchFamily="49" charset="0"/>
-              </a:rPr>
-              <a:t>CSS</a:t>
-            </a:r>
-            <a:r>
-              <a:rPr lang="it-IT" dirty="0">
-                <a:solidFill>
-                  <a:srgbClr val="800000"/>
-                </a:solidFill>
-                <a:latin typeface="Consolas" panose="020B0609020204030204" pitchFamily="49" charset="0"/>
-              </a:rPr>
-              <a:t>&lt;/li&gt;</a:t>
-            </a:r>
-            <a:endParaRPr lang="it-IT" dirty="0">
-              <a:solidFill>
-                <a:srgbClr val="000000"/>
-              </a:solidFill>
-              <a:latin typeface="Consolas" panose="020B0609020204030204" pitchFamily="49" charset="0"/>
-            </a:endParaRPr>
-          </a:p>
-          <a:p>
-            <a:pPr>
-              <a:spcBef>
-                <a:spcPts val="150"/>
-              </a:spcBef>
-              <a:spcAft>
-                <a:spcPts val="150"/>
-              </a:spcAft>
-            </a:pPr>
-            <a:r>
-              <a:rPr lang="it-IT" dirty="0">
-                <a:solidFill>
-                  <a:srgbClr val="000000"/>
-                </a:solidFill>
-                <a:latin typeface="Consolas" panose="020B0609020204030204" pitchFamily="49" charset="0"/>
-              </a:rPr>
-              <a:t>      </a:t>
-            </a:r>
-            <a:r>
-              <a:rPr lang="it-IT" dirty="0">
-                <a:solidFill>
-                  <a:srgbClr val="800000"/>
-                </a:solidFill>
-                <a:latin typeface="Consolas" panose="020B0609020204030204" pitchFamily="49" charset="0"/>
-              </a:rPr>
-              <a:t>&lt;li&gt;</a:t>
-            </a:r>
-            <a:r>
-              <a:rPr lang="it-IT" dirty="0">
-                <a:solidFill>
-                  <a:srgbClr val="000000"/>
-                </a:solidFill>
-                <a:latin typeface="Consolas" panose="020B0609020204030204" pitchFamily="49" charset="0"/>
-              </a:rPr>
-              <a:t>JavaScript</a:t>
-            </a:r>
-            <a:r>
-              <a:rPr lang="it-IT" dirty="0">
-                <a:solidFill>
-                  <a:srgbClr val="800000"/>
-                </a:solidFill>
-                <a:latin typeface="Consolas" panose="020B0609020204030204" pitchFamily="49" charset="0"/>
-              </a:rPr>
-              <a:t>&lt;/li&gt;</a:t>
-            </a:r>
-            <a:endParaRPr lang="it-IT" dirty="0">
-              <a:solidFill>
-                <a:srgbClr val="000000"/>
-              </a:solidFill>
-              <a:latin typeface="Consolas" panose="020B0609020204030204" pitchFamily="49" charset="0"/>
-            </a:endParaRPr>
-          </a:p>
-          <a:p>
-            <a:pPr>
-              <a:spcBef>
-                <a:spcPts val="150"/>
-              </a:spcBef>
-              <a:spcAft>
-                <a:spcPts val="150"/>
-              </a:spcAft>
-            </a:pPr>
-            <a:r>
-              <a:rPr lang="it-IT" dirty="0">
-                <a:solidFill>
-                  <a:srgbClr val="000000"/>
-                </a:solidFill>
-                <a:latin typeface="Consolas" panose="020B0609020204030204" pitchFamily="49" charset="0"/>
-              </a:rPr>
-              <a:t>    </a:t>
-            </a:r>
-            <a:r>
-              <a:rPr lang="it-IT" dirty="0">
-                <a:solidFill>
-                  <a:srgbClr val="800000"/>
-                </a:solidFill>
-                <a:latin typeface="Consolas" panose="020B0609020204030204" pitchFamily="49" charset="0"/>
-              </a:rPr>
-              <a:t>&lt;/ul&gt;</a:t>
-            </a:r>
-            <a:endParaRPr lang="it-IT" dirty="0">
-              <a:solidFill>
-                <a:srgbClr val="000000"/>
-              </a:solidFill>
-              <a:latin typeface="Consolas" panose="020B0609020204030204" pitchFamily="49" charset="0"/>
-            </a:endParaRPr>
-          </a:p>
-          <a:p>
-            <a:pPr>
-              <a:spcBef>
-                <a:spcPts val="150"/>
-              </a:spcBef>
-              <a:spcAft>
-                <a:spcPts val="150"/>
-              </a:spcAft>
-            </a:pPr>
-            <a:r>
-              <a:rPr lang="it-IT" dirty="0">
-                <a:solidFill>
-                  <a:srgbClr val="800000"/>
-                </a:solidFill>
-                <a:latin typeface="Consolas" panose="020B0609020204030204" pitchFamily="49" charset="0"/>
-              </a:rPr>
-              <a:t>&lt;/section&gt;</a:t>
-            </a:r>
-            <a:endParaRPr lang="it-IT" b="0" dirty="0">
+              <a:t>&gt;</a:t>
+            </a:r>
+            <a:endParaRPr lang="pt-BR" b="0" dirty="0">
               <a:solidFill>
                 <a:srgbClr val="000000"/>
               </a:solidFill>
@@ -4771,7 +4771,7 @@
     </p:spTree>
     <p:extLst>
       <p:ext uri="{BB962C8B-B14F-4D97-AF65-F5344CB8AC3E}">
-        <p14:creationId xmlns:p14="http://schemas.microsoft.com/office/powerpoint/2010/main" val="4263730719"/>
+        <p14:creationId xmlns:p14="http://schemas.microsoft.com/office/powerpoint/2010/main" val="2799188477"/>
       </p:ext>
     </p:extLst>
   </p:cSld>
@@ -10445,7 +10445,7 @@
         </p:nvSpPr>
         <p:spPr>
           <a:xfrm>
-            <a:off x="1554480" y="3822451"/>
+            <a:off x="1554480" y="3654500"/>
             <a:ext cx="9083040" cy="1709827"/>
           </a:xfrm>
           <a:prstGeom prst="rect">
